--- a/images/theory_analysis/AWS_EMR_EKS/AWS_EMR_EKS.pptx
+++ b/images/theory_analysis/AWS_EMR_EKS/AWS_EMR_EKS.pptx
@@ -5,12 +5,13 @@
     <p:sldMasterId id="2147483648" r:id="rId1"/>
   </p:sldMasterIdLst>
   <p:notesMasterIdLst>
-    <p:notesMasterId r:id="rId5"/>
+    <p:notesMasterId r:id="rId6"/>
   </p:notesMasterIdLst>
   <p:sldIdLst>
-    <p:sldId id="446" r:id="rId2"/>
-    <p:sldId id="367" r:id="rId3"/>
-    <p:sldId id="371" r:id="rId4"/>
+    <p:sldId id="447" r:id="rId2"/>
+    <p:sldId id="446" r:id="rId3"/>
+    <p:sldId id="367" r:id="rId4"/>
+    <p:sldId id="371" r:id="rId5"/>
   </p:sldIdLst>
   <p:sldSz cx="9144000" cy="5143500" type="screen16x9"/>
   <p:notesSz cx="6858000" cy="9144000"/>
@@ -547,7 +548,7 @@
           <a:p>
             <a:fld id="{BA5DFA43-8D57-47FB-BC46-057616015C3B}" type="slidenum">
               <a:rPr lang="ko-KR" altLang="en-US" smtClean="0"/>
-              <a:t>2</a:t>
+              <a:t>1</a:t>
             </a:fld>
             <a:endParaRPr lang="ko-KR" altLang="en-US"/>
           </a:p>
@@ -556,7 +557,7 @@
     </p:spTree>
     <p:extLst>
       <p:ext uri="{BB962C8B-B14F-4D97-AF65-F5344CB8AC3E}">
-        <p14:creationId xmlns:p14="http://schemas.microsoft.com/office/powerpoint/2010/main" val="1854327045"/>
+        <p14:creationId xmlns:p14="http://schemas.microsoft.com/office/powerpoint/2010/main" val="3835885602"/>
       </p:ext>
     </p:extLst>
   </p:cSld>
@@ -632,6 +633,90 @@
             <a:fld id="{BA5DFA43-8D57-47FB-BC46-057616015C3B}" type="slidenum">
               <a:rPr lang="ko-KR" altLang="en-US" smtClean="0"/>
               <a:t>3</a:t>
+            </a:fld>
+            <a:endParaRPr lang="ko-KR" altLang="en-US"/>
+          </a:p>
+        </p:txBody>
+      </p:sp>
+    </p:spTree>
+    <p:extLst>
+      <p:ext uri="{BB962C8B-B14F-4D97-AF65-F5344CB8AC3E}">
+        <p14:creationId xmlns:p14="http://schemas.microsoft.com/office/powerpoint/2010/main" val="1854327045"/>
+      </p:ext>
+    </p:extLst>
+  </p:cSld>
+  <p:clrMapOvr>
+    <a:masterClrMapping/>
+  </p:clrMapOvr>
+</p:notes>
+</file>
+
+<file path=ppt/notesSlides/notesSlide3.xml><?xml version="1.0" encoding="utf-8"?>
+<p:notes xmlns:a="http://schemas.openxmlformats.org/drawingml/2006/main" xmlns:r="http://schemas.openxmlformats.org/officeDocument/2006/relationships" xmlns:p="http://schemas.openxmlformats.org/presentationml/2006/main">
+  <p:cSld>
+    <p:spTree>
+      <p:nvGrpSpPr>
+        <p:cNvPr id="1" name=""/>
+        <p:cNvGrpSpPr/>
+        <p:nvPr/>
+      </p:nvGrpSpPr>
+      <p:grpSpPr>
+        <a:xfrm>
+          <a:off x="0" y="0"/>
+          <a:ext cx="0" cy="0"/>
+          <a:chOff x="0" y="0"/>
+          <a:chExt cx="0" cy="0"/>
+        </a:xfrm>
+      </p:grpSpPr>
+      <p:sp>
+        <p:nvSpPr>
+          <p:cNvPr id="2" name="Slide Image Placeholder 1"/>
+          <p:cNvSpPr>
+            <a:spLocks noGrp="1" noRot="1" noChangeAspect="1"/>
+          </p:cNvSpPr>
+          <p:nvPr>
+            <p:ph type="sldImg"/>
+          </p:nvPr>
+        </p:nvSpPr>
+        <p:spPr/>
+      </p:sp>
+      <p:sp>
+        <p:nvSpPr>
+          <p:cNvPr id="3" name="Notes Placeholder 2"/>
+          <p:cNvSpPr>
+            <a:spLocks noGrp="1"/>
+          </p:cNvSpPr>
+          <p:nvPr>
+            <p:ph type="body" idx="1"/>
+          </p:nvPr>
+        </p:nvSpPr>
+        <p:spPr/>
+        <p:txBody>
+          <a:bodyPr/>
+          <a:lstStyle/>
+          <a:p>
+            <a:endParaRPr lang="en-KR"/>
+          </a:p>
+        </p:txBody>
+      </p:sp>
+      <p:sp>
+        <p:nvSpPr>
+          <p:cNvPr id="4" name="Slide Number Placeholder 3"/>
+          <p:cNvSpPr>
+            <a:spLocks noGrp="1"/>
+          </p:cNvSpPr>
+          <p:nvPr>
+            <p:ph type="sldNum" sz="quarter" idx="5"/>
+          </p:nvPr>
+        </p:nvSpPr>
+        <p:spPr/>
+        <p:txBody>
+          <a:bodyPr/>
+          <a:lstStyle/>
+          <a:p>
+            <a:fld id="{BA5DFA43-8D57-47FB-BC46-057616015C3B}" type="slidenum">
+              <a:rPr lang="ko-KR" altLang="en-US" smtClean="0"/>
+              <a:t>4</a:t>
             </a:fld>
             <a:endParaRPr lang="ko-KR" altLang="en-US"/>
           </a:p>
@@ -3557,6 +3642,5520 @@
           <a:chExt cx="0" cy="0"/>
         </a:xfrm>
       </p:grpSpPr>
+      <p:sp>
+        <p:nvSpPr>
+          <p:cNvPr id="108" name="모서리가 둥근 직사각형 2">
+            <a:extLst>
+              <a:ext uri="{FF2B5EF4-FFF2-40B4-BE49-F238E27FC236}">
+                <a16:creationId xmlns:a16="http://schemas.microsoft.com/office/drawing/2014/main" id="{8CD7802F-5E61-C14E-839F-1E0330E50159}"/>
+              </a:ext>
+            </a:extLst>
+          </p:cNvPr>
+          <p:cNvSpPr/>
+          <p:nvPr/>
+        </p:nvSpPr>
+        <p:spPr>
+          <a:xfrm>
+            <a:off x="2028972" y="3105992"/>
+            <a:ext cx="1631390" cy="1738091"/>
+          </a:xfrm>
+          <a:prstGeom prst="roundRect">
+            <a:avLst>
+              <a:gd name="adj" fmla="val 7293"/>
+            </a:avLst>
+          </a:prstGeom>
+          <a:ln w="12700"/>
+        </p:spPr>
+        <p:style>
+          <a:lnRef idx="2">
+            <a:schemeClr val="dk1"/>
+          </a:lnRef>
+          <a:fillRef idx="1">
+            <a:schemeClr val="lt1"/>
+          </a:fillRef>
+          <a:effectRef idx="0">
+            <a:schemeClr val="dk1"/>
+          </a:effectRef>
+          <a:fontRef idx="minor">
+            <a:schemeClr val="dk1"/>
+          </a:fontRef>
+        </p:style>
+        <p:txBody>
+          <a:bodyPr rtlCol="0" anchor="b"/>
+          <a:lstStyle/>
+          <a:p>
+            <a:pPr algn="ctr"/>
+            <a:r>
+              <a:rPr lang="en-US" altLang="ko-KR" sz="1000"/>
+              <a:t>Worker Node A</a:t>
+            </a:r>
+            <a:endParaRPr lang="ko-KR" altLang="en-US" sz="1000"/>
+          </a:p>
+        </p:txBody>
+      </p:sp>
+      <p:sp>
+        <p:nvSpPr>
+          <p:cNvPr id="112" name="모서리가 둥근 직사각형 2">
+            <a:extLst>
+              <a:ext uri="{FF2B5EF4-FFF2-40B4-BE49-F238E27FC236}">
+                <a16:creationId xmlns:a16="http://schemas.microsoft.com/office/drawing/2014/main" id="{AA3FA810-356E-611F-3A63-ADEAFDF83CE6}"/>
+              </a:ext>
+            </a:extLst>
+          </p:cNvPr>
+          <p:cNvSpPr/>
+          <p:nvPr/>
+        </p:nvSpPr>
+        <p:spPr>
+          <a:xfrm>
+            <a:off x="2176721" y="3756366"/>
+            <a:ext cx="1322750" cy="784179"/>
+          </a:xfrm>
+          <a:prstGeom prst="roundRect">
+            <a:avLst>
+              <a:gd name="adj" fmla="val 7487"/>
+            </a:avLst>
+          </a:prstGeom>
+          <a:ln w="12700"/>
+        </p:spPr>
+        <p:style>
+          <a:lnRef idx="2">
+            <a:schemeClr val="dk1"/>
+          </a:lnRef>
+          <a:fillRef idx="1">
+            <a:schemeClr val="lt1"/>
+          </a:fillRef>
+          <a:effectRef idx="0">
+            <a:schemeClr val="dk1"/>
+          </a:effectRef>
+          <a:fontRef idx="minor">
+            <a:schemeClr val="dk1"/>
+          </a:fontRef>
+        </p:style>
+        <p:txBody>
+          <a:bodyPr rtlCol="0" anchor="b"/>
+          <a:lstStyle/>
+          <a:p>
+            <a:pPr algn="ctr"/>
+            <a:r>
+              <a:rPr lang="en-US" altLang="ko-KR" sz="1000"/>
+              <a:t>job-runner Pod</a:t>
+            </a:r>
+            <a:endParaRPr lang="ko-KR" altLang="en-US" sz="1000"/>
+          </a:p>
+        </p:txBody>
+      </p:sp>
+      <p:sp>
+        <p:nvSpPr>
+          <p:cNvPr id="113" name="모서리가 둥근 직사각형 2">
+            <a:extLst>
+              <a:ext uri="{FF2B5EF4-FFF2-40B4-BE49-F238E27FC236}">
+                <a16:creationId xmlns:a16="http://schemas.microsoft.com/office/drawing/2014/main" id="{093A04FD-246D-E810-77EA-94D9A542152B}"/>
+              </a:ext>
+            </a:extLst>
+          </p:cNvPr>
+          <p:cNvSpPr/>
+          <p:nvPr/>
+        </p:nvSpPr>
+        <p:spPr>
+          <a:xfrm>
+            <a:off x="2356544" y="3803118"/>
+            <a:ext cx="964130" cy="216031"/>
+          </a:xfrm>
+          <a:prstGeom prst="roundRect">
+            <a:avLst>
+              <a:gd name="adj" fmla="val 13068"/>
+            </a:avLst>
+          </a:prstGeom>
+          <a:ln w="12700"/>
+        </p:spPr>
+        <p:style>
+          <a:lnRef idx="2">
+            <a:schemeClr val="dk1"/>
+          </a:lnRef>
+          <a:fillRef idx="1">
+            <a:schemeClr val="lt1"/>
+          </a:fillRef>
+          <a:effectRef idx="0">
+            <a:schemeClr val="dk1"/>
+          </a:effectRef>
+          <a:fontRef idx="minor">
+            <a:schemeClr val="dk1"/>
+          </a:fontRef>
+        </p:style>
+        <p:txBody>
+          <a:bodyPr rtlCol="0" anchor="ctr"/>
+          <a:lstStyle/>
+          <a:p>
+            <a:pPr algn="ctr"/>
+            <a:r>
+              <a:rPr lang="en-US" altLang="ko-KR" sz="800"/>
+              <a:t>job-runner </a:t>
+            </a:r>
+          </a:p>
+          <a:p>
+            <a:pPr algn="ctr"/>
+            <a:r>
+              <a:rPr lang="en-US" altLang="ko-KR" sz="800" b="1"/>
+              <a:t>(spark-submit)</a:t>
+            </a:r>
+            <a:endParaRPr lang="ko-KR" altLang="en-US" sz="800" b="1"/>
+          </a:p>
+        </p:txBody>
+      </p:sp>
+      <p:sp>
+        <p:nvSpPr>
+          <p:cNvPr id="114" name="모서리가 둥근 직사각형 2">
+            <a:extLst>
+              <a:ext uri="{FF2B5EF4-FFF2-40B4-BE49-F238E27FC236}">
+                <a16:creationId xmlns:a16="http://schemas.microsoft.com/office/drawing/2014/main" id="{BDBEE634-CAC8-BF49-2FF1-A0AC00FCA42A}"/>
+              </a:ext>
+            </a:extLst>
+          </p:cNvPr>
+          <p:cNvSpPr/>
+          <p:nvPr/>
+        </p:nvSpPr>
+        <p:spPr>
+          <a:xfrm>
+            <a:off x="2892235" y="4075817"/>
+            <a:ext cx="560755" cy="254726"/>
+          </a:xfrm>
+          <a:prstGeom prst="roundRect">
+            <a:avLst>
+              <a:gd name="adj" fmla="val 13068"/>
+            </a:avLst>
+          </a:prstGeom>
+          <a:solidFill>
+            <a:schemeClr val="bg1">
+              <a:lumMod val="85000"/>
+            </a:schemeClr>
+          </a:solidFill>
+          <a:ln w="12700"/>
+        </p:spPr>
+        <p:style>
+          <a:lnRef idx="2">
+            <a:schemeClr val="dk1"/>
+          </a:lnRef>
+          <a:fillRef idx="1">
+            <a:schemeClr val="lt1"/>
+          </a:fillRef>
+          <a:effectRef idx="0">
+            <a:schemeClr val="dk1"/>
+          </a:effectRef>
+          <a:fontRef idx="minor">
+            <a:schemeClr val="dk1"/>
+          </a:fontRef>
+        </p:style>
+        <p:txBody>
+          <a:bodyPr rtlCol="0" anchor="ctr"/>
+          <a:lstStyle/>
+          <a:p>
+            <a:pPr algn="ctr"/>
+            <a:r>
+              <a:rPr lang="en-US" altLang="ko-KR" sz="800"/>
+              <a:t>fluentd</a:t>
+            </a:r>
+          </a:p>
+          <a:p>
+            <a:pPr algn="ctr"/>
+            <a:r>
+              <a:rPr lang="en-US" altLang="ko-KR" sz="800"/>
+              <a:t>Logger</a:t>
+            </a:r>
+            <a:endParaRPr lang="ko-KR" altLang="en-US" sz="800"/>
+          </a:p>
+        </p:txBody>
+      </p:sp>
+      <p:sp>
+        <p:nvSpPr>
+          <p:cNvPr id="2" name="제목 1">
+            <a:extLst>
+              <a:ext uri="{FF2B5EF4-FFF2-40B4-BE49-F238E27FC236}">
+                <a16:creationId xmlns:a16="http://schemas.microsoft.com/office/drawing/2014/main" id="{42D92FD6-97D5-22EF-2A04-0BC282BD0B3C}"/>
+              </a:ext>
+            </a:extLst>
+          </p:cNvPr>
+          <p:cNvSpPr txBox="1">
+            <a:spLocks/>
+          </p:cNvSpPr>
+          <p:nvPr/>
+        </p:nvSpPr>
+        <p:spPr>
+          <a:xfrm>
+            <a:off x="565354" y="-726077"/>
+            <a:ext cx="8229600" cy="704211"/>
+          </a:xfrm>
+          <a:prstGeom prst="rect">
+            <a:avLst/>
+          </a:prstGeom>
+        </p:spPr>
+        <p:txBody>
+          <a:bodyPr>
+            <a:normAutofit/>
+          </a:bodyPr>
+          <a:lstStyle>
+            <a:lvl1pPr algn="ctr" defTabSz="914400" rtl="0" eaLnBrk="1" latinLnBrk="1" hangingPunct="1">
+              <a:spcBef>
+                <a:spcPct val="0"/>
+              </a:spcBef>
+              <a:buNone/>
+              <a:defRPr sz="4400" kern="1200">
+                <a:solidFill>
+                  <a:schemeClr val="tx1"/>
+                </a:solidFill>
+                <a:latin typeface="+mj-lt"/>
+                <a:ea typeface="+mj-ea"/>
+                <a:cs typeface="+mj-cs"/>
+              </a:defRPr>
+            </a:lvl1pPr>
+          </a:lstStyle>
+          <a:p>
+            <a:r>
+              <a:rPr lang="en-US" altLang="ko-KR" sz="3600"/>
+              <a:t>EMR on EKS Architecture</a:t>
+            </a:r>
+            <a:endParaRPr lang="ko-KR" altLang="en-US" sz="3600"/>
+          </a:p>
+        </p:txBody>
+      </p:sp>
+      <p:sp>
+        <p:nvSpPr>
+          <p:cNvPr id="4" name="Rounded Rectangle 3">
+            <a:extLst>
+              <a:ext uri="{FF2B5EF4-FFF2-40B4-BE49-F238E27FC236}">
+                <a16:creationId xmlns:a16="http://schemas.microsoft.com/office/drawing/2014/main" id="{B5266C83-4AC1-2FCB-CB8F-6E2326F41BC9}"/>
+              </a:ext>
+            </a:extLst>
+          </p:cNvPr>
+          <p:cNvSpPr/>
+          <p:nvPr/>
+        </p:nvSpPr>
+        <p:spPr>
+          <a:xfrm>
+            <a:off x="1962561" y="1131589"/>
+            <a:ext cx="6740965" cy="3942941"/>
+          </a:xfrm>
+          <a:prstGeom prst="roundRect">
+            <a:avLst>
+              <a:gd name="adj" fmla="val 2129"/>
+            </a:avLst>
+          </a:prstGeom>
+          <a:noFill/>
+          <a:ln w="12700">
+            <a:solidFill>
+              <a:schemeClr val="tx1"/>
+            </a:solidFill>
+            <a:prstDash val="dash"/>
+          </a:ln>
+        </p:spPr>
+        <p:style>
+          <a:lnRef idx="2">
+            <a:schemeClr val="accent1">
+              <a:shade val="50000"/>
+            </a:schemeClr>
+          </a:lnRef>
+          <a:fillRef idx="1">
+            <a:schemeClr val="accent1"/>
+          </a:fillRef>
+          <a:effectRef idx="0">
+            <a:schemeClr val="accent1"/>
+          </a:effectRef>
+          <a:fontRef idx="minor">
+            <a:schemeClr val="lt1"/>
+          </a:fontRef>
+        </p:style>
+        <p:txBody>
+          <a:bodyPr rtlCol="0" anchor="b"/>
+          <a:lstStyle/>
+          <a:p>
+            <a:pPr algn="ctr"/>
+            <a:r>
+              <a:rPr lang="en-KR" sz="1100" b="1">
+                <a:solidFill>
+                  <a:sysClr val="windowText" lastClr="000000"/>
+                </a:solidFill>
+              </a:rPr>
+              <a:t>EKS/Kubernetes Cluster</a:t>
+            </a:r>
+          </a:p>
+        </p:txBody>
+      </p:sp>
+      <p:sp>
+        <p:nvSpPr>
+          <p:cNvPr id="13" name="모서리가 둥근 직사각형 2">
+            <a:extLst>
+              <a:ext uri="{FF2B5EF4-FFF2-40B4-BE49-F238E27FC236}">
+                <a16:creationId xmlns:a16="http://schemas.microsoft.com/office/drawing/2014/main" id="{D6DF1200-1DF3-6BE5-9B2E-6FE7803AEB8A}"/>
+              </a:ext>
+            </a:extLst>
+          </p:cNvPr>
+          <p:cNvSpPr/>
+          <p:nvPr/>
+        </p:nvSpPr>
+        <p:spPr>
+          <a:xfrm>
+            <a:off x="5030940" y="3105994"/>
+            <a:ext cx="1631390" cy="1738089"/>
+          </a:xfrm>
+          <a:prstGeom prst="roundRect">
+            <a:avLst>
+              <a:gd name="adj" fmla="val 7293"/>
+            </a:avLst>
+          </a:prstGeom>
+          <a:ln w="12700"/>
+        </p:spPr>
+        <p:style>
+          <a:lnRef idx="2">
+            <a:schemeClr val="dk1"/>
+          </a:lnRef>
+          <a:fillRef idx="1">
+            <a:schemeClr val="lt1"/>
+          </a:fillRef>
+          <a:effectRef idx="0">
+            <a:schemeClr val="dk1"/>
+          </a:effectRef>
+          <a:fontRef idx="minor">
+            <a:schemeClr val="dk1"/>
+          </a:fontRef>
+        </p:style>
+        <p:txBody>
+          <a:bodyPr rtlCol="0" anchor="b"/>
+          <a:lstStyle/>
+          <a:p>
+            <a:pPr algn="ctr"/>
+            <a:r>
+              <a:rPr lang="en-US" altLang="ko-KR" sz="1000"/>
+              <a:t>Worker Node B</a:t>
+            </a:r>
+            <a:endParaRPr lang="ko-KR" altLang="en-US" sz="1000"/>
+          </a:p>
+        </p:txBody>
+      </p:sp>
+      <p:sp>
+        <p:nvSpPr>
+          <p:cNvPr id="19" name="모서리가 둥근 직사각형 2">
+            <a:extLst>
+              <a:ext uri="{FF2B5EF4-FFF2-40B4-BE49-F238E27FC236}">
+                <a16:creationId xmlns:a16="http://schemas.microsoft.com/office/drawing/2014/main" id="{5380B20D-7FBB-57B8-B7FA-D3EFBA84DC95}"/>
+              </a:ext>
+            </a:extLst>
+          </p:cNvPr>
+          <p:cNvSpPr/>
+          <p:nvPr/>
+        </p:nvSpPr>
+        <p:spPr>
+          <a:xfrm>
+            <a:off x="5178689" y="3163136"/>
+            <a:ext cx="1322750" cy="525136"/>
+          </a:xfrm>
+          <a:prstGeom prst="roundRect">
+            <a:avLst>
+              <a:gd name="adj" fmla="val 13068"/>
+            </a:avLst>
+          </a:prstGeom>
+          <a:ln w="12700"/>
+        </p:spPr>
+        <p:style>
+          <a:lnRef idx="2">
+            <a:schemeClr val="dk1"/>
+          </a:lnRef>
+          <a:fillRef idx="1">
+            <a:schemeClr val="lt1"/>
+          </a:fillRef>
+          <a:effectRef idx="0">
+            <a:schemeClr val="dk1"/>
+          </a:effectRef>
+          <a:fontRef idx="minor">
+            <a:schemeClr val="dk1"/>
+          </a:fontRef>
+        </p:style>
+        <p:txBody>
+          <a:bodyPr rtlCol="0" anchor="b"/>
+          <a:lstStyle/>
+          <a:p>
+            <a:pPr algn="ctr"/>
+            <a:r>
+              <a:rPr lang="en-US" altLang="ko-KR" sz="1000"/>
+              <a:t>Executor Pod</a:t>
+            </a:r>
+            <a:endParaRPr lang="ko-KR" altLang="en-US" sz="1000"/>
+          </a:p>
+        </p:txBody>
+      </p:sp>
+      <p:sp>
+        <p:nvSpPr>
+          <p:cNvPr id="23" name="모서리가 둥근 직사각형 2">
+            <a:extLst>
+              <a:ext uri="{FF2B5EF4-FFF2-40B4-BE49-F238E27FC236}">
+                <a16:creationId xmlns:a16="http://schemas.microsoft.com/office/drawing/2014/main" id="{1932A02F-95FE-289A-1F75-A21FCC2918B4}"/>
+              </a:ext>
+            </a:extLst>
+          </p:cNvPr>
+          <p:cNvSpPr/>
+          <p:nvPr/>
+        </p:nvSpPr>
+        <p:spPr>
+          <a:xfrm>
+            <a:off x="5850861" y="1290030"/>
+            <a:ext cx="1096289" cy="918283"/>
+          </a:xfrm>
+          <a:prstGeom prst="roundRect">
+            <a:avLst>
+              <a:gd name="adj" fmla="val 5875"/>
+            </a:avLst>
+          </a:prstGeom>
+          <a:ln w="12700"/>
+        </p:spPr>
+        <p:style>
+          <a:lnRef idx="2">
+            <a:schemeClr val="dk1"/>
+          </a:lnRef>
+          <a:fillRef idx="1">
+            <a:schemeClr val="lt1"/>
+          </a:fillRef>
+          <a:effectRef idx="0">
+            <a:schemeClr val="dk1"/>
+          </a:effectRef>
+          <a:fontRef idx="minor">
+            <a:schemeClr val="dk1"/>
+          </a:fontRef>
+        </p:style>
+        <p:txBody>
+          <a:bodyPr rtlCol="0" anchor="b"/>
+          <a:lstStyle/>
+          <a:p>
+            <a:pPr algn="ctr"/>
+            <a:r>
+              <a:rPr lang="en-US" altLang="ko-KR" sz="800"/>
+              <a:t>Pod Template </a:t>
+            </a:r>
+          </a:p>
+          <a:p>
+            <a:pPr algn="ctr"/>
+            <a:r>
+              <a:rPr lang="en-US" altLang="ko-KR" sz="800"/>
+              <a:t>/ ConfigMap</a:t>
+            </a:r>
+            <a:endParaRPr lang="ko-KR" altLang="en-US" sz="800"/>
+          </a:p>
+        </p:txBody>
+      </p:sp>
+      <p:sp>
+        <p:nvSpPr>
+          <p:cNvPr id="38" name="Oval 37">
+            <a:extLst>
+              <a:ext uri="{FF2B5EF4-FFF2-40B4-BE49-F238E27FC236}">
+                <a16:creationId xmlns:a16="http://schemas.microsoft.com/office/drawing/2014/main" id="{898B1B9D-E84D-E8C1-8F61-67EB1D42FD52}"/>
+              </a:ext>
+            </a:extLst>
+          </p:cNvPr>
+          <p:cNvSpPr/>
+          <p:nvPr/>
+        </p:nvSpPr>
+        <p:spPr>
+          <a:xfrm>
+            <a:off x="7899423" y="1910873"/>
+            <a:ext cx="144016" cy="144016"/>
+          </a:xfrm>
+          <a:prstGeom prst="ellipse">
+            <a:avLst/>
+          </a:prstGeom>
+          <a:noFill/>
+          <a:ln>
+            <a:noFill/>
+          </a:ln>
+        </p:spPr>
+        <p:style>
+          <a:lnRef idx="2">
+            <a:schemeClr val="accent1">
+              <a:shade val="15000"/>
+            </a:schemeClr>
+          </a:lnRef>
+          <a:fillRef idx="1">
+            <a:schemeClr val="accent1"/>
+          </a:fillRef>
+          <a:effectRef idx="0">
+            <a:schemeClr val="accent1"/>
+          </a:effectRef>
+          <a:fontRef idx="minor">
+            <a:schemeClr val="lt1"/>
+          </a:fontRef>
+        </p:style>
+        <p:txBody>
+          <a:bodyPr rtlCol="0" anchor="ctr"/>
+          <a:lstStyle/>
+          <a:p>
+            <a:pPr algn="ctr"/>
+            <a:endParaRPr lang="en-KR"/>
+          </a:p>
+        </p:txBody>
+      </p:sp>
+      <p:sp>
+        <p:nvSpPr>
+          <p:cNvPr id="60" name="모서리가 둥근 직사각형 2">
+            <a:extLst>
+              <a:ext uri="{FF2B5EF4-FFF2-40B4-BE49-F238E27FC236}">
+                <a16:creationId xmlns:a16="http://schemas.microsoft.com/office/drawing/2014/main" id="{4A9E09DA-5E8C-F02F-1E49-A2DF6D177151}"/>
+              </a:ext>
+            </a:extLst>
+          </p:cNvPr>
+          <p:cNvSpPr/>
+          <p:nvPr/>
+        </p:nvSpPr>
+        <p:spPr>
+          <a:xfrm>
+            <a:off x="2028970" y="503345"/>
+            <a:ext cx="1190912" cy="386745"/>
+          </a:xfrm>
+          <a:prstGeom prst="roundRect">
+            <a:avLst>
+              <a:gd name="adj" fmla="val 13068"/>
+            </a:avLst>
+          </a:prstGeom>
+          <a:ln w="12700"/>
+        </p:spPr>
+        <p:style>
+          <a:lnRef idx="2">
+            <a:schemeClr val="dk1"/>
+          </a:lnRef>
+          <a:fillRef idx="1">
+            <a:schemeClr val="lt1"/>
+          </a:fillRef>
+          <a:effectRef idx="0">
+            <a:schemeClr val="dk1"/>
+          </a:effectRef>
+          <a:fontRef idx="minor">
+            <a:schemeClr val="dk1"/>
+          </a:fontRef>
+        </p:style>
+        <p:txBody>
+          <a:bodyPr rtlCol="0" anchor="ctr"/>
+          <a:lstStyle/>
+          <a:p>
+            <a:pPr algn="ctr"/>
+            <a:r>
+              <a:rPr lang="en-US" altLang="ko-KR" sz="1000"/>
+              <a:t>Spark History Server</a:t>
+            </a:r>
+            <a:endParaRPr lang="ko-KR" altLang="en-US" sz="1000"/>
+          </a:p>
+        </p:txBody>
+      </p:sp>
+      <p:sp>
+        <p:nvSpPr>
+          <p:cNvPr id="61" name="모서리가 둥근 직사각형 2">
+            <a:extLst>
+              <a:ext uri="{FF2B5EF4-FFF2-40B4-BE49-F238E27FC236}">
+                <a16:creationId xmlns:a16="http://schemas.microsoft.com/office/drawing/2014/main" id="{EEB504BC-2725-5249-5020-9F4645FD094C}"/>
+              </a:ext>
+            </a:extLst>
+          </p:cNvPr>
+          <p:cNvSpPr/>
+          <p:nvPr/>
+        </p:nvSpPr>
+        <p:spPr>
+          <a:xfrm>
+            <a:off x="3450038" y="501781"/>
+            <a:ext cx="1190912" cy="386745"/>
+          </a:xfrm>
+          <a:prstGeom prst="roundRect">
+            <a:avLst>
+              <a:gd name="adj" fmla="val 13068"/>
+            </a:avLst>
+          </a:prstGeom>
+          <a:ln w="12700"/>
+        </p:spPr>
+        <p:style>
+          <a:lnRef idx="2">
+            <a:schemeClr val="dk1"/>
+          </a:lnRef>
+          <a:fillRef idx="1">
+            <a:schemeClr val="lt1"/>
+          </a:fillRef>
+          <a:effectRef idx="0">
+            <a:schemeClr val="dk1"/>
+          </a:effectRef>
+          <a:fontRef idx="minor">
+            <a:schemeClr val="dk1"/>
+          </a:fontRef>
+        </p:style>
+        <p:txBody>
+          <a:bodyPr rtlCol="0" anchor="ctr"/>
+          <a:lstStyle/>
+          <a:p>
+            <a:pPr algn="ctr"/>
+            <a:r>
+              <a:rPr lang="en-US" altLang="ko-KR" sz="1000"/>
+              <a:t>Spark Event Log</a:t>
+            </a:r>
+          </a:p>
+          <a:p>
+            <a:pPr algn="ctr"/>
+            <a:r>
+              <a:rPr lang="en-US" altLang="ko-KR" sz="1000"/>
+              <a:t>/ S3</a:t>
+            </a:r>
+            <a:endParaRPr lang="ko-KR" altLang="en-US" sz="1000"/>
+          </a:p>
+        </p:txBody>
+      </p:sp>
+      <p:sp>
+        <p:nvSpPr>
+          <p:cNvPr id="62" name="모서리가 둥근 직사각형 2">
+            <a:extLst>
+              <a:ext uri="{FF2B5EF4-FFF2-40B4-BE49-F238E27FC236}">
+                <a16:creationId xmlns:a16="http://schemas.microsoft.com/office/drawing/2014/main" id="{E3EDCEFA-FDD5-5DB6-103C-D9280D1CA58F}"/>
+              </a:ext>
+            </a:extLst>
+          </p:cNvPr>
+          <p:cNvSpPr/>
+          <p:nvPr/>
+        </p:nvSpPr>
+        <p:spPr>
+          <a:xfrm>
+            <a:off x="5764483" y="292216"/>
+            <a:ext cx="2865404" cy="610921"/>
+          </a:xfrm>
+          <a:prstGeom prst="roundRect">
+            <a:avLst>
+              <a:gd name="adj" fmla="val 13068"/>
+            </a:avLst>
+          </a:prstGeom>
+          <a:ln w="12700"/>
+        </p:spPr>
+        <p:style>
+          <a:lnRef idx="2">
+            <a:schemeClr val="dk1"/>
+          </a:lnRef>
+          <a:fillRef idx="1">
+            <a:schemeClr val="lt1"/>
+          </a:fillRef>
+          <a:effectRef idx="0">
+            <a:schemeClr val="dk1"/>
+          </a:effectRef>
+          <a:fontRef idx="minor">
+            <a:schemeClr val="dk1"/>
+          </a:fontRef>
+        </p:style>
+        <p:txBody>
+          <a:bodyPr rtlCol="0" anchor="t"/>
+          <a:lstStyle/>
+          <a:p>
+            <a:pPr algn="ctr"/>
+            <a:r>
+              <a:rPr lang="en-US" altLang="ko-KR" sz="1000"/>
+              <a:t>S3 / CloudWatch Log</a:t>
+            </a:r>
+            <a:endParaRPr lang="ko-KR" altLang="en-US" sz="1000"/>
+          </a:p>
+        </p:txBody>
+      </p:sp>
+      <p:sp>
+        <p:nvSpPr>
+          <p:cNvPr id="65" name="모서리가 둥근 직사각형 2">
+            <a:extLst>
+              <a:ext uri="{FF2B5EF4-FFF2-40B4-BE49-F238E27FC236}">
+                <a16:creationId xmlns:a16="http://schemas.microsoft.com/office/drawing/2014/main" id="{94DB9108-A20A-6552-761B-B6EE782548B9}"/>
+              </a:ext>
+            </a:extLst>
+          </p:cNvPr>
+          <p:cNvSpPr/>
+          <p:nvPr/>
+        </p:nvSpPr>
+        <p:spPr>
+          <a:xfrm>
+            <a:off x="5222760" y="3220134"/>
+            <a:ext cx="620574" cy="255200"/>
+          </a:xfrm>
+          <a:prstGeom prst="roundRect">
+            <a:avLst>
+              <a:gd name="adj" fmla="val 13068"/>
+            </a:avLst>
+          </a:prstGeom>
+          <a:ln w="12700"/>
+        </p:spPr>
+        <p:style>
+          <a:lnRef idx="2">
+            <a:schemeClr val="dk1"/>
+          </a:lnRef>
+          <a:fillRef idx="1">
+            <a:schemeClr val="lt1"/>
+          </a:fillRef>
+          <a:effectRef idx="0">
+            <a:schemeClr val="dk1"/>
+          </a:effectRef>
+          <a:fontRef idx="minor">
+            <a:schemeClr val="dk1"/>
+          </a:fontRef>
+        </p:style>
+        <p:txBody>
+          <a:bodyPr rtlCol="0" anchor="ctr"/>
+          <a:lstStyle/>
+          <a:p>
+            <a:pPr algn="ctr"/>
+            <a:r>
+              <a:rPr lang="en-US" altLang="ko-KR" sz="800"/>
+              <a:t>Executor</a:t>
+            </a:r>
+            <a:endParaRPr lang="ko-KR" altLang="en-US" sz="800"/>
+          </a:p>
+        </p:txBody>
+      </p:sp>
+      <p:sp>
+        <p:nvSpPr>
+          <p:cNvPr id="71" name="모서리가 둥근 직사각형 2">
+            <a:extLst>
+              <a:ext uri="{FF2B5EF4-FFF2-40B4-BE49-F238E27FC236}">
+                <a16:creationId xmlns:a16="http://schemas.microsoft.com/office/drawing/2014/main" id="{2ED73C74-D07E-01C5-EC13-C8FC57A04A02}"/>
+              </a:ext>
+            </a:extLst>
+          </p:cNvPr>
+          <p:cNvSpPr/>
+          <p:nvPr/>
+        </p:nvSpPr>
+        <p:spPr>
+          <a:xfrm>
+            <a:off x="5894203" y="3220134"/>
+            <a:ext cx="560755" cy="255200"/>
+          </a:xfrm>
+          <a:prstGeom prst="roundRect">
+            <a:avLst>
+              <a:gd name="adj" fmla="val 13068"/>
+            </a:avLst>
+          </a:prstGeom>
+          <a:solidFill>
+            <a:schemeClr val="bg1">
+              <a:lumMod val="85000"/>
+            </a:schemeClr>
+          </a:solidFill>
+          <a:ln w="12700"/>
+        </p:spPr>
+        <p:style>
+          <a:lnRef idx="2">
+            <a:schemeClr val="dk1"/>
+          </a:lnRef>
+          <a:fillRef idx="1">
+            <a:schemeClr val="lt1"/>
+          </a:fillRef>
+          <a:effectRef idx="0">
+            <a:schemeClr val="dk1"/>
+          </a:effectRef>
+          <a:fontRef idx="minor">
+            <a:schemeClr val="dk1"/>
+          </a:fontRef>
+        </p:style>
+        <p:txBody>
+          <a:bodyPr rtlCol="0" anchor="ctr"/>
+          <a:lstStyle/>
+          <a:p>
+            <a:pPr algn="ctr"/>
+            <a:r>
+              <a:rPr lang="en-US" altLang="ko-KR" sz="800"/>
+              <a:t>fluentd</a:t>
+            </a:r>
+          </a:p>
+          <a:p>
+            <a:pPr algn="ctr"/>
+            <a:r>
+              <a:rPr lang="en-US" altLang="ko-KR" sz="800"/>
+              <a:t>Logger</a:t>
+            </a:r>
+            <a:endParaRPr lang="ko-KR" altLang="en-US" sz="800"/>
+          </a:p>
+        </p:txBody>
+      </p:sp>
+      <p:sp>
+        <p:nvSpPr>
+          <p:cNvPr id="72" name="모서리가 둥근 직사각형 2">
+            <a:extLst>
+              <a:ext uri="{FF2B5EF4-FFF2-40B4-BE49-F238E27FC236}">
+                <a16:creationId xmlns:a16="http://schemas.microsoft.com/office/drawing/2014/main" id="{879903AC-AD43-FC80-B11B-848AB1929D30}"/>
+              </a:ext>
+            </a:extLst>
+          </p:cNvPr>
+          <p:cNvSpPr/>
+          <p:nvPr/>
+        </p:nvSpPr>
+        <p:spPr>
+          <a:xfrm>
+            <a:off x="5178689" y="3973105"/>
+            <a:ext cx="1322750" cy="524807"/>
+          </a:xfrm>
+          <a:prstGeom prst="roundRect">
+            <a:avLst>
+              <a:gd name="adj" fmla="val 13068"/>
+            </a:avLst>
+          </a:prstGeom>
+          <a:ln w="12700"/>
+        </p:spPr>
+        <p:style>
+          <a:lnRef idx="2">
+            <a:schemeClr val="dk1"/>
+          </a:lnRef>
+          <a:fillRef idx="1">
+            <a:schemeClr val="lt1"/>
+          </a:fillRef>
+          <a:effectRef idx="0">
+            <a:schemeClr val="dk1"/>
+          </a:effectRef>
+          <a:fontRef idx="minor">
+            <a:schemeClr val="dk1"/>
+          </a:fontRef>
+        </p:style>
+        <p:txBody>
+          <a:bodyPr rtlCol="0" anchor="b"/>
+          <a:lstStyle/>
+          <a:p>
+            <a:pPr algn="ctr"/>
+            <a:r>
+              <a:rPr lang="en-US" altLang="ko-KR" sz="1000"/>
+              <a:t>Executor Pod</a:t>
+            </a:r>
+            <a:endParaRPr lang="ko-KR" altLang="en-US" sz="1000"/>
+          </a:p>
+        </p:txBody>
+      </p:sp>
+      <p:sp>
+        <p:nvSpPr>
+          <p:cNvPr id="73" name="모서리가 둥근 직사각형 2">
+            <a:extLst>
+              <a:ext uri="{FF2B5EF4-FFF2-40B4-BE49-F238E27FC236}">
+                <a16:creationId xmlns:a16="http://schemas.microsoft.com/office/drawing/2014/main" id="{ACF2AE2C-515E-92B9-7132-B42F864C1722}"/>
+              </a:ext>
+            </a:extLst>
+          </p:cNvPr>
+          <p:cNvSpPr/>
+          <p:nvPr/>
+        </p:nvSpPr>
+        <p:spPr>
+          <a:xfrm>
+            <a:off x="5222760" y="4029774"/>
+            <a:ext cx="620574" cy="255200"/>
+          </a:xfrm>
+          <a:prstGeom prst="roundRect">
+            <a:avLst>
+              <a:gd name="adj" fmla="val 13068"/>
+            </a:avLst>
+          </a:prstGeom>
+          <a:ln w="12700"/>
+        </p:spPr>
+        <p:style>
+          <a:lnRef idx="2">
+            <a:schemeClr val="dk1"/>
+          </a:lnRef>
+          <a:fillRef idx="1">
+            <a:schemeClr val="lt1"/>
+          </a:fillRef>
+          <a:effectRef idx="0">
+            <a:schemeClr val="dk1"/>
+          </a:effectRef>
+          <a:fontRef idx="minor">
+            <a:schemeClr val="dk1"/>
+          </a:fontRef>
+        </p:style>
+        <p:txBody>
+          <a:bodyPr rtlCol="0" anchor="ctr"/>
+          <a:lstStyle/>
+          <a:p>
+            <a:pPr algn="ctr"/>
+            <a:r>
+              <a:rPr lang="en-US" altLang="ko-KR" sz="800"/>
+              <a:t>Executor</a:t>
+            </a:r>
+            <a:endParaRPr lang="ko-KR" altLang="en-US" sz="800"/>
+          </a:p>
+        </p:txBody>
+      </p:sp>
+      <p:sp>
+        <p:nvSpPr>
+          <p:cNvPr id="74" name="모서리가 둥근 직사각형 2">
+            <a:extLst>
+              <a:ext uri="{FF2B5EF4-FFF2-40B4-BE49-F238E27FC236}">
+                <a16:creationId xmlns:a16="http://schemas.microsoft.com/office/drawing/2014/main" id="{AE8C735B-C9C8-C9CF-096B-4BFA6D7B0F9E}"/>
+              </a:ext>
+            </a:extLst>
+          </p:cNvPr>
+          <p:cNvSpPr/>
+          <p:nvPr/>
+        </p:nvSpPr>
+        <p:spPr>
+          <a:xfrm>
+            <a:off x="5894203" y="4029774"/>
+            <a:ext cx="560755" cy="255200"/>
+          </a:xfrm>
+          <a:prstGeom prst="roundRect">
+            <a:avLst>
+              <a:gd name="adj" fmla="val 13068"/>
+            </a:avLst>
+          </a:prstGeom>
+          <a:solidFill>
+            <a:schemeClr val="bg1">
+              <a:lumMod val="85000"/>
+            </a:schemeClr>
+          </a:solidFill>
+          <a:ln w="12700"/>
+        </p:spPr>
+        <p:style>
+          <a:lnRef idx="2">
+            <a:schemeClr val="dk1"/>
+          </a:lnRef>
+          <a:fillRef idx="1">
+            <a:schemeClr val="lt1"/>
+          </a:fillRef>
+          <a:effectRef idx="0">
+            <a:schemeClr val="dk1"/>
+          </a:effectRef>
+          <a:fontRef idx="minor">
+            <a:schemeClr val="dk1"/>
+          </a:fontRef>
+        </p:style>
+        <p:txBody>
+          <a:bodyPr rtlCol="0" anchor="ctr"/>
+          <a:lstStyle/>
+          <a:p>
+            <a:pPr algn="ctr"/>
+            <a:r>
+              <a:rPr lang="en-US" altLang="ko-KR" sz="800"/>
+              <a:t>fluentd</a:t>
+            </a:r>
+          </a:p>
+          <a:p>
+            <a:pPr algn="ctr"/>
+            <a:r>
+              <a:rPr lang="en-US" altLang="ko-KR" sz="800"/>
+              <a:t>Logger</a:t>
+            </a:r>
+            <a:endParaRPr lang="ko-KR" altLang="en-US" sz="800"/>
+          </a:p>
+        </p:txBody>
+      </p:sp>
+      <p:sp>
+        <p:nvSpPr>
+          <p:cNvPr id="95" name="모서리가 둥근 직사각형 2">
+            <a:extLst>
+              <a:ext uri="{FF2B5EF4-FFF2-40B4-BE49-F238E27FC236}">
+                <a16:creationId xmlns:a16="http://schemas.microsoft.com/office/drawing/2014/main" id="{5CC75511-F635-D607-4E98-308A70EE2FC0}"/>
+              </a:ext>
+            </a:extLst>
+          </p:cNvPr>
+          <p:cNvSpPr/>
+          <p:nvPr/>
+        </p:nvSpPr>
+        <p:spPr>
+          <a:xfrm>
+            <a:off x="6925192" y="3105993"/>
+            <a:ext cx="1631390" cy="1738088"/>
+          </a:xfrm>
+          <a:prstGeom prst="roundRect">
+            <a:avLst>
+              <a:gd name="adj" fmla="val 7293"/>
+            </a:avLst>
+          </a:prstGeom>
+          <a:ln w="12700"/>
+        </p:spPr>
+        <p:style>
+          <a:lnRef idx="2">
+            <a:schemeClr val="dk1"/>
+          </a:lnRef>
+          <a:fillRef idx="1">
+            <a:schemeClr val="lt1"/>
+          </a:fillRef>
+          <a:effectRef idx="0">
+            <a:schemeClr val="dk1"/>
+          </a:effectRef>
+          <a:fontRef idx="minor">
+            <a:schemeClr val="dk1"/>
+          </a:fontRef>
+        </p:style>
+        <p:txBody>
+          <a:bodyPr rtlCol="0" anchor="b"/>
+          <a:lstStyle/>
+          <a:p>
+            <a:pPr algn="ctr"/>
+            <a:r>
+              <a:rPr lang="en-US" altLang="ko-KR" sz="1000"/>
+              <a:t>Worker Node C</a:t>
+            </a:r>
+            <a:endParaRPr lang="ko-KR" altLang="en-US" sz="1000"/>
+          </a:p>
+        </p:txBody>
+      </p:sp>
+      <p:sp>
+        <p:nvSpPr>
+          <p:cNvPr id="97" name="모서리가 둥근 직사각형 2">
+            <a:extLst>
+              <a:ext uri="{FF2B5EF4-FFF2-40B4-BE49-F238E27FC236}">
+                <a16:creationId xmlns:a16="http://schemas.microsoft.com/office/drawing/2014/main" id="{4FF8627E-F8FA-AE67-4C00-4E2154629D99}"/>
+              </a:ext>
+            </a:extLst>
+          </p:cNvPr>
+          <p:cNvSpPr/>
+          <p:nvPr/>
+        </p:nvSpPr>
+        <p:spPr>
+          <a:xfrm>
+            <a:off x="7072941" y="3163136"/>
+            <a:ext cx="1322750" cy="525136"/>
+          </a:xfrm>
+          <a:prstGeom prst="roundRect">
+            <a:avLst>
+              <a:gd name="adj" fmla="val 13068"/>
+            </a:avLst>
+          </a:prstGeom>
+          <a:ln w="12700"/>
+        </p:spPr>
+        <p:style>
+          <a:lnRef idx="2">
+            <a:schemeClr val="dk1"/>
+          </a:lnRef>
+          <a:fillRef idx="1">
+            <a:schemeClr val="lt1"/>
+          </a:fillRef>
+          <a:effectRef idx="0">
+            <a:schemeClr val="dk1"/>
+          </a:effectRef>
+          <a:fontRef idx="minor">
+            <a:schemeClr val="dk1"/>
+          </a:fontRef>
+        </p:style>
+        <p:txBody>
+          <a:bodyPr rtlCol="0" anchor="b"/>
+          <a:lstStyle/>
+          <a:p>
+            <a:pPr algn="ctr"/>
+            <a:r>
+              <a:rPr lang="en-US" altLang="ko-KR" sz="1000"/>
+              <a:t>Executor Pod</a:t>
+            </a:r>
+            <a:endParaRPr lang="ko-KR" altLang="en-US" sz="1000"/>
+          </a:p>
+        </p:txBody>
+      </p:sp>
+      <p:sp>
+        <p:nvSpPr>
+          <p:cNvPr id="98" name="모서리가 둥근 직사각형 2">
+            <a:extLst>
+              <a:ext uri="{FF2B5EF4-FFF2-40B4-BE49-F238E27FC236}">
+                <a16:creationId xmlns:a16="http://schemas.microsoft.com/office/drawing/2014/main" id="{D083FE77-F766-53D7-5FE9-0171070F003E}"/>
+              </a:ext>
+            </a:extLst>
+          </p:cNvPr>
+          <p:cNvSpPr/>
+          <p:nvPr/>
+        </p:nvSpPr>
+        <p:spPr>
+          <a:xfrm>
+            <a:off x="7117012" y="3220134"/>
+            <a:ext cx="620574" cy="255200"/>
+          </a:xfrm>
+          <a:prstGeom prst="roundRect">
+            <a:avLst>
+              <a:gd name="adj" fmla="val 13068"/>
+            </a:avLst>
+          </a:prstGeom>
+          <a:ln w="12700"/>
+        </p:spPr>
+        <p:style>
+          <a:lnRef idx="2">
+            <a:schemeClr val="dk1"/>
+          </a:lnRef>
+          <a:fillRef idx="1">
+            <a:schemeClr val="lt1"/>
+          </a:fillRef>
+          <a:effectRef idx="0">
+            <a:schemeClr val="dk1"/>
+          </a:effectRef>
+          <a:fontRef idx="minor">
+            <a:schemeClr val="dk1"/>
+          </a:fontRef>
+        </p:style>
+        <p:txBody>
+          <a:bodyPr rtlCol="0" anchor="ctr"/>
+          <a:lstStyle/>
+          <a:p>
+            <a:pPr algn="ctr"/>
+            <a:r>
+              <a:rPr lang="en-US" altLang="ko-KR" sz="800"/>
+              <a:t>Executor</a:t>
+            </a:r>
+            <a:endParaRPr lang="ko-KR" altLang="en-US" sz="800"/>
+          </a:p>
+        </p:txBody>
+      </p:sp>
+      <p:sp>
+        <p:nvSpPr>
+          <p:cNvPr id="99" name="모서리가 둥근 직사각형 2">
+            <a:extLst>
+              <a:ext uri="{FF2B5EF4-FFF2-40B4-BE49-F238E27FC236}">
+                <a16:creationId xmlns:a16="http://schemas.microsoft.com/office/drawing/2014/main" id="{E4BCE5D8-EC70-EBE7-A7BD-FF47DC9550A9}"/>
+              </a:ext>
+            </a:extLst>
+          </p:cNvPr>
+          <p:cNvSpPr/>
+          <p:nvPr/>
+        </p:nvSpPr>
+        <p:spPr>
+          <a:xfrm>
+            <a:off x="7788455" y="3220134"/>
+            <a:ext cx="560755" cy="255200"/>
+          </a:xfrm>
+          <a:prstGeom prst="roundRect">
+            <a:avLst>
+              <a:gd name="adj" fmla="val 13068"/>
+            </a:avLst>
+          </a:prstGeom>
+          <a:solidFill>
+            <a:schemeClr val="bg1">
+              <a:lumMod val="85000"/>
+            </a:schemeClr>
+          </a:solidFill>
+          <a:ln w="12700"/>
+        </p:spPr>
+        <p:style>
+          <a:lnRef idx="2">
+            <a:schemeClr val="dk1"/>
+          </a:lnRef>
+          <a:fillRef idx="1">
+            <a:schemeClr val="lt1"/>
+          </a:fillRef>
+          <a:effectRef idx="0">
+            <a:schemeClr val="dk1"/>
+          </a:effectRef>
+          <a:fontRef idx="minor">
+            <a:schemeClr val="dk1"/>
+          </a:fontRef>
+        </p:style>
+        <p:txBody>
+          <a:bodyPr rtlCol="0" anchor="ctr"/>
+          <a:lstStyle/>
+          <a:p>
+            <a:pPr algn="ctr"/>
+            <a:r>
+              <a:rPr lang="en-US" altLang="ko-KR" sz="800"/>
+              <a:t>fluentd</a:t>
+            </a:r>
+          </a:p>
+          <a:p>
+            <a:pPr algn="ctr"/>
+            <a:r>
+              <a:rPr lang="en-US" altLang="ko-KR" sz="800"/>
+              <a:t>Logger</a:t>
+            </a:r>
+            <a:endParaRPr lang="ko-KR" altLang="en-US" sz="800"/>
+          </a:p>
+        </p:txBody>
+      </p:sp>
+      <p:sp>
+        <p:nvSpPr>
+          <p:cNvPr id="103" name="모서리가 둥근 직사각형 2">
+            <a:extLst>
+              <a:ext uri="{FF2B5EF4-FFF2-40B4-BE49-F238E27FC236}">
+                <a16:creationId xmlns:a16="http://schemas.microsoft.com/office/drawing/2014/main" id="{3A28222F-B861-FBF8-4E22-FBD0AF6BB78F}"/>
+              </a:ext>
+            </a:extLst>
+          </p:cNvPr>
+          <p:cNvSpPr/>
+          <p:nvPr/>
+        </p:nvSpPr>
+        <p:spPr>
+          <a:xfrm>
+            <a:off x="7072941" y="3972776"/>
+            <a:ext cx="1322750" cy="525136"/>
+          </a:xfrm>
+          <a:prstGeom prst="roundRect">
+            <a:avLst>
+              <a:gd name="adj" fmla="val 13068"/>
+            </a:avLst>
+          </a:prstGeom>
+          <a:ln w="12700"/>
+        </p:spPr>
+        <p:style>
+          <a:lnRef idx="2">
+            <a:schemeClr val="dk1"/>
+          </a:lnRef>
+          <a:fillRef idx="1">
+            <a:schemeClr val="lt1"/>
+          </a:fillRef>
+          <a:effectRef idx="0">
+            <a:schemeClr val="dk1"/>
+          </a:effectRef>
+          <a:fontRef idx="minor">
+            <a:schemeClr val="dk1"/>
+          </a:fontRef>
+        </p:style>
+        <p:txBody>
+          <a:bodyPr rtlCol="0" anchor="b"/>
+          <a:lstStyle/>
+          <a:p>
+            <a:pPr algn="ctr"/>
+            <a:r>
+              <a:rPr lang="en-US" altLang="ko-KR" sz="1000"/>
+              <a:t>Executor Pod</a:t>
+            </a:r>
+            <a:endParaRPr lang="ko-KR" altLang="en-US" sz="1000"/>
+          </a:p>
+        </p:txBody>
+      </p:sp>
+      <p:sp>
+        <p:nvSpPr>
+          <p:cNvPr id="104" name="모서리가 둥근 직사각형 2">
+            <a:extLst>
+              <a:ext uri="{FF2B5EF4-FFF2-40B4-BE49-F238E27FC236}">
+                <a16:creationId xmlns:a16="http://schemas.microsoft.com/office/drawing/2014/main" id="{DE30B5BA-90B9-C1FF-E82C-D69FEB064416}"/>
+              </a:ext>
+            </a:extLst>
+          </p:cNvPr>
+          <p:cNvSpPr/>
+          <p:nvPr/>
+        </p:nvSpPr>
+        <p:spPr>
+          <a:xfrm>
+            <a:off x="7117012" y="4029774"/>
+            <a:ext cx="620574" cy="255200"/>
+          </a:xfrm>
+          <a:prstGeom prst="roundRect">
+            <a:avLst>
+              <a:gd name="adj" fmla="val 13068"/>
+            </a:avLst>
+          </a:prstGeom>
+          <a:ln w="12700"/>
+        </p:spPr>
+        <p:style>
+          <a:lnRef idx="2">
+            <a:schemeClr val="dk1"/>
+          </a:lnRef>
+          <a:fillRef idx="1">
+            <a:schemeClr val="lt1"/>
+          </a:fillRef>
+          <a:effectRef idx="0">
+            <a:schemeClr val="dk1"/>
+          </a:effectRef>
+          <a:fontRef idx="minor">
+            <a:schemeClr val="dk1"/>
+          </a:fontRef>
+        </p:style>
+        <p:txBody>
+          <a:bodyPr rtlCol="0" anchor="ctr"/>
+          <a:lstStyle/>
+          <a:p>
+            <a:pPr algn="ctr"/>
+            <a:r>
+              <a:rPr lang="en-US" altLang="ko-KR" sz="800"/>
+              <a:t>Executor</a:t>
+            </a:r>
+            <a:endParaRPr lang="ko-KR" altLang="en-US" sz="800"/>
+          </a:p>
+        </p:txBody>
+      </p:sp>
+      <p:sp>
+        <p:nvSpPr>
+          <p:cNvPr id="105" name="모서리가 둥근 직사각형 2">
+            <a:extLst>
+              <a:ext uri="{FF2B5EF4-FFF2-40B4-BE49-F238E27FC236}">
+                <a16:creationId xmlns:a16="http://schemas.microsoft.com/office/drawing/2014/main" id="{236C680F-FFF9-C124-70B7-9FAB85A832D9}"/>
+              </a:ext>
+            </a:extLst>
+          </p:cNvPr>
+          <p:cNvSpPr/>
+          <p:nvPr/>
+        </p:nvSpPr>
+        <p:spPr>
+          <a:xfrm>
+            <a:off x="7788455" y="4029774"/>
+            <a:ext cx="560755" cy="255200"/>
+          </a:xfrm>
+          <a:prstGeom prst="roundRect">
+            <a:avLst>
+              <a:gd name="adj" fmla="val 13068"/>
+            </a:avLst>
+          </a:prstGeom>
+          <a:solidFill>
+            <a:schemeClr val="bg1">
+              <a:lumMod val="85000"/>
+            </a:schemeClr>
+          </a:solidFill>
+          <a:ln w="12700"/>
+        </p:spPr>
+        <p:style>
+          <a:lnRef idx="2">
+            <a:schemeClr val="dk1"/>
+          </a:lnRef>
+          <a:fillRef idx="1">
+            <a:schemeClr val="lt1"/>
+          </a:fillRef>
+          <a:effectRef idx="0">
+            <a:schemeClr val="dk1"/>
+          </a:effectRef>
+          <a:fontRef idx="minor">
+            <a:schemeClr val="dk1"/>
+          </a:fontRef>
+        </p:style>
+        <p:txBody>
+          <a:bodyPr rtlCol="0" anchor="ctr"/>
+          <a:lstStyle/>
+          <a:p>
+            <a:pPr algn="ctr"/>
+            <a:r>
+              <a:rPr lang="en-US" altLang="ko-KR" sz="800"/>
+              <a:t>fluentd</a:t>
+            </a:r>
+          </a:p>
+          <a:p>
+            <a:pPr algn="ctr"/>
+            <a:r>
+              <a:rPr lang="en-US" altLang="ko-KR" sz="800"/>
+              <a:t>Logger</a:t>
+            </a:r>
+            <a:endParaRPr lang="ko-KR" altLang="en-US" sz="800"/>
+          </a:p>
+        </p:txBody>
+      </p:sp>
+      <p:sp>
+        <p:nvSpPr>
+          <p:cNvPr id="106" name="Rounded Rectangle 105">
+            <a:extLst>
+              <a:ext uri="{FF2B5EF4-FFF2-40B4-BE49-F238E27FC236}">
+                <a16:creationId xmlns:a16="http://schemas.microsoft.com/office/drawing/2014/main" id="{4069C25D-DDDC-93B1-1F88-D56B399F47D7}"/>
+              </a:ext>
+            </a:extLst>
+          </p:cNvPr>
+          <p:cNvSpPr/>
+          <p:nvPr/>
+        </p:nvSpPr>
+        <p:spPr>
+          <a:xfrm>
+            <a:off x="5128468" y="2889575"/>
+            <a:ext cx="3322385" cy="1659746"/>
+          </a:xfrm>
+          <a:prstGeom prst="roundRect">
+            <a:avLst>
+              <a:gd name="adj" fmla="val 3462"/>
+            </a:avLst>
+          </a:prstGeom>
+          <a:noFill/>
+          <a:ln w="12700">
+            <a:solidFill>
+              <a:schemeClr val="tx1"/>
+            </a:solidFill>
+            <a:prstDash val="dash"/>
+          </a:ln>
+        </p:spPr>
+        <p:style>
+          <a:lnRef idx="2">
+            <a:schemeClr val="accent1">
+              <a:shade val="50000"/>
+            </a:schemeClr>
+          </a:lnRef>
+          <a:fillRef idx="1">
+            <a:schemeClr val="accent1"/>
+          </a:fillRef>
+          <a:effectRef idx="0">
+            <a:schemeClr val="accent1"/>
+          </a:effectRef>
+          <a:fontRef idx="minor">
+            <a:schemeClr val="lt1"/>
+          </a:fontRef>
+        </p:style>
+        <p:txBody>
+          <a:bodyPr rtlCol="0" anchor="t"/>
+          <a:lstStyle/>
+          <a:p>
+            <a:pPr algn="ctr"/>
+            <a:r>
+              <a:rPr lang="en-KR" sz="1000" b="1">
+                <a:solidFill>
+                  <a:sysClr val="windowText" lastClr="000000"/>
+                </a:solidFill>
+              </a:rPr>
+              <a:t>Executors</a:t>
+            </a:r>
+          </a:p>
+        </p:txBody>
+      </p:sp>
+      <p:sp>
+        <p:nvSpPr>
+          <p:cNvPr id="107" name="Rounded Rectangle 106">
+            <a:extLst>
+              <a:ext uri="{FF2B5EF4-FFF2-40B4-BE49-F238E27FC236}">
+                <a16:creationId xmlns:a16="http://schemas.microsoft.com/office/drawing/2014/main" id="{1D576FA1-C2E8-1195-00ED-F07DC55B6513}"/>
+              </a:ext>
+            </a:extLst>
+          </p:cNvPr>
+          <p:cNvSpPr/>
+          <p:nvPr/>
+        </p:nvSpPr>
+        <p:spPr>
+          <a:xfrm>
+            <a:off x="2107768" y="1211792"/>
+            <a:ext cx="6521882" cy="3395697"/>
+          </a:xfrm>
+          <a:prstGeom prst="roundRect">
+            <a:avLst>
+              <a:gd name="adj" fmla="val 3227"/>
+            </a:avLst>
+          </a:prstGeom>
+          <a:noFill/>
+          <a:ln w="12700">
+            <a:solidFill>
+              <a:schemeClr val="tx1"/>
+            </a:solidFill>
+            <a:prstDash val="dash"/>
+          </a:ln>
+        </p:spPr>
+        <p:style>
+          <a:lnRef idx="2">
+            <a:schemeClr val="accent1">
+              <a:shade val="50000"/>
+            </a:schemeClr>
+          </a:lnRef>
+          <a:fillRef idx="1">
+            <a:schemeClr val="accent1"/>
+          </a:fillRef>
+          <a:effectRef idx="0">
+            <a:schemeClr val="accent1"/>
+          </a:effectRef>
+          <a:fontRef idx="minor">
+            <a:schemeClr val="lt1"/>
+          </a:fontRef>
+        </p:style>
+        <p:txBody>
+          <a:bodyPr rtlCol="0" anchor="t"/>
+          <a:lstStyle/>
+          <a:p>
+            <a:r>
+              <a:rPr lang="en-KR" sz="1000" b="1">
+                <a:solidFill>
+                  <a:sysClr val="windowText" lastClr="000000"/>
+                </a:solidFill>
+              </a:rPr>
+              <a:t>EMR Virtual Cluster / Namespace</a:t>
+            </a:r>
+          </a:p>
+        </p:txBody>
+      </p:sp>
+      <p:sp>
+        <p:nvSpPr>
+          <p:cNvPr id="115" name="모서리가 둥근 직사각형 2">
+            <a:extLst>
+              <a:ext uri="{FF2B5EF4-FFF2-40B4-BE49-F238E27FC236}">
+                <a16:creationId xmlns:a16="http://schemas.microsoft.com/office/drawing/2014/main" id="{84DE372B-25D2-EF6D-20DE-5E7C717ACF50}"/>
+              </a:ext>
+            </a:extLst>
+          </p:cNvPr>
+          <p:cNvSpPr/>
+          <p:nvPr/>
+        </p:nvSpPr>
+        <p:spPr>
+          <a:xfrm>
+            <a:off x="2220792" y="4075817"/>
+            <a:ext cx="627345" cy="254726"/>
+          </a:xfrm>
+          <a:prstGeom prst="roundRect">
+            <a:avLst>
+              <a:gd name="adj" fmla="val 13068"/>
+            </a:avLst>
+          </a:prstGeom>
+          <a:noFill/>
+          <a:ln w="12700"/>
+        </p:spPr>
+        <p:style>
+          <a:lnRef idx="2">
+            <a:schemeClr val="dk1"/>
+          </a:lnRef>
+          <a:fillRef idx="1">
+            <a:schemeClr val="lt1"/>
+          </a:fillRef>
+          <a:effectRef idx="0">
+            <a:schemeClr val="dk1"/>
+          </a:effectRef>
+          <a:fontRef idx="minor">
+            <a:schemeClr val="dk1"/>
+          </a:fontRef>
+        </p:style>
+        <p:txBody>
+          <a:bodyPr rtlCol="0" anchor="ctr"/>
+          <a:lstStyle/>
+          <a:p>
+            <a:pPr algn="ctr"/>
+            <a:r>
+              <a:rPr lang="en-US" altLang="ko-KR" sz="800"/>
+              <a:t>fluentd Collector</a:t>
+            </a:r>
+          </a:p>
+        </p:txBody>
+      </p:sp>
+      <p:sp>
+        <p:nvSpPr>
+          <p:cNvPr id="117" name="Rounded Rectangle 116">
+            <a:extLst>
+              <a:ext uri="{FF2B5EF4-FFF2-40B4-BE49-F238E27FC236}">
+                <a16:creationId xmlns:a16="http://schemas.microsoft.com/office/drawing/2014/main" id="{163FC5DC-BB7F-E176-009A-736D035AEA36}"/>
+              </a:ext>
+            </a:extLst>
+          </p:cNvPr>
+          <p:cNvSpPr/>
+          <p:nvPr/>
+        </p:nvSpPr>
+        <p:spPr>
+          <a:xfrm>
+            <a:off x="1962561" y="208306"/>
+            <a:ext cx="2756647" cy="775238"/>
+          </a:xfrm>
+          <a:prstGeom prst="roundRect">
+            <a:avLst>
+              <a:gd name="adj" fmla="val 7961"/>
+            </a:avLst>
+          </a:prstGeom>
+          <a:noFill/>
+          <a:ln w="12700">
+            <a:solidFill>
+              <a:schemeClr val="tx1"/>
+            </a:solidFill>
+            <a:prstDash val="dash"/>
+          </a:ln>
+        </p:spPr>
+        <p:style>
+          <a:lnRef idx="2">
+            <a:schemeClr val="accent1">
+              <a:shade val="50000"/>
+            </a:schemeClr>
+          </a:lnRef>
+          <a:fillRef idx="1">
+            <a:schemeClr val="accent1"/>
+          </a:fillRef>
+          <a:effectRef idx="0">
+            <a:schemeClr val="accent1"/>
+          </a:effectRef>
+          <a:fontRef idx="minor">
+            <a:schemeClr val="lt1"/>
+          </a:fontRef>
+        </p:style>
+        <p:txBody>
+          <a:bodyPr rtlCol="0" anchor="t"/>
+          <a:lstStyle/>
+          <a:p>
+            <a:pPr algn="ctr"/>
+            <a:r>
+              <a:rPr lang="en-KR" sz="1000" b="1">
+                <a:solidFill>
+                  <a:sysClr val="windowText" lastClr="000000"/>
+                </a:solidFill>
+              </a:rPr>
+              <a:t>EMR Managed</a:t>
+            </a:r>
+          </a:p>
+        </p:txBody>
+      </p:sp>
+      <p:sp>
+        <p:nvSpPr>
+          <p:cNvPr id="121" name="Rounded Rectangle 120">
+            <a:extLst>
+              <a:ext uri="{FF2B5EF4-FFF2-40B4-BE49-F238E27FC236}">
+                <a16:creationId xmlns:a16="http://schemas.microsoft.com/office/drawing/2014/main" id="{2959CF76-680D-F494-C332-2894AB7D6F9B}"/>
+              </a:ext>
+            </a:extLst>
+          </p:cNvPr>
+          <p:cNvSpPr/>
+          <p:nvPr/>
+        </p:nvSpPr>
+        <p:spPr>
+          <a:xfrm>
+            <a:off x="5699366" y="27245"/>
+            <a:ext cx="3004160" cy="954128"/>
+          </a:xfrm>
+          <a:prstGeom prst="roundRect">
+            <a:avLst>
+              <a:gd name="adj" fmla="val 7961"/>
+            </a:avLst>
+          </a:prstGeom>
+          <a:noFill/>
+          <a:ln w="12700">
+            <a:solidFill>
+              <a:schemeClr val="tx1"/>
+            </a:solidFill>
+            <a:prstDash val="dash"/>
+          </a:ln>
+        </p:spPr>
+        <p:style>
+          <a:lnRef idx="2">
+            <a:schemeClr val="accent1">
+              <a:shade val="50000"/>
+            </a:schemeClr>
+          </a:lnRef>
+          <a:fillRef idx="1">
+            <a:schemeClr val="accent1"/>
+          </a:fillRef>
+          <a:effectRef idx="0">
+            <a:schemeClr val="accent1"/>
+          </a:effectRef>
+          <a:fontRef idx="minor">
+            <a:schemeClr val="lt1"/>
+          </a:fontRef>
+        </p:style>
+        <p:txBody>
+          <a:bodyPr rtlCol="0" anchor="t"/>
+          <a:lstStyle/>
+          <a:p>
+            <a:pPr algn="ctr"/>
+            <a:r>
+              <a:rPr lang="en-KR" sz="1000" b="1">
+                <a:solidFill>
+                  <a:sysClr val="windowText" lastClr="000000"/>
+                </a:solidFill>
+              </a:rPr>
+              <a:t>User Account</a:t>
+            </a:r>
+          </a:p>
+        </p:txBody>
+      </p:sp>
+      <p:sp>
+        <p:nvSpPr>
+          <p:cNvPr id="124" name="모서리가 둥근 직사각형 2">
+            <a:extLst>
+              <a:ext uri="{FF2B5EF4-FFF2-40B4-BE49-F238E27FC236}">
+                <a16:creationId xmlns:a16="http://schemas.microsoft.com/office/drawing/2014/main" id="{A2BDB339-902F-3679-13B7-E19A7A14BC22}"/>
+              </a:ext>
+            </a:extLst>
+          </p:cNvPr>
+          <p:cNvSpPr/>
+          <p:nvPr/>
+        </p:nvSpPr>
+        <p:spPr>
+          <a:xfrm>
+            <a:off x="2176721" y="3163136"/>
+            <a:ext cx="1322750" cy="525136"/>
+          </a:xfrm>
+          <a:prstGeom prst="roundRect">
+            <a:avLst>
+              <a:gd name="adj" fmla="val 13068"/>
+            </a:avLst>
+          </a:prstGeom>
+          <a:ln w="12700"/>
+        </p:spPr>
+        <p:style>
+          <a:lnRef idx="2">
+            <a:schemeClr val="dk1"/>
+          </a:lnRef>
+          <a:fillRef idx="1">
+            <a:schemeClr val="lt1"/>
+          </a:fillRef>
+          <a:effectRef idx="0">
+            <a:schemeClr val="dk1"/>
+          </a:effectRef>
+          <a:fontRef idx="minor">
+            <a:schemeClr val="dk1"/>
+          </a:fontRef>
+        </p:style>
+        <p:txBody>
+          <a:bodyPr rtlCol="0" anchor="b"/>
+          <a:lstStyle/>
+          <a:p>
+            <a:pPr algn="ctr"/>
+            <a:r>
+              <a:rPr lang="en-US" altLang="ko-KR" sz="1000"/>
+              <a:t>Driver Pod</a:t>
+            </a:r>
+            <a:endParaRPr lang="ko-KR" altLang="en-US" sz="1000"/>
+          </a:p>
+        </p:txBody>
+      </p:sp>
+      <p:sp>
+        <p:nvSpPr>
+          <p:cNvPr id="125" name="모서리가 둥근 직사각형 2">
+            <a:extLst>
+              <a:ext uri="{FF2B5EF4-FFF2-40B4-BE49-F238E27FC236}">
+                <a16:creationId xmlns:a16="http://schemas.microsoft.com/office/drawing/2014/main" id="{FCD902BD-F1B2-D175-E29E-31597FB15940}"/>
+              </a:ext>
+            </a:extLst>
+          </p:cNvPr>
+          <p:cNvSpPr/>
+          <p:nvPr/>
+        </p:nvSpPr>
+        <p:spPr>
+          <a:xfrm>
+            <a:off x="2220792" y="3220134"/>
+            <a:ext cx="492646" cy="255200"/>
+          </a:xfrm>
+          <a:prstGeom prst="roundRect">
+            <a:avLst>
+              <a:gd name="adj" fmla="val 13068"/>
+            </a:avLst>
+          </a:prstGeom>
+          <a:ln w="12700"/>
+        </p:spPr>
+        <p:style>
+          <a:lnRef idx="2">
+            <a:schemeClr val="dk1"/>
+          </a:lnRef>
+          <a:fillRef idx="1">
+            <a:schemeClr val="lt1"/>
+          </a:fillRef>
+          <a:effectRef idx="0">
+            <a:schemeClr val="dk1"/>
+          </a:effectRef>
+          <a:fontRef idx="minor">
+            <a:schemeClr val="dk1"/>
+          </a:fontRef>
+        </p:style>
+        <p:txBody>
+          <a:bodyPr rtlCol="0" anchor="ctr"/>
+          <a:lstStyle/>
+          <a:p>
+            <a:pPr algn="ctr"/>
+            <a:r>
+              <a:rPr lang="en-US" altLang="ko-KR" sz="800"/>
+              <a:t>Driver</a:t>
+            </a:r>
+            <a:endParaRPr lang="ko-KR" altLang="en-US" sz="800"/>
+          </a:p>
+        </p:txBody>
+      </p:sp>
+      <p:sp>
+        <p:nvSpPr>
+          <p:cNvPr id="126" name="모서리가 둥근 직사각형 2">
+            <a:extLst>
+              <a:ext uri="{FF2B5EF4-FFF2-40B4-BE49-F238E27FC236}">
+                <a16:creationId xmlns:a16="http://schemas.microsoft.com/office/drawing/2014/main" id="{85162F7E-065B-A22F-3A37-C76A0615DD50}"/>
+              </a:ext>
+            </a:extLst>
+          </p:cNvPr>
+          <p:cNvSpPr/>
+          <p:nvPr/>
+        </p:nvSpPr>
+        <p:spPr>
+          <a:xfrm>
+            <a:off x="2892235" y="3220134"/>
+            <a:ext cx="560755" cy="255200"/>
+          </a:xfrm>
+          <a:prstGeom prst="roundRect">
+            <a:avLst>
+              <a:gd name="adj" fmla="val 13068"/>
+            </a:avLst>
+          </a:prstGeom>
+          <a:noFill/>
+          <a:ln w="12700"/>
+        </p:spPr>
+        <p:style>
+          <a:lnRef idx="2">
+            <a:schemeClr val="dk1"/>
+          </a:lnRef>
+          <a:fillRef idx="1">
+            <a:schemeClr val="lt1"/>
+          </a:fillRef>
+          <a:effectRef idx="0">
+            <a:schemeClr val="dk1"/>
+          </a:effectRef>
+          <a:fontRef idx="minor">
+            <a:schemeClr val="dk1"/>
+          </a:fontRef>
+        </p:style>
+        <p:txBody>
+          <a:bodyPr rtlCol="0" anchor="ctr"/>
+          <a:lstStyle/>
+          <a:p>
+            <a:pPr algn="ctr"/>
+            <a:r>
+              <a:rPr lang="en-US" altLang="ko-KR" sz="800"/>
+              <a:t>fluentd</a:t>
+            </a:r>
+          </a:p>
+          <a:p>
+            <a:pPr algn="ctr"/>
+            <a:r>
+              <a:rPr lang="en-US" altLang="ko-KR" sz="800"/>
+              <a:t>logger</a:t>
+            </a:r>
+            <a:endParaRPr lang="ko-KR" altLang="en-US" sz="800"/>
+          </a:p>
+        </p:txBody>
+      </p:sp>
+      <p:sp>
+        <p:nvSpPr>
+          <p:cNvPr id="127" name="모서리가 둥근 직사각형 2">
+            <a:extLst>
+              <a:ext uri="{FF2B5EF4-FFF2-40B4-BE49-F238E27FC236}">
+                <a16:creationId xmlns:a16="http://schemas.microsoft.com/office/drawing/2014/main" id="{34D6D451-D491-3E00-8F10-B0EB3158468D}"/>
+              </a:ext>
+            </a:extLst>
+          </p:cNvPr>
+          <p:cNvSpPr/>
+          <p:nvPr/>
+        </p:nvSpPr>
+        <p:spPr>
+          <a:xfrm>
+            <a:off x="7036232" y="1290029"/>
+            <a:ext cx="1519546" cy="923219"/>
+          </a:xfrm>
+          <a:prstGeom prst="roundRect">
+            <a:avLst>
+              <a:gd name="adj" fmla="val 4308"/>
+            </a:avLst>
+          </a:prstGeom>
+          <a:ln w="12700"/>
+        </p:spPr>
+        <p:style>
+          <a:lnRef idx="2">
+            <a:schemeClr val="dk1"/>
+          </a:lnRef>
+          <a:fillRef idx="1">
+            <a:schemeClr val="lt1"/>
+          </a:fillRef>
+          <a:effectRef idx="0">
+            <a:schemeClr val="dk1"/>
+          </a:effectRef>
+          <a:fontRef idx="minor">
+            <a:schemeClr val="dk1"/>
+          </a:fontRef>
+        </p:style>
+        <p:txBody>
+          <a:bodyPr rtlCol="0" anchor="b"/>
+          <a:lstStyle/>
+          <a:p>
+            <a:pPr algn="ctr"/>
+            <a:r>
+              <a:rPr lang="en-US" altLang="ko-KR" sz="800"/>
+              <a:t>fluentd Logger Config</a:t>
+            </a:r>
+          </a:p>
+          <a:p>
+            <a:pPr algn="ctr"/>
+            <a:r>
+              <a:rPr lang="en-US" altLang="ko-KR" sz="800"/>
+              <a:t>/ ConfigMap</a:t>
+            </a:r>
+            <a:endParaRPr lang="ko-KR" altLang="en-US" sz="800"/>
+          </a:p>
+        </p:txBody>
+      </p:sp>
+      <p:sp>
+        <p:nvSpPr>
+          <p:cNvPr id="1024" name="모서리가 둥근 직사각형 2">
+            <a:extLst>
+              <a:ext uri="{FF2B5EF4-FFF2-40B4-BE49-F238E27FC236}">
+                <a16:creationId xmlns:a16="http://schemas.microsoft.com/office/drawing/2014/main" id="{D1E7E594-56A7-18D4-E987-F49C6AA268D8}"/>
+              </a:ext>
+            </a:extLst>
+          </p:cNvPr>
+          <p:cNvSpPr/>
+          <p:nvPr/>
+        </p:nvSpPr>
+        <p:spPr>
+          <a:xfrm>
+            <a:off x="5835647" y="583090"/>
+            <a:ext cx="843897" cy="255200"/>
+          </a:xfrm>
+          <a:prstGeom prst="roundRect">
+            <a:avLst>
+              <a:gd name="adj" fmla="val 13068"/>
+            </a:avLst>
+          </a:prstGeom>
+          <a:solidFill>
+            <a:schemeClr val="bg1">
+              <a:lumMod val="85000"/>
+            </a:schemeClr>
+          </a:solidFill>
+          <a:ln w="12700"/>
+        </p:spPr>
+        <p:style>
+          <a:lnRef idx="2">
+            <a:schemeClr val="dk1"/>
+          </a:lnRef>
+          <a:fillRef idx="1">
+            <a:schemeClr val="lt1"/>
+          </a:fillRef>
+          <a:effectRef idx="0">
+            <a:schemeClr val="dk1"/>
+          </a:effectRef>
+          <a:fontRef idx="minor">
+            <a:schemeClr val="dk1"/>
+          </a:fontRef>
+        </p:style>
+        <p:txBody>
+          <a:bodyPr rtlCol="0" anchor="ctr"/>
+          <a:lstStyle/>
+          <a:p>
+            <a:pPr algn="ctr"/>
+            <a:r>
+              <a:rPr lang="en-US" altLang="ko-KR" sz="800"/>
+              <a:t>Control (job-runner) stderr</a:t>
+            </a:r>
+            <a:endParaRPr lang="ko-KR" altLang="en-US" sz="800"/>
+          </a:p>
+        </p:txBody>
+      </p:sp>
+      <p:sp>
+        <p:nvSpPr>
+          <p:cNvPr id="1025" name="모서리가 둥근 직사각형 2">
+            <a:extLst>
+              <a:ext uri="{FF2B5EF4-FFF2-40B4-BE49-F238E27FC236}">
+                <a16:creationId xmlns:a16="http://schemas.microsoft.com/office/drawing/2014/main" id="{50A185E7-DD14-8CF5-DE85-884575C6CC52}"/>
+              </a:ext>
+            </a:extLst>
+          </p:cNvPr>
+          <p:cNvSpPr/>
+          <p:nvPr/>
+        </p:nvSpPr>
+        <p:spPr>
+          <a:xfrm>
+            <a:off x="6779722" y="583090"/>
+            <a:ext cx="843897" cy="255200"/>
+          </a:xfrm>
+          <a:prstGeom prst="roundRect">
+            <a:avLst>
+              <a:gd name="adj" fmla="val 13068"/>
+            </a:avLst>
+          </a:prstGeom>
+          <a:solidFill>
+            <a:schemeClr val="bg1">
+              <a:lumMod val="85000"/>
+            </a:schemeClr>
+          </a:solidFill>
+          <a:ln w="12700"/>
+        </p:spPr>
+        <p:style>
+          <a:lnRef idx="2">
+            <a:schemeClr val="dk1"/>
+          </a:lnRef>
+          <a:fillRef idx="1">
+            <a:schemeClr val="lt1"/>
+          </a:fillRef>
+          <a:effectRef idx="0">
+            <a:schemeClr val="dk1"/>
+          </a:effectRef>
+          <a:fontRef idx="minor">
+            <a:schemeClr val="dk1"/>
+          </a:fontRef>
+        </p:style>
+        <p:txBody>
+          <a:bodyPr rtlCol="0" anchor="ctr"/>
+          <a:lstStyle/>
+          <a:p>
+            <a:pPr algn="ctr"/>
+            <a:r>
+              <a:rPr lang="en-US" altLang="ko-KR" sz="800"/>
+              <a:t>Driver</a:t>
+            </a:r>
+          </a:p>
+          <a:p>
+            <a:pPr algn="ctr"/>
+            <a:r>
+              <a:rPr lang="en-US" altLang="ko-KR" sz="800"/>
+              <a:t>stdout/stderr</a:t>
+            </a:r>
+            <a:endParaRPr lang="ko-KR" altLang="en-US" sz="800"/>
+          </a:p>
+        </p:txBody>
+      </p:sp>
+      <p:sp>
+        <p:nvSpPr>
+          <p:cNvPr id="1027" name="모서리가 둥근 직사각형 2">
+            <a:extLst>
+              <a:ext uri="{FF2B5EF4-FFF2-40B4-BE49-F238E27FC236}">
+                <a16:creationId xmlns:a16="http://schemas.microsoft.com/office/drawing/2014/main" id="{75C76740-0500-A270-A966-B2AC6E9D1F9C}"/>
+              </a:ext>
+            </a:extLst>
+          </p:cNvPr>
+          <p:cNvSpPr/>
+          <p:nvPr/>
+        </p:nvSpPr>
+        <p:spPr>
+          <a:xfrm>
+            <a:off x="7700441" y="583090"/>
+            <a:ext cx="843897" cy="255200"/>
+          </a:xfrm>
+          <a:prstGeom prst="roundRect">
+            <a:avLst>
+              <a:gd name="adj" fmla="val 13068"/>
+            </a:avLst>
+          </a:prstGeom>
+          <a:solidFill>
+            <a:schemeClr val="bg1">
+              <a:lumMod val="85000"/>
+            </a:schemeClr>
+          </a:solidFill>
+          <a:ln w="12700"/>
+        </p:spPr>
+        <p:style>
+          <a:lnRef idx="2">
+            <a:schemeClr val="dk1"/>
+          </a:lnRef>
+          <a:fillRef idx="1">
+            <a:schemeClr val="lt1"/>
+          </a:fillRef>
+          <a:effectRef idx="0">
+            <a:schemeClr val="dk1"/>
+          </a:effectRef>
+          <a:fontRef idx="minor">
+            <a:schemeClr val="dk1"/>
+          </a:fontRef>
+        </p:style>
+        <p:txBody>
+          <a:bodyPr rtlCol="0" anchor="ctr"/>
+          <a:lstStyle/>
+          <a:p>
+            <a:pPr algn="ctr"/>
+            <a:r>
+              <a:rPr lang="en-US" altLang="ko-KR" sz="800"/>
+              <a:t>Executor</a:t>
+            </a:r>
+          </a:p>
+          <a:p>
+            <a:pPr algn="ctr"/>
+            <a:r>
+              <a:rPr lang="en-US" altLang="ko-KR" sz="800"/>
+              <a:t>stdout/stderr</a:t>
+            </a:r>
+            <a:endParaRPr lang="ko-KR" altLang="en-US" sz="800"/>
+          </a:p>
+        </p:txBody>
+      </p:sp>
+      <p:sp>
+        <p:nvSpPr>
+          <p:cNvPr id="1028" name="모서리가 둥근 직사각형 2">
+            <a:extLst>
+              <a:ext uri="{FF2B5EF4-FFF2-40B4-BE49-F238E27FC236}">
+                <a16:creationId xmlns:a16="http://schemas.microsoft.com/office/drawing/2014/main" id="{0DD90621-1CEE-B919-AD1E-F0763656BE00}"/>
+              </a:ext>
+            </a:extLst>
+          </p:cNvPr>
+          <p:cNvSpPr/>
+          <p:nvPr/>
+        </p:nvSpPr>
+        <p:spPr>
+          <a:xfrm>
+            <a:off x="2176722" y="1526295"/>
+            <a:ext cx="960946" cy="418726"/>
+          </a:xfrm>
+          <a:prstGeom prst="roundRect">
+            <a:avLst>
+              <a:gd name="adj" fmla="val 13068"/>
+            </a:avLst>
+          </a:prstGeom>
+          <a:ln w="12700"/>
+        </p:spPr>
+        <p:style>
+          <a:lnRef idx="2">
+            <a:schemeClr val="dk1"/>
+          </a:lnRef>
+          <a:fillRef idx="1">
+            <a:schemeClr val="lt1"/>
+          </a:fillRef>
+          <a:effectRef idx="0">
+            <a:schemeClr val="dk1"/>
+          </a:effectRef>
+          <a:fontRef idx="minor">
+            <a:schemeClr val="dk1"/>
+          </a:fontRef>
+        </p:style>
+        <p:txBody>
+          <a:bodyPr rtlCol="0" anchor="ctr"/>
+          <a:lstStyle/>
+          <a:p>
+            <a:pPr algn="ctr"/>
+            <a:r>
+              <a:rPr lang="en-US" altLang="ko-KR" sz="800"/>
+              <a:t>spark Default Config</a:t>
+            </a:r>
+          </a:p>
+          <a:p>
+            <a:pPr algn="ctr"/>
+            <a:r>
+              <a:rPr lang="en-US" altLang="ko-KR" sz="800"/>
+              <a:t>/ ConfigMap</a:t>
+            </a:r>
+            <a:endParaRPr lang="ko-KR" altLang="en-US" sz="1000"/>
+          </a:p>
+        </p:txBody>
+      </p:sp>
+      <p:sp>
+        <p:nvSpPr>
+          <p:cNvPr id="1031" name="모서리가 둥근 직사각형 2">
+            <a:extLst>
+              <a:ext uri="{FF2B5EF4-FFF2-40B4-BE49-F238E27FC236}">
+                <a16:creationId xmlns:a16="http://schemas.microsoft.com/office/drawing/2014/main" id="{46E26622-2473-C339-A9D2-6471863BB2C2}"/>
+              </a:ext>
+            </a:extLst>
+          </p:cNvPr>
+          <p:cNvSpPr/>
+          <p:nvPr/>
+        </p:nvSpPr>
+        <p:spPr>
+          <a:xfrm>
+            <a:off x="3302134" y="1776238"/>
+            <a:ext cx="1119480" cy="321732"/>
+          </a:xfrm>
+          <a:prstGeom prst="roundRect">
+            <a:avLst>
+              <a:gd name="adj" fmla="val 13068"/>
+            </a:avLst>
+          </a:prstGeom>
+          <a:ln w="12700"/>
+        </p:spPr>
+        <p:style>
+          <a:lnRef idx="2">
+            <a:schemeClr val="dk1"/>
+          </a:lnRef>
+          <a:fillRef idx="1">
+            <a:schemeClr val="lt1"/>
+          </a:fillRef>
+          <a:effectRef idx="0">
+            <a:schemeClr val="dk1"/>
+          </a:effectRef>
+          <a:fontRef idx="minor">
+            <a:schemeClr val="dk1"/>
+          </a:fontRef>
+        </p:style>
+        <p:txBody>
+          <a:bodyPr rtlCol="0" anchor="ctr"/>
+          <a:lstStyle/>
+          <a:p>
+            <a:pPr algn="ctr"/>
+            <a:r>
+              <a:rPr lang="en-US" altLang="ko-KR" sz="800"/>
+              <a:t>Driver Config</a:t>
+            </a:r>
+          </a:p>
+          <a:p>
+            <a:pPr algn="ctr"/>
+            <a:r>
+              <a:rPr lang="en-US" altLang="ko-KR" sz="800"/>
+              <a:t>/ ConfigMap</a:t>
+            </a:r>
+            <a:endParaRPr lang="ko-KR" altLang="en-US" sz="800"/>
+          </a:p>
+        </p:txBody>
+      </p:sp>
+      <p:sp>
+        <p:nvSpPr>
+          <p:cNvPr id="1033" name="모서리가 둥근 직사각형 2">
+            <a:extLst>
+              <a:ext uri="{FF2B5EF4-FFF2-40B4-BE49-F238E27FC236}">
+                <a16:creationId xmlns:a16="http://schemas.microsoft.com/office/drawing/2014/main" id="{F7AAEBE3-5A2E-2488-671C-FDAD429DBACF}"/>
+              </a:ext>
+            </a:extLst>
+          </p:cNvPr>
+          <p:cNvSpPr/>
+          <p:nvPr/>
+        </p:nvSpPr>
+        <p:spPr>
+          <a:xfrm>
+            <a:off x="7175431" y="1355022"/>
+            <a:ext cx="620574" cy="255200"/>
+          </a:xfrm>
+          <a:prstGeom prst="roundRect">
+            <a:avLst>
+              <a:gd name="adj" fmla="val 13068"/>
+            </a:avLst>
+          </a:prstGeom>
+          <a:ln w="12700"/>
+        </p:spPr>
+        <p:style>
+          <a:lnRef idx="2">
+            <a:schemeClr val="dk1"/>
+          </a:lnRef>
+          <a:fillRef idx="1">
+            <a:schemeClr val="lt1"/>
+          </a:fillRef>
+          <a:effectRef idx="0">
+            <a:schemeClr val="dk1"/>
+          </a:effectRef>
+          <a:fontRef idx="minor">
+            <a:schemeClr val="dk1"/>
+          </a:fontRef>
+        </p:style>
+        <p:txBody>
+          <a:bodyPr rtlCol="0" anchor="ctr"/>
+          <a:lstStyle/>
+          <a:p>
+            <a:pPr algn="ctr"/>
+            <a:r>
+              <a:rPr lang="en-US" altLang="ko-KR" sz="800"/>
+              <a:t>Meta</a:t>
+            </a:r>
+            <a:endParaRPr lang="ko-KR" altLang="en-US" sz="800"/>
+          </a:p>
+        </p:txBody>
+      </p:sp>
+      <p:sp>
+        <p:nvSpPr>
+          <p:cNvPr id="1034" name="모서리가 둥근 직사각형 2">
+            <a:extLst>
+              <a:ext uri="{FF2B5EF4-FFF2-40B4-BE49-F238E27FC236}">
+                <a16:creationId xmlns:a16="http://schemas.microsoft.com/office/drawing/2014/main" id="{9A9FCC7C-3571-58F3-FA36-DC3158086397}"/>
+              </a:ext>
+            </a:extLst>
+          </p:cNvPr>
+          <p:cNvSpPr/>
+          <p:nvPr/>
+        </p:nvSpPr>
+        <p:spPr>
+          <a:xfrm>
+            <a:off x="7796005" y="1355022"/>
+            <a:ext cx="620574" cy="255200"/>
+          </a:xfrm>
+          <a:prstGeom prst="roundRect">
+            <a:avLst>
+              <a:gd name="adj" fmla="val 13068"/>
+            </a:avLst>
+          </a:prstGeom>
+          <a:solidFill>
+            <a:schemeClr val="bg1">
+              <a:lumMod val="85000"/>
+            </a:schemeClr>
+          </a:solidFill>
+          <a:ln w="12700"/>
+        </p:spPr>
+        <p:style>
+          <a:lnRef idx="2">
+            <a:schemeClr val="dk1"/>
+          </a:lnRef>
+          <a:fillRef idx="1">
+            <a:schemeClr val="lt1"/>
+          </a:fillRef>
+          <a:effectRef idx="0">
+            <a:schemeClr val="dk1"/>
+          </a:effectRef>
+          <a:fontRef idx="minor">
+            <a:schemeClr val="dk1"/>
+          </a:fontRef>
+        </p:style>
+        <p:txBody>
+          <a:bodyPr rtlCol="0" anchor="ctr"/>
+          <a:lstStyle/>
+          <a:p>
+            <a:pPr algn="ctr"/>
+            <a:r>
+              <a:rPr lang="en-US" altLang="ko-KR" sz="800"/>
+              <a:t>Job</a:t>
+            </a:r>
+            <a:endParaRPr lang="ko-KR" altLang="en-US" sz="800"/>
+          </a:p>
+        </p:txBody>
+      </p:sp>
+      <p:sp>
+        <p:nvSpPr>
+          <p:cNvPr id="1035" name="모서리가 둥근 직사각형 2">
+            <a:extLst>
+              <a:ext uri="{FF2B5EF4-FFF2-40B4-BE49-F238E27FC236}">
+                <a16:creationId xmlns:a16="http://schemas.microsoft.com/office/drawing/2014/main" id="{99B9F94F-E75E-FCB9-0097-8BA4A02EB08B}"/>
+              </a:ext>
+            </a:extLst>
+          </p:cNvPr>
+          <p:cNvSpPr/>
+          <p:nvPr/>
+        </p:nvSpPr>
+        <p:spPr>
+          <a:xfrm>
+            <a:off x="7175431" y="1610994"/>
+            <a:ext cx="620574" cy="255200"/>
+          </a:xfrm>
+          <a:prstGeom prst="roundRect">
+            <a:avLst>
+              <a:gd name="adj" fmla="val 13068"/>
+            </a:avLst>
+          </a:prstGeom>
+          <a:ln w="12700"/>
+        </p:spPr>
+        <p:style>
+          <a:lnRef idx="2">
+            <a:schemeClr val="dk1"/>
+          </a:lnRef>
+          <a:fillRef idx="1">
+            <a:schemeClr val="lt1"/>
+          </a:fillRef>
+          <a:effectRef idx="0">
+            <a:schemeClr val="dk1"/>
+          </a:effectRef>
+          <a:fontRef idx="minor">
+            <a:schemeClr val="dk1"/>
+          </a:fontRef>
+        </p:style>
+        <p:txBody>
+          <a:bodyPr rtlCol="0" anchor="ctr"/>
+          <a:lstStyle/>
+          <a:p>
+            <a:pPr algn="ctr"/>
+            <a:r>
+              <a:rPr lang="en-US" altLang="ko-KR" sz="800"/>
+              <a:t>Driver</a:t>
+            </a:r>
+            <a:endParaRPr lang="ko-KR" altLang="en-US" sz="800"/>
+          </a:p>
+        </p:txBody>
+      </p:sp>
+      <p:sp>
+        <p:nvSpPr>
+          <p:cNvPr id="1036" name="모서리가 둥근 직사각형 2">
+            <a:extLst>
+              <a:ext uri="{FF2B5EF4-FFF2-40B4-BE49-F238E27FC236}">
+                <a16:creationId xmlns:a16="http://schemas.microsoft.com/office/drawing/2014/main" id="{D8F32914-A3F2-75E2-21A2-30EC047141CB}"/>
+              </a:ext>
+            </a:extLst>
+          </p:cNvPr>
+          <p:cNvSpPr/>
+          <p:nvPr/>
+        </p:nvSpPr>
+        <p:spPr>
+          <a:xfrm>
+            <a:off x="7796005" y="1610994"/>
+            <a:ext cx="620574" cy="255200"/>
+          </a:xfrm>
+          <a:prstGeom prst="roundRect">
+            <a:avLst>
+              <a:gd name="adj" fmla="val 13068"/>
+            </a:avLst>
+          </a:prstGeom>
+          <a:solidFill>
+            <a:schemeClr val="bg1">
+              <a:lumMod val="85000"/>
+            </a:schemeClr>
+          </a:solidFill>
+          <a:ln w="12700"/>
+        </p:spPr>
+        <p:style>
+          <a:lnRef idx="2">
+            <a:schemeClr val="dk1"/>
+          </a:lnRef>
+          <a:fillRef idx="1">
+            <a:schemeClr val="lt1"/>
+          </a:fillRef>
+          <a:effectRef idx="0">
+            <a:schemeClr val="dk1"/>
+          </a:effectRef>
+          <a:fontRef idx="minor">
+            <a:schemeClr val="dk1"/>
+          </a:fontRef>
+        </p:style>
+        <p:txBody>
+          <a:bodyPr rtlCol="0" anchor="ctr"/>
+          <a:lstStyle/>
+          <a:p>
+            <a:pPr algn="ctr"/>
+            <a:r>
+              <a:rPr lang="en-US" altLang="ko-KR" sz="800"/>
+              <a:t>Executor</a:t>
+            </a:r>
+            <a:endParaRPr lang="ko-KR" altLang="en-US" sz="800"/>
+          </a:p>
+        </p:txBody>
+      </p:sp>
+      <p:sp>
+        <p:nvSpPr>
+          <p:cNvPr id="1037" name="모서리가 둥근 직사각형 2">
+            <a:extLst>
+              <a:ext uri="{FF2B5EF4-FFF2-40B4-BE49-F238E27FC236}">
+                <a16:creationId xmlns:a16="http://schemas.microsoft.com/office/drawing/2014/main" id="{B0D919F1-60C6-113A-27A2-096CA305A1FB}"/>
+              </a:ext>
+            </a:extLst>
+          </p:cNvPr>
+          <p:cNvSpPr/>
+          <p:nvPr/>
+        </p:nvSpPr>
+        <p:spPr>
+          <a:xfrm>
+            <a:off x="6097029" y="1355022"/>
+            <a:ext cx="620574" cy="255200"/>
+          </a:xfrm>
+          <a:prstGeom prst="roundRect">
+            <a:avLst>
+              <a:gd name="adj" fmla="val 13068"/>
+            </a:avLst>
+          </a:prstGeom>
+          <a:ln w="12700"/>
+        </p:spPr>
+        <p:style>
+          <a:lnRef idx="2">
+            <a:schemeClr val="dk1"/>
+          </a:lnRef>
+          <a:fillRef idx="1">
+            <a:schemeClr val="lt1"/>
+          </a:fillRef>
+          <a:effectRef idx="0">
+            <a:schemeClr val="dk1"/>
+          </a:effectRef>
+          <a:fontRef idx="minor">
+            <a:schemeClr val="dk1"/>
+          </a:fontRef>
+        </p:style>
+        <p:txBody>
+          <a:bodyPr rtlCol="0" anchor="ctr"/>
+          <a:lstStyle/>
+          <a:p>
+            <a:pPr algn="ctr"/>
+            <a:r>
+              <a:rPr lang="en-US" altLang="ko-KR" sz="800"/>
+              <a:t>Driver</a:t>
+            </a:r>
+            <a:endParaRPr lang="ko-KR" altLang="en-US" sz="800"/>
+          </a:p>
+        </p:txBody>
+      </p:sp>
+      <p:sp>
+        <p:nvSpPr>
+          <p:cNvPr id="1038" name="모서리가 둥근 직사각형 2">
+            <a:extLst>
+              <a:ext uri="{FF2B5EF4-FFF2-40B4-BE49-F238E27FC236}">
+                <a16:creationId xmlns:a16="http://schemas.microsoft.com/office/drawing/2014/main" id="{B0425CEA-1E96-7A70-0015-9C88726186C1}"/>
+              </a:ext>
+            </a:extLst>
+          </p:cNvPr>
+          <p:cNvSpPr/>
+          <p:nvPr/>
+        </p:nvSpPr>
+        <p:spPr>
+          <a:xfrm>
+            <a:off x="6096280" y="1610994"/>
+            <a:ext cx="620574" cy="255200"/>
+          </a:xfrm>
+          <a:prstGeom prst="roundRect">
+            <a:avLst>
+              <a:gd name="adj" fmla="val 13068"/>
+            </a:avLst>
+          </a:prstGeom>
+          <a:solidFill>
+            <a:schemeClr val="bg1"/>
+          </a:solidFill>
+          <a:ln w="12700"/>
+        </p:spPr>
+        <p:style>
+          <a:lnRef idx="2">
+            <a:schemeClr val="dk1"/>
+          </a:lnRef>
+          <a:fillRef idx="1">
+            <a:schemeClr val="lt1"/>
+          </a:fillRef>
+          <a:effectRef idx="0">
+            <a:schemeClr val="dk1"/>
+          </a:effectRef>
+          <a:fontRef idx="minor">
+            <a:schemeClr val="dk1"/>
+          </a:fontRef>
+        </p:style>
+        <p:txBody>
+          <a:bodyPr rtlCol="0" anchor="ctr"/>
+          <a:lstStyle/>
+          <a:p>
+            <a:pPr algn="ctr"/>
+            <a:r>
+              <a:rPr lang="en-US" altLang="ko-KR" sz="800"/>
+              <a:t>Executor</a:t>
+            </a:r>
+            <a:endParaRPr lang="ko-KR" altLang="en-US" sz="800"/>
+          </a:p>
+        </p:txBody>
+      </p:sp>
+      <p:sp>
+        <p:nvSpPr>
+          <p:cNvPr id="1039" name="모서리가 둥근 직사각형 2">
+            <a:extLst>
+              <a:ext uri="{FF2B5EF4-FFF2-40B4-BE49-F238E27FC236}">
+                <a16:creationId xmlns:a16="http://schemas.microsoft.com/office/drawing/2014/main" id="{85F18A57-785B-226D-2F72-DA0B7412FF30}"/>
+              </a:ext>
+            </a:extLst>
+          </p:cNvPr>
+          <p:cNvSpPr/>
+          <p:nvPr/>
+        </p:nvSpPr>
+        <p:spPr>
+          <a:xfrm>
+            <a:off x="4535190" y="1877728"/>
+            <a:ext cx="1119479" cy="411788"/>
+          </a:xfrm>
+          <a:prstGeom prst="roundRect">
+            <a:avLst>
+              <a:gd name="adj" fmla="val 13068"/>
+            </a:avLst>
+          </a:prstGeom>
+          <a:ln w="12700"/>
+        </p:spPr>
+        <p:style>
+          <a:lnRef idx="2">
+            <a:schemeClr val="dk1"/>
+          </a:lnRef>
+          <a:fillRef idx="1">
+            <a:schemeClr val="lt1"/>
+          </a:fillRef>
+          <a:effectRef idx="0">
+            <a:schemeClr val="dk1"/>
+          </a:effectRef>
+          <a:fontRef idx="minor">
+            <a:schemeClr val="dk1"/>
+          </a:fontRef>
+        </p:style>
+        <p:txBody>
+          <a:bodyPr rtlCol="0" anchor="ctr"/>
+          <a:lstStyle/>
+          <a:p>
+            <a:pPr algn="ctr"/>
+            <a:r>
+              <a:rPr lang="en-US" altLang="ko-KR" sz="800"/>
+              <a:t>Driver PodSpec Config</a:t>
+            </a:r>
+          </a:p>
+          <a:p>
+            <a:pPr algn="ctr"/>
+            <a:r>
+              <a:rPr lang="en-US" altLang="ko-KR" sz="800"/>
+              <a:t>/ ConfigMap</a:t>
+            </a:r>
+            <a:endParaRPr lang="ko-KR" altLang="en-US" sz="800"/>
+          </a:p>
+        </p:txBody>
+      </p:sp>
+      <p:sp>
+        <p:nvSpPr>
+          <p:cNvPr id="1043" name="모서리가 둥근 직사각형 2">
+            <a:extLst>
+              <a:ext uri="{FF2B5EF4-FFF2-40B4-BE49-F238E27FC236}">
+                <a16:creationId xmlns:a16="http://schemas.microsoft.com/office/drawing/2014/main" id="{6E5EB089-EC43-EF5E-C415-0EC4D0252DE4}"/>
+              </a:ext>
+            </a:extLst>
+          </p:cNvPr>
+          <p:cNvSpPr/>
+          <p:nvPr/>
+        </p:nvSpPr>
+        <p:spPr>
+          <a:xfrm>
+            <a:off x="3302134" y="2163519"/>
+            <a:ext cx="1119479" cy="317533"/>
+          </a:xfrm>
+          <a:prstGeom prst="roundRect">
+            <a:avLst>
+              <a:gd name="adj" fmla="val 13068"/>
+            </a:avLst>
+          </a:prstGeom>
+          <a:ln w="12700"/>
+        </p:spPr>
+        <p:style>
+          <a:lnRef idx="2">
+            <a:schemeClr val="dk1"/>
+          </a:lnRef>
+          <a:fillRef idx="1">
+            <a:schemeClr val="lt1"/>
+          </a:fillRef>
+          <a:effectRef idx="0">
+            <a:schemeClr val="dk1"/>
+          </a:effectRef>
+          <a:fontRef idx="minor">
+            <a:schemeClr val="dk1"/>
+          </a:fontRef>
+        </p:style>
+        <p:txBody>
+          <a:bodyPr rtlCol="0" anchor="ctr"/>
+          <a:lstStyle/>
+          <a:p>
+            <a:pPr algn="ctr"/>
+            <a:r>
+              <a:rPr lang="en-US" altLang="ko-KR" sz="800"/>
+              <a:t>Hadoop Config</a:t>
+            </a:r>
+          </a:p>
+          <a:p>
+            <a:pPr algn="ctr"/>
+            <a:r>
+              <a:rPr lang="en-US" altLang="ko-KR" sz="800"/>
+              <a:t>/ ConfigMap</a:t>
+            </a:r>
+            <a:endParaRPr lang="ko-KR" altLang="en-US" sz="800"/>
+          </a:p>
+        </p:txBody>
+      </p:sp>
+      <p:sp>
+        <p:nvSpPr>
+          <p:cNvPr id="1071" name="모서리가 둥근 직사각형 2">
+            <a:extLst>
+              <a:ext uri="{FF2B5EF4-FFF2-40B4-BE49-F238E27FC236}">
+                <a16:creationId xmlns:a16="http://schemas.microsoft.com/office/drawing/2014/main" id="{0861E812-E4F9-5A11-09C2-2045B96C0B20}"/>
+              </a:ext>
+            </a:extLst>
+          </p:cNvPr>
+          <p:cNvSpPr/>
+          <p:nvPr/>
+        </p:nvSpPr>
+        <p:spPr>
+          <a:xfrm>
+            <a:off x="6551883" y="2343050"/>
+            <a:ext cx="996914" cy="411788"/>
+          </a:xfrm>
+          <a:prstGeom prst="roundRect">
+            <a:avLst>
+              <a:gd name="adj" fmla="val 13068"/>
+            </a:avLst>
+          </a:prstGeom>
+          <a:noFill/>
+          <a:ln w="12700"/>
+        </p:spPr>
+        <p:style>
+          <a:lnRef idx="2">
+            <a:schemeClr val="dk1"/>
+          </a:lnRef>
+          <a:fillRef idx="1">
+            <a:schemeClr val="lt1"/>
+          </a:fillRef>
+          <a:effectRef idx="0">
+            <a:schemeClr val="dk1"/>
+          </a:effectRef>
+          <a:fontRef idx="minor">
+            <a:schemeClr val="dk1"/>
+          </a:fontRef>
+        </p:style>
+        <p:txBody>
+          <a:bodyPr rtlCol="0" anchor="ctr"/>
+          <a:lstStyle/>
+          <a:p>
+            <a:pPr algn="ctr"/>
+            <a:r>
+              <a:rPr lang="en-US" altLang="ko-KR" sz="800"/>
+              <a:t>Executor Config</a:t>
+            </a:r>
+          </a:p>
+          <a:p>
+            <a:pPr algn="ctr"/>
+            <a:r>
+              <a:rPr lang="en-US" altLang="ko-KR" sz="800"/>
+              <a:t>/ ConfigMap</a:t>
+            </a:r>
+            <a:endParaRPr lang="ko-KR" altLang="en-US" sz="800"/>
+          </a:p>
+        </p:txBody>
+      </p:sp>
+      <p:cxnSp>
+        <p:nvCxnSpPr>
+          <p:cNvPr id="1078" name="Straight Arrow Connector 1077">
+            <a:extLst>
+              <a:ext uri="{FF2B5EF4-FFF2-40B4-BE49-F238E27FC236}">
+                <a16:creationId xmlns:a16="http://schemas.microsoft.com/office/drawing/2014/main" id="{5134E773-DB98-218D-06DC-F1D52E281507}"/>
+              </a:ext>
+            </a:extLst>
+          </p:cNvPr>
+          <p:cNvCxnSpPr>
+            <a:cxnSpLocks/>
+            <a:stCxn id="1087" idx="0"/>
+            <a:endCxn id="1028" idx="2"/>
+          </p:cNvCxnSpPr>
+          <p:nvPr/>
+        </p:nvCxnSpPr>
+        <p:spPr>
+          <a:xfrm flipV="1">
+            <a:off x="2657195" y="1945021"/>
+            <a:ext cx="0" cy="120700"/>
+          </a:xfrm>
+          <a:prstGeom prst="straightConnector1">
+            <a:avLst/>
+          </a:prstGeom>
+          <a:ln>
+            <a:solidFill>
+              <a:schemeClr val="tx1"/>
+            </a:solidFill>
+            <a:tailEnd type="triangle"/>
+          </a:ln>
+        </p:spPr>
+        <p:style>
+          <a:lnRef idx="1">
+            <a:schemeClr val="accent1"/>
+          </a:lnRef>
+          <a:fillRef idx="0">
+            <a:schemeClr val="accent1"/>
+          </a:fillRef>
+          <a:effectRef idx="0">
+            <a:schemeClr val="accent1"/>
+          </a:effectRef>
+          <a:fontRef idx="minor">
+            <a:schemeClr val="tx1"/>
+          </a:fontRef>
+        </p:style>
+      </p:cxnSp>
+      <p:sp>
+        <p:nvSpPr>
+          <p:cNvPr id="1087" name="TextBox 1086">
+            <a:extLst>
+              <a:ext uri="{FF2B5EF4-FFF2-40B4-BE49-F238E27FC236}">
+                <a16:creationId xmlns:a16="http://schemas.microsoft.com/office/drawing/2014/main" id="{FA5D3708-CB2B-20F7-4AAA-B77F4AFC2709}"/>
+              </a:ext>
+            </a:extLst>
+          </p:cNvPr>
+          <p:cNvSpPr txBox="1"/>
+          <p:nvPr/>
+        </p:nvSpPr>
+        <p:spPr>
+          <a:xfrm>
+            <a:off x="2174849" y="2065721"/>
+            <a:ext cx="964692" cy="461665"/>
+          </a:xfrm>
+          <a:prstGeom prst="rect">
+            <a:avLst/>
+          </a:prstGeom>
+          <a:noFill/>
+        </p:spPr>
+        <p:txBody>
+          <a:bodyPr wrap="square" rtlCol="0">
+            <a:spAutoFit/>
+          </a:bodyPr>
+          <a:lstStyle/>
+          <a:p>
+            <a:pPr algn="ctr"/>
+            <a:r>
+              <a:rPr lang="en-KR" sz="800"/>
+              <a:t>From job-runner </a:t>
+            </a:r>
+            <a:br>
+              <a:rPr lang="en-KR" sz="800"/>
+            </a:br>
+            <a:r>
+              <a:rPr lang="en-KR" sz="800"/>
+              <a:t>&amp; driver </a:t>
+            </a:r>
+            <a:br>
+              <a:rPr lang="en-KR" sz="800"/>
+            </a:br>
+            <a:r>
+              <a:rPr lang="en-KR" sz="800"/>
+              <a:t>&amp; executor pods</a:t>
+            </a:r>
+          </a:p>
+        </p:txBody>
+      </p:sp>
+      <p:cxnSp>
+        <p:nvCxnSpPr>
+          <p:cNvPr id="1135" name="Elbow Connector 1134">
+            <a:extLst>
+              <a:ext uri="{FF2B5EF4-FFF2-40B4-BE49-F238E27FC236}">
+                <a16:creationId xmlns:a16="http://schemas.microsoft.com/office/drawing/2014/main" id="{E4ED5C30-17C7-5625-B959-89509EBA6A0F}"/>
+              </a:ext>
+            </a:extLst>
+          </p:cNvPr>
+          <p:cNvCxnSpPr>
+            <a:cxnSpLocks/>
+            <a:endCxn id="23" idx="2"/>
+          </p:cNvCxnSpPr>
+          <p:nvPr/>
+        </p:nvCxnSpPr>
+        <p:spPr>
+          <a:xfrm flipV="1">
+            <a:off x="3495522" y="2208313"/>
+            <a:ext cx="2903484" cy="1731436"/>
+          </a:xfrm>
+          <a:prstGeom prst="bentConnector2">
+            <a:avLst/>
+          </a:prstGeom>
+          <a:ln>
+            <a:solidFill>
+              <a:schemeClr val="tx1"/>
+            </a:solidFill>
+            <a:tailEnd type="triangle"/>
+          </a:ln>
+        </p:spPr>
+        <p:style>
+          <a:lnRef idx="1">
+            <a:schemeClr val="accent1"/>
+          </a:lnRef>
+          <a:fillRef idx="0">
+            <a:schemeClr val="accent1"/>
+          </a:fillRef>
+          <a:effectRef idx="0">
+            <a:schemeClr val="accent1"/>
+          </a:effectRef>
+          <a:fontRef idx="minor">
+            <a:schemeClr val="tx1"/>
+          </a:fontRef>
+        </p:style>
+      </p:cxnSp>
+      <p:cxnSp>
+        <p:nvCxnSpPr>
+          <p:cNvPr id="1138" name="Straight Arrow Connector 1137">
+            <a:extLst>
+              <a:ext uri="{FF2B5EF4-FFF2-40B4-BE49-F238E27FC236}">
+                <a16:creationId xmlns:a16="http://schemas.microsoft.com/office/drawing/2014/main" id="{2F22828C-FA8A-882C-323A-04C4873703F4}"/>
+              </a:ext>
+            </a:extLst>
+          </p:cNvPr>
+          <p:cNvCxnSpPr>
+            <a:cxnSpLocks/>
+            <a:stCxn id="1139" idx="0"/>
+          </p:cNvCxnSpPr>
+          <p:nvPr/>
+        </p:nvCxnSpPr>
+        <p:spPr>
+          <a:xfrm flipH="1" flipV="1">
+            <a:off x="8114564" y="2213324"/>
+            <a:ext cx="1" cy="122349"/>
+          </a:xfrm>
+          <a:prstGeom prst="straightConnector1">
+            <a:avLst/>
+          </a:prstGeom>
+          <a:ln>
+            <a:solidFill>
+              <a:schemeClr val="tx1"/>
+            </a:solidFill>
+            <a:tailEnd type="triangle"/>
+          </a:ln>
+        </p:spPr>
+        <p:style>
+          <a:lnRef idx="1">
+            <a:schemeClr val="accent1"/>
+          </a:lnRef>
+          <a:fillRef idx="0">
+            <a:schemeClr val="accent1"/>
+          </a:fillRef>
+          <a:effectRef idx="0">
+            <a:schemeClr val="accent1"/>
+          </a:effectRef>
+          <a:fontRef idx="minor">
+            <a:schemeClr val="tx1"/>
+          </a:fontRef>
+        </p:style>
+      </p:cxnSp>
+      <p:sp>
+        <p:nvSpPr>
+          <p:cNvPr id="1139" name="TextBox 1138">
+            <a:extLst>
+              <a:ext uri="{FF2B5EF4-FFF2-40B4-BE49-F238E27FC236}">
+                <a16:creationId xmlns:a16="http://schemas.microsoft.com/office/drawing/2014/main" id="{9845C353-20AB-2343-9930-3FA93E5C923C}"/>
+              </a:ext>
+            </a:extLst>
+          </p:cNvPr>
+          <p:cNvSpPr txBox="1"/>
+          <p:nvPr/>
+        </p:nvSpPr>
+        <p:spPr>
+          <a:xfrm>
+            <a:off x="7537983" y="2335673"/>
+            <a:ext cx="1153163" cy="461665"/>
+          </a:xfrm>
+          <a:prstGeom prst="rect">
+            <a:avLst/>
+          </a:prstGeom>
+          <a:noFill/>
+        </p:spPr>
+        <p:txBody>
+          <a:bodyPr wrap="square" rtlCol="0">
+            <a:spAutoFit/>
+          </a:bodyPr>
+          <a:lstStyle/>
+          <a:p>
+            <a:pPr algn="ctr"/>
+            <a:r>
+              <a:rPr lang="en-KR" sz="800"/>
+              <a:t>From fluentd </a:t>
+            </a:r>
+          </a:p>
+          <a:p>
+            <a:pPr algn="ctr"/>
+            <a:r>
+              <a:rPr lang="en-KR" sz="800"/>
+              <a:t>Collector &amp;</a:t>
+            </a:r>
+          </a:p>
+          <a:p>
+            <a:pPr algn="ctr"/>
+            <a:r>
+              <a:rPr lang="en-KR" sz="800"/>
+              <a:t>All fluentd Loggers</a:t>
+            </a:r>
+          </a:p>
+        </p:txBody>
+      </p:sp>
+      <p:cxnSp>
+        <p:nvCxnSpPr>
+          <p:cNvPr id="1148" name="Straight Arrow Connector 1147">
+            <a:extLst>
+              <a:ext uri="{FF2B5EF4-FFF2-40B4-BE49-F238E27FC236}">
+                <a16:creationId xmlns:a16="http://schemas.microsoft.com/office/drawing/2014/main" id="{D95E2AFF-920E-097C-D423-4BD062C342F6}"/>
+              </a:ext>
+            </a:extLst>
+          </p:cNvPr>
+          <p:cNvCxnSpPr>
+            <a:cxnSpLocks/>
+            <a:stCxn id="125" idx="3"/>
+            <a:endCxn id="126" idx="1"/>
+          </p:cNvCxnSpPr>
+          <p:nvPr/>
+        </p:nvCxnSpPr>
+        <p:spPr>
+          <a:xfrm>
+            <a:off x="2713438" y="3347734"/>
+            <a:ext cx="178797" cy="0"/>
+          </a:xfrm>
+          <a:prstGeom prst="straightConnector1">
+            <a:avLst/>
+          </a:prstGeom>
+          <a:ln>
+            <a:solidFill>
+              <a:srgbClr val="C00000"/>
+            </a:solidFill>
+            <a:tailEnd type="triangle"/>
+          </a:ln>
+        </p:spPr>
+        <p:style>
+          <a:lnRef idx="1">
+            <a:schemeClr val="accent1"/>
+          </a:lnRef>
+          <a:fillRef idx="0">
+            <a:schemeClr val="accent1"/>
+          </a:fillRef>
+          <a:effectRef idx="0">
+            <a:schemeClr val="accent1"/>
+          </a:effectRef>
+          <a:fontRef idx="minor">
+            <a:schemeClr val="tx1"/>
+          </a:fontRef>
+        </p:style>
+      </p:cxnSp>
+      <p:cxnSp>
+        <p:nvCxnSpPr>
+          <p:cNvPr id="1164" name="Straight Arrow Connector 1163">
+            <a:extLst>
+              <a:ext uri="{FF2B5EF4-FFF2-40B4-BE49-F238E27FC236}">
+                <a16:creationId xmlns:a16="http://schemas.microsoft.com/office/drawing/2014/main" id="{CA6DABD2-72B2-230F-866F-3064E8868705}"/>
+              </a:ext>
+            </a:extLst>
+          </p:cNvPr>
+          <p:cNvCxnSpPr>
+            <a:cxnSpLocks/>
+            <a:stCxn id="61" idx="1"/>
+            <a:endCxn id="60" idx="3"/>
+          </p:cNvCxnSpPr>
+          <p:nvPr/>
+        </p:nvCxnSpPr>
+        <p:spPr>
+          <a:xfrm flipH="1">
+            <a:off x="3219882" y="695154"/>
+            <a:ext cx="230156" cy="1564"/>
+          </a:xfrm>
+          <a:prstGeom prst="straightConnector1">
+            <a:avLst/>
+          </a:prstGeom>
+          <a:ln>
+            <a:solidFill>
+              <a:srgbClr val="C00000"/>
+            </a:solidFill>
+            <a:tailEnd type="triangle"/>
+          </a:ln>
+        </p:spPr>
+        <p:style>
+          <a:lnRef idx="1">
+            <a:schemeClr val="accent1"/>
+          </a:lnRef>
+          <a:fillRef idx="0">
+            <a:schemeClr val="accent1"/>
+          </a:fillRef>
+          <a:effectRef idx="0">
+            <a:schemeClr val="accent1"/>
+          </a:effectRef>
+          <a:fontRef idx="minor">
+            <a:schemeClr val="tx1"/>
+          </a:fontRef>
+        </p:style>
+      </p:cxnSp>
+      <p:sp>
+        <p:nvSpPr>
+          <p:cNvPr id="1168" name="모서리가 둥근 직사각형 2">
+            <a:extLst>
+              <a:ext uri="{FF2B5EF4-FFF2-40B4-BE49-F238E27FC236}">
+                <a16:creationId xmlns:a16="http://schemas.microsoft.com/office/drawing/2014/main" id="{D98F3A51-EC03-C61B-17E7-C869E8D99ACF}"/>
+              </a:ext>
+            </a:extLst>
+          </p:cNvPr>
+          <p:cNvSpPr/>
+          <p:nvPr/>
+        </p:nvSpPr>
+        <p:spPr>
+          <a:xfrm>
+            <a:off x="240112" y="4220744"/>
+            <a:ext cx="1401376" cy="386745"/>
+          </a:xfrm>
+          <a:prstGeom prst="roundRect">
+            <a:avLst>
+              <a:gd name="adj" fmla="val 13068"/>
+            </a:avLst>
+          </a:prstGeom>
+          <a:ln w="12700"/>
+        </p:spPr>
+        <p:style>
+          <a:lnRef idx="2">
+            <a:schemeClr val="dk1"/>
+          </a:lnRef>
+          <a:fillRef idx="1">
+            <a:schemeClr val="lt1"/>
+          </a:fillRef>
+          <a:effectRef idx="0">
+            <a:schemeClr val="dk1"/>
+          </a:effectRef>
+          <a:fontRef idx="minor">
+            <a:schemeClr val="dk1"/>
+          </a:fontRef>
+        </p:style>
+        <p:txBody>
+          <a:bodyPr rtlCol="0" anchor="ctr"/>
+          <a:lstStyle/>
+          <a:p>
+            <a:pPr algn="ctr"/>
+            <a:r>
+              <a:rPr lang="en-US" altLang="ko-KR" sz="1000" b="1"/>
+              <a:t>aws CLI</a:t>
+            </a:r>
+          </a:p>
+          <a:p>
+            <a:pPr algn="ctr"/>
+            <a:r>
+              <a:rPr lang="en-US" altLang="ko-KR" sz="1000" b="1"/>
+              <a:t>(startJobRun)</a:t>
+            </a:r>
+            <a:endParaRPr lang="ko-KR" altLang="en-US" sz="1000" b="1"/>
+          </a:p>
+        </p:txBody>
+      </p:sp>
+      <p:sp>
+        <p:nvSpPr>
+          <p:cNvPr id="1173" name="모서리가 둥근 직사각형 2">
+            <a:extLst>
+              <a:ext uri="{FF2B5EF4-FFF2-40B4-BE49-F238E27FC236}">
+                <a16:creationId xmlns:a16="http://schemas.microsoft.com/office/drawing/2014/main" id="{289DD33F-7F1F-838E-4F05-BFB5327B68B4}"/>
+              </a:ext>
+            </a:extLst>
+          </p:cNvPr>
+          <p:cNvSpPr/>
+          <p:nvPr/>
+        </p:nvSpPr>
+        <p:spPr>
+          <a:xfrm>
+            <a:off x="604811" y="1873888"/>
+            <a:ext cx="904178" cy="386745"/>
+          </a:xfrm>
+          <a:prstGeom prst="roundRect">
+            <a:avLst>
+              <a:gd name="adj" fmla="val 13068"/>
+            </a:avLst>
+          </a:prstGeom>
+          <a:ln w="12700"/>
+        </p:spPr>
+        <p:style>
+          <a:lnRef idx="2">
+            <a:schemeClr val="dk1"/>
+          </a:lnRef>
+          <a:fillRef idx="1">
+            <a:schemeClr val="lt1"/>
+          </a:fillRef>
+          <a:effectRef idx="0">
+            <a:schemeClr val="dk1"/>
+          </a:effectRef>
+          <a:fontRef idx="minor">
+            <a:schemeClr val="dk1"/>
+          </a:fontRef>
+        </p:style>
+        <p:txBody>
+          <a:bodyPr rtlCol="0" anchor="ctr"/>
+          <a:lstStyle/>
+          <a:p>
+            <a:pPr algn="ctr"/>
+            <a:r>
+              <a:rPr lang="en-US" altLang="ko-KR" sz="1000"/>
+              <a:t>Prometheus</a:t>
+            </a:r>
+            <a:endParaRPr lang="ko-KR" altLang="en-US" sz="1000"/>
+          </a:p>
+        </p:txBody>
+      </p:sp>
+      <p:cxnSp>
+        <p:nvCxnSpPr>
+          <p:cNvPr id="1174" name="Elbow Connector 1173">
+            <a:extLst>
+              <a:ext uri="{FF2B5EF4-FFF2-40B4-BE49-F238E27FC236}">
+                <a16:creationId xmlns:a16="http://schemas.microsoft.com/office/drawing/2014/main" id="{77599F04-5827-12A1-3326-799EA359DC43}"/>
+              </a:ext>
+            </a:extLst>
+          </p:cNvPr>
+          <p:cNvCxnSpPr>
+            <a:cxnSpLocks/>
+            <a:stCxn id="1255" idx="2"/>
+          </p:cNvCxnSpPr>
+          <p:nvPr/>
+        </p:nvCxnSpPr>
+        <p:spPr>
+          <a:xfrm rot="10800000">
+            <a:off x="2137830" y="3447073"/>
+            <a:ext cx="54092" cy="348953"/>
+          </a:xfrm>
+          <a:prstGeom prst="bentConnector3">
+            <a:avLst>
+              <a:gd name="adj1" fmla="val 1547367"/>
+            </a:avLst>
+          </a:prstGeom>
+          <a:ln>
+            <a:solidFill>
+              <a:schemeClr val="tx2"/>
+            </a:solidFill>
+            <a:tailEnd type="triangle"/>
+          </a:ln>
+        </p:spPr>
+        <p:style>
+          <a:lnRef idx="1">
+            <a:schemeClr val="dk1"/>
+          </a:lnRef>
+          <a:fillRef idx="0">
+            <a:schemeClr val="dk1"/>
+          </a:fillRef>
+          <a:effectRef idx="0">
+            <a:schemeClr val="dk1"/>
+          </a:effectRef>
+          <a:fontRef idx="minor">
+            <a:schemeClr val="tx1"/>
+          </a:fontRef>
+        </p:style>
+      </p:cxnSp>
+      <p:cxnSp>
+        <p:nvCxnSpPr>
+          <p:cNvPr id="1181" name="Elbow Connector 1180">
+            <a:extLst>
+              <a:ext uri="{FF2B5EF4-FFF2-40B4-BE49-F238E27FC236}">
+                <a16:creationId xmlns:a16="http://schemas.microsoft.com/office/drawing/2014/main" id="{ADBEFBBF-D2B6-D877-90D5-9096364EA5BB}"/>
+              </a:ext>
+            </a:extLst>
+          </p:cNvPr>
+          <p:cNvCxnSpPr>
+            <a:cxnSpLocks/>
+            <a:stCxn id="1285" idx="0"/>
+          </p:cNvCxnSpPr>
+          <p:nvPr/>
+        </p:nvCxnSpPr>
+        <p:spPr>
+          <a:xfrm rot="5400000" flipH="1" flipV="1">
+            <a:off x="3834895" y="1796041"/>
+            <a:ext cx="54103" cy="2544217"/>
+          </a:xfrm>
+          <a:prstGeom prst="bentConnector2">
+            <a:avLst/>
+          </a:prstGeom>
+          <a:ln>
+            <a:solidFill>
+              <a:schemeClr val="tx2"/>
+            </a:solidFill>
+            <a:tailEnd type="triangle"/>
+          </a:ln>
+        </p:spPr>
+        <p:style>
+          <a:lnRef idx="1">
+            <a:schemeClr val="dk1"/>
+          </a:lnRef>
+          <a:fillRef idx="0">
+            <a:schemeClr val="dk1"/>
+          </a:fillRef>
+          <a:effectRef idx="0">
+            <a:schemeClr val="dk1"/>
+          </a:effectRef>
+          <a:fontRef idx="minor">
+            <a:schemeClr val="tx1"/>
+          </a:fontRef>
+        </p:style>
+      </p:cxnSp>
+      <p:cxnSp>
+        <p:nvCxnSpPr>
+          <p:cNvPr id="1184" name="Elbow Connector 1183">
+            <a:extLst>
+              <a:ext uri="{FF2B5EF4-FFF2-40B4-BE49-F238E27FC236}">
+                <a16:creationId xmlns:a16="http://schemas.microsoft.com/office/drawing/2014/main" id="{2239309B-E50C-A998-338A-D45FC47C3367}"/>
+              </a:ext>
+            </a:extLst>
+          </p:cNvPr>
+          <p:cNvCxnSpPr>
+            <a:cxnSpLocks/>
+            <a:stCxn id="1289" idx="2"/>
+            <a:endCxn id="125" idx="2"/>
+          </p:cNvCxnSpPr>
+          <p:nvPr/>
+        </p:nvCxnSpPr>
+        <p:spPr>
+          <a:xfrm rot="10800000">
+            <a:off x="2467116" y="3475335"/>
+            <a:ext cx="2550683" cy="250837"/>
+          </a:xfrm>
+          <a:prstGeom prst="bentConnector2">
+            <a:avLst/>
+          </a:prstGeom>
+          <a:ln>
+            <a:solidFill>
+              <a:schemeClr val="tx2"/>
+            </a:solidFill>
+            <a:tailEnd type="triangle"/>
+          </a:ln>
+        </p:spPr>
+        <p:style>
+          <a:lnRef idx="1">
+            <a:schemeClr val="dk1"/>
+          </a:lnRef>
+          <a:fillRef idx="0">
+            <a:schemeClr val="dk1"/>
+          </a:fillRef>
+          <a:effectRef idx="0">
+            <a:schemeClr val="dk1"/>
+          </a:effectRef>
+          <a:fontRef idx="minor">
+            <a:schemeClr val="tx1"/>
+          </a:fontRef>
+        </p:style>
+      </p:cxnSp>
+      <p:sp>
+        <p:nvSpPr>
+          <p:cNvPr id="1213" name="모서리가 둥근 직사각형 2">
+            <a:extLst>
+              <a:ext uri="{FF2B5EF4-FFF2-40B4-BE49-F238E27FC236}">
+                <a16:creationId xmlns:a16="http://schemas.microsoft.com/office/drawing/2014/main" id="{2DA97100-1DDE-10B6-F93C-364CFF8DA848}"/>
+              </a:ext>
+            </a:extLst>
+          </p:cNvPr>
+          <p:cNvSpPr/>
+          <p:nvPr/>
+        </p:nvSpPr>
+        <p:spPr>
+          <a:xfrm>
+            <a:off x="2172974" y="2634913"/>
+            <a:ext cx="964693" cy="331686"/>
+          </a:xfrm>
+          <a:prstGeom prst="roundRect">
+            <a:avLst>
+              <a:gd name="adj" fmla="val 13068"/>
+            </a:avLst>
+          </a:prstGeom>
+          <a:noFill/>
+          <a:ln w="12700"/>
+        </p:spPr>
+        <p:style>
+          <a:lnRef idx="2">
+            <a:schemeClr val="dk1"/>
+          </a:lnRef>
+          <a:fillRef idx="1">
+            <a:schemeClr val="lt1"/>
+          </a:fillRef>
+          <a:effectRef idx="0">
+            <a:schemeClr val="dk1"/>
+          </a:effectRef>
+          <a:fontRef idx="minor">
+            <a:schemeClr val="dk1"/>
+          </a:fontRef>
+        </p:style>
+        <p:txBody>
+          <a:bodyPr rtlCol="0" anchor="ctr"/>
+          <a:lstStyle/>
+          <a:p>
+            <a:pPr algn="ctr"/>
+            <a:r>
+              <a:rPr lang="en-US" altLang="ko-KR" sz="800"/>
+              <a:t>Spark Web UI </a:t>
+            </a:r>
+          </a:p>
+          <a:p>
+            <a:pPr algn="ctr"/>
+            <a:r>
+              <a:rPr lang="en-US" altLang="ko-KR" sz="800"/>
+              <a:t>/ Service</a:t>
+            </a:r>
+            <a:endParaRPr lang="ko-KR" altLang="en-US" sz="800"/>
+          </a:p>
+        </p:txBody>
+      </p:sp>
+      <p:sp>
+        <p:nvSpPr>
+          <p:cNvPr id="1216" name="모서리가 둥근 직사각형 2">
+            <a:extLst>
+              <a:ext uri="{FF2B5EF4-FFF2-40B4-BE49-F238E27FC236}">
+                <a16:creationId xmlns:a16="http://schemas.microsoft.com/office/drawing/2014/main" id="{34ACB02C-4C76-A01C-2A94-1C4CF3C0F868}"/>
+              </a:ext>
+            </a:extLst>
+          </p:cNvPr>
+          <p:cNvSpPr/>
+          <p:nvPr/>
+        </p:nvSpPr>
+        <p:spPr>
+          <a:xfrm>
+            <a:off x="4623540" y="1294542"/>
+            <a:ext cx="1119479" cy="342881"/>
+          </a:xfrm>
+          <a:prstGeom prst="roundRect">
+            <a:avLst>
+              <a:gd name="adj" fmla="val 13068"/>
+            </a:avLst>
+          </a:prstGeom>
+          <a:ln w="12700"/>
+        </p:spPr>
+        <p:style>
+          <a:lnRef idx="2">
+            <a:schemeClr val="dk1"/>
+          </a:lnRef>
+          <a:fillRef idx="1">
+            <a:schemeClr val="lt1"/>
+          </a:fillRef>
+          <a:effectRef idx="0">
+            <a:schemeClr val="dk1"/>
+          </a:effectRef>
+          <a:fontRef idx="minor">
+            <a:schemeClr val="dk1"/>
+          </a:fontRef>
+        </p:style>
+        <p:txBody>
+          <a:bodyPr rtlCol="0" anchor="ctr"/>
+          <a:lstStyle/>
+          <a:p>
+            <a:pPr algn="ctr"/>
+            <a:r>
+              <a:rPr lang="en-US" altLang="ko-KR" sz="800"/>
+              <a:t>S3 Presigned URL</a:t>
+            </a:r>
+          </a:p>
+          <a:p>
+            <a:pPr algn="ctr"/>
+            <a:r>
+              <a:rPr lang="en-US" altLang="ko-KR" sz="800"/>
+              <a:t>/ Secret</a:t>
+            </a:r>
+            <a:endParaRPr lang="ko-KR" altLang="en-US" sz="800"/>
+          </a:p>
+        </p:txBody>
+      </p:sp>
+      <p:cxnSp>
+        <p:nvCxnSpPr>
+          <p:cNvPr id="1228" name="Straight Arrow Connector 1227">
+            <a:extLst>
+              <a:ext uri="{FF2B5EF4-FFF2-40B4-BE49-F238E27FC236}">
+                <a16:creationId xmlns:a16="http://schemas.microsoft.com/office/drawing/2014/main" id="{871DA305-D758-420A-CAC4-2321BFFD3AB5}"/>
+              </a:ext>
+            </a:extLst>
+          </p:cNvPr>
+          <p:cNvCxnSpPr>
+            <a:cxnSpLocks/>
+            <a:endCxn id="1071" idx="2"/>
+          </p:cNvCxnSpPr>
+          <p:nvPr/>
+        </p:nvCxnSpPr>
+        <p:spPr>
+          <a:xfrm flipV="1">
+            <a:off x="7050340" y="2754838"/>
+            <a:ext cx="0" cy="134737"/>
+          </a:xfrm>
+          <a:prstGeom prst="straightConnector1">
+            <a:avLst/>
+          </a:prstGeom>
+          <a:ln>
+            <a:solidFill>
+              <a:schemeClr val="tx1"/>
+            </a:solidFill>
+            <a:tailEnd type="triangle"/>
+          </a:ln>
+        </p:spPr>
+        <p:style>
+          <a:lnRef idx="1">
+            <a:schemeClr val="accent1"/>
+          </a:lnRef>
+          <a:fillRef idx="0">
+            <a:schemeClr val="accent1"/>
+          </a:fillRef>
+          <a:effectRef idx="0">
+            <a:schemeClr val="accent1"/>
+          </a:effectRef>
+          <a:fontRef idx="minor">
+            <a:schemeClr val="tx1"/>
+          </a:fontRef>
+        </p:style>
+      </p:cxnSp>
+      <p:cxnSp>
+        <p:nvCxnSpPr>
+          <p:cNvPr id="1233" name="Elbow Connector 1232">
+            <a:extLst>
+              <a:ext uri="{FF2B5EF4-FFF2-40B4-BE49-F238E27FC236}">
+                <a16:creationId xmlns:a16="http://schemas.microsoft.com/office/drawing/2014/main" id="{3B11851D-E411-C5C4-E5EA-2C57A9956B3A}"/>
+              </a:ext>
+            </a:extLst>
+          </p:cNvPr>
+          <p:cNvCxnSpPr>
+            <a:cxnSpLocks/>
+            <a:stCxn id="1245" idx="2"/>
+            <a:endCxn id="1213" idx="1"/>
+          </p:cNvCxnSpPr>
+          <p:nvPr/>
+        </p:nvCxnSpPr>
+        <p:spPr>
+          <a:xfrm rot="10800000">
+            <a:off x="2172974" y="2800757"/>
+            <a:ext cx="18948" cy="1218393"/>
+          </a:xfrm>
+          <a:prstGeom prst="bentConnector3">
+            <a:avLst>
+              <a:gd name="adj1" fmla="val 4818598"/>
+            </a:avLst>
+          </a:prstGeom>
+          <a:ln>
+            <a:solidFill>
+              <a:schemeClr val="tx2"/>
+            </a:solidFill>
+            <a:tailEnd type="triangle"/>
+          </a:ln>
+        </p:spPr>
+        <p:style>
+          <a:lnRef idx="1">
+            <a:schemeClr val="dk1"/>
+          </a:lnRef>
+          <a:fillRef idx="0">
+            <a:schemeClr val="dk1"/>
+          </a:fillRef>
+          <a:effectRef idx="0">
+            <a:schemeClr val="dk1"/>
+          </a:effectRef>
+          <a:fontRef idx="minor">
+            <a:schemeClr val="tx1"/>
+          </a:fontRef>
+        </p:style>
+      </p:cxnSp>
+      <p:sp>
+        <p:nvSpPr>
+          <p:cNvPr id="1239" name="Oval 1238">
+            <a:extLst>
+              <a:ext uri="{FF2B5EF4-FFF2-40B4-BE49-F238E27FC236}">
+                <a16:creationId xmlns:a16="http://schemas.microsoft.com/office/drawing/2014/main" id="{80D90E07-8F3F-28AE-337B-F255EEF4B0EC}"/>
+              </a:ext>
+            </a:extLst>
+          </p:cNvPr>
+          <p:cNvSpPr/>
+          <p:nvPr/>
+        </p:nvSpPr>
+        <p:spPr>
+          <a:xfrm>
+            <a:off x="1530853" y="4308292"/>
+            <a:ext cx="216024" cy="216024"/>
+          </a:xfrm>
+          <a:prstGeom prst="ellipse">
+            <a:avLst/>
+          </a:prstGeom>
+          <a:solidFill>
+            <a:schemeClr val="bg1"/>
+          </a:solidFill>
+          <a:ln w="19050">
+            <a:solidFill>
+              <a:schemeClr val="tx2"/>
+            </a:solidFill>
+          </a:ln>
+        </p:spPr>
+        <p:style>
+          <a:lnRef idx="2">
+            <a:schemeClr val="accent1">
+              <a:shade val="15000"/>
+            </a:schemeClr>
+          </a:lnRef>
+          <a:fillRef idx="1">
+            <a:schemeClr val="accent1"/>
+          </a:fillRef>
+          <a:effectRef idx="0">
+            <a:schemeClr val="accent1"/>
+          </a:effectRef>
+          <a:fontRef idx="minor">
+            <a:schemeClr val="lt1"/>
+          </a:fontRef>
+        </p:style>
+        <p:txBody>
+          <a:bodyPr rtlCol="0" anchor="ctr"/>
+          <a:lstStyle/>
+          <a:p>
+            <a:pPr algn="ctr"/>
+            <a:r>
+              <a:rPr lang="en-KR" sz="1000">
+                <a:solidFill>
+                  <a:schemeClr val="tx2"/>
+                </a:solidFill>
+              </a:rPr>
+              <a:t>3</a:t>
+            </a:r>
+          </a:p>
+        </p:txBody>
+      </p:sp>
+      <p:sp>
+        <p:nvSpPr>
+          <p:cNvPr id="1243" name="TextBox 1242">
+            <a:extLst>
+              <a:ext uri="{FF2B5EF4-FFF2-40B4-BE49-F238E27FC236}">
+                <a16:creationId xmlns:a16="http://schemas.microsoft.com/office/drawing/2014/main" id="{7B088F99-AB77-E1FA-A113-00FC7B290671}"/>
+              </a:ext>
+            </a:extLst>
+          </p:cNvPr>
+          <p:cNvSpPr txBox="1"/>
+          <p:nvPr/>
+        </p:nvSpPr>
+        <p:spPr>
+          <a:xfrm>
+            <a:off x="1301492" y="4568850"/>
+            <a:ext cx="679994" cy="338554"/>
+          </a:xfrm>
+          <a:prstGeom prst="rect">
+            <a:avLst/>
+          </a:prstGeom>
+          <a:noFill/>
+        </p:spPr>
+        <p:txBody>
+          <a:bodyPr wrap="none" rtlCol="0">
+            <a:spAutoFit/>
+          </a:bodyPr>
+          <a:lstStyle/>
+          <a:p>
+            <a:pPr algn="ctr"/>
+            <a:r>
+              <a:rPr lang="en-KR" sz="800">
+                <a:solidFill>
+                  <a:schemeClr val="tx2"/>
+                </a:solidFill>
+              </a:rPr>
+              <a:t>Create </a:t>
+            </a:r>
+          </a:p>
+          <a:p>
+            <a:pPr algn="ctr"/>
+            <a:r>
+              <a:rPr lang="en-KR" sz="800">
+                <a:solidFill>
+                  <a:schemeClr val="tx2"/>
+                </a:solidFill>
+              </a:rPr>
+              <a:t>job-runner</a:t>
+            </a:r>
+          </a:p>
+        </p:txBody>
+      </p:sp>
+      <p:sp>
+        <p:nvSpPr>
+          <p:cNvPr id="1245" name="Oval 1244">
+            <a:extLst>
+              <a:ext uri="{FF2B5EF4-FFF2-40B4-BE49-F238E27FC236}">
+                <a16:creationId xmlns:a16="http://schemas.microsoft.com/office/drawing/2014/main" id="{6ACA7884-68B0-5893-7C8A-0BA31B714B25}"/>
+              </a:ext>
+            </a:extLst>
+          </p:cNvPr>
+          <p:cNvSpPr/>
+          <p:nvPr/>
+        </p:nvSpPr>
+        <p:spPr>
+          <a:xfrm>
+            <a:off x="2191922" y="3911137"/>
+            <a:ext cx="216024" cy="216024"/>
+          </a:xfrm>
+          <a:prstGeom prst="ellipse">
+            <a:avLst/>
+          </a:prstGeom>
+          <a:solidFill>
+            <a:schemeClr val="bg1"/>
+          </a:solidFill>
+          <a:ln w="19050">
+            <a:solidFill>
+              <a:schemeClr val="tx2"/>
+            </a:solidFill>
+          </a:ln>
+        </p:spPr>
+        <p:style>
+          <a:lnRef idx="2">
+            <a:schemeClr val="accent1">
+              <a:shade val="15000"/>
+            </a:schemeClr>
+          </a:lnRef>
+          <a:fillRef idx="1">
+            <a:schemeClr val="accent1"/>
+          </a:fillRef>
+          <a:effectRef idx="0">
+            <a:schemeClr val="accent1"/>
+          </a:effectRef>
+          <a:fontRef idx="minor">
+            <a:schemeClr val="lt1"/>
+          </a:fontRef>
+        </p:style>
+        <p:txBody>
+          <a:bodyPr rtlCol="0" anchor="ctr"/>
+          <a:lstStyle/>
+          <a:p>
+            <a:pPr algn="ctr"/>
+            <a:r>
+              <a:rPr lang="en-KR" sz="1000">
+                <a:solidFill>
+                  <a:schemeClr val="tx2"/>
+                </a:solidFill>
+              </a:rPr>
+              <a:t>4</a:t>
+            </a:r>
+          </a:p>
+        </p:txBody>
+      </p:sp>
+      <p:sp>
+        <p:nvSpPr>
+          <p:cNvPr id="1255" name="Oval 1254">
+            <a:extLst>
+              <a:ext uri="{FF2B5EF4-FFF2-40B4-BE49-F238E27FC236}">
+                <a16:creationId xmlns:a16="http://schemas.microsoft.com/office/drawing/2014/main" id="{FA6A9093-A88A-C410-5447-D2DA1462DE92}"/>
+              </a:ext>
+            </a:extLst>
+          </p:cNvPr>
+          <p:cNvSpPr/>
+          <p:nvPr/>
+        </p:nvSpPr>
+        <p:spPr>
+          <a:xfrm>
+            <a:off x="2191922" y="3688013"/>
+            <a:ext cx="216024" cy="216024"/>
+          </a:xfrm>
+          <a:prstGeom prst="ellipse">
+            <a:avLst/>
+          </a:prstGeom>
+          <a:solidFill>
+            <a:schemeClr val="bg1"/>
+          </a:solidFill>
+          <a:ln w="19050">
+            <a:solidFill>
+              <a:schemeClr val="tx2"/>
+            </a:solidFill>
+          </a:ln>
+        </p:spPr>
+        <p:style>
+          <a:lnRef idx="2">
+            <a:schemeClr val="accent1">
+              <a:shade val="15000"/>
+            </a:schemeClr>
+          </a:lnRef>
+          <a:fillRef idx="1">
+            <a:schemeClr val="accent1"/>
+          </a:fillRef>
+          <a:effectRef idx="0">
+            <a:schemeClr val="accent1"/>
+          </a:effectRef>
+          <a:fontRef idx="minor">
+            <a:schemeClr val="lt1"/>
+          </a:fontRef>
+        </p:style>
+        <p:txBody>
+          <a:bodyPr rtlCol="0" anchor="ctr"/>
+          <a:lstStyle/>
+          <a:p>
+            <a:pPr algn="ctr"/>
+            <a:r>
+              <a:rPr lang="en-KR" sz="1000">
+                <a:solidFill>
+                  <a:schemeClr val="tx2"/>
+                </a:solidFill>
+              </a:rPr>
+              <a:t>5</a:t>
+            </a:r>
+          </a:p>
+        </p:txBody>
+      </p:sp>
+      <p:sp>
+        <p:nvSpPr>
+          <p:cNvPr id="1263" name="TextBox 1262">
+            <a:extLst>
+              <a:ext uri="{FF2B5EF4-FFF2-40B4-BE49-F238E27FC236}">
+                <a16:creationId xmlns:a16="http://schemas.microsoft.com/office/drawing/2014/main" id="{5F24A700-9A76-02C0-0365-019C69A21337}"/>
+              </a:ext>
+            </a:extLst>
+          </p:cNvPr>
+          <p:cNvSpPr txBox="1"/>
+          <p:nvPr/>
+        </p:nvSpPr>
+        <p:spPr>
+          <a:xfrm>
+            <a:off x="1278137" y="2806262"/>
+            <a:ext cx="753466" cy="461665"/>
+          </a:xfrm>
+          <a:prstGeom prst="rect">
+            <a:avLst/>
+          </a:prstGeom>
+          <a:noFill/>
+        </p:spPr>
+        <p:txBody>
+          <a:bodyPr wrap="square" rtlCol="0">
+            <a:spAutoFit/>
+          </a:bodyPr>
+          <a:lstStyle/>
+          <a:p>
+            <a:pPr algn="ctr"/>
+            <a:r>
+              <a:rPr lang="en-KR" sz="800">
+                <a:solidFill>
+                  <a:schemeClr val="tx2"/>
+                </a:solidFill>
+              </a:rPr>
+              <a:t>Create</a:t>
+            </a:r>
+          </a:p>
+          <a:p>
+            <a:pPr algn="ctr"/>
+            <a:r>
+              <a:rPr lang="en-KR" sz="800">
+                <a:solidFill>
+                  <a:schemeClr val="tx2"/>
+                </a:solidFill>
+              </a:rPr>
+              <a:t>spark web UI Service</a:t>
+            </a:r>
+          </a:p>
+        </p:txBody>
+      </p:sp>
+      <p:sp>
+        <p:nvSpPr>
+          <p:cNvPr id="1266" name="TextBox 1265">
+            <a:extLst>
+              <a:ext uri="{FF2B5EF4-FFF2-40B4-BE49-F238E27FC236}">
+                <a16:creationId xmlns:a16="http://schemas.microsoft.com/office/drawing/2014/main" id="{DA2B41A8-3B13-3D73-21A4-AF7AF6548C2F}"/>
+              </a:ext>
+            </a:extLst>
+          </p:cNvPr>
+          <p:cNvSpPr txBox="1"/>
+          <p:nvPr/>
+        </p:nvSpPr>
+        <p:spPr>
+          <a:xfrm>
+            <a:off x="1338031" y="3448882"/>
+            <a:ext cx="701219" cy="338554"/>
+          </a:xfrm>
+          <a:prstGeom prst="rect">
+            <a:avLst/>
+          </a:prstGeom>
+          <a:noFill/>
+        </p:spPr>
+        <p:txBody>
+          <a:bodyPr wrap="square" rtlCol="0">
+            <a:spAutoFit/>
+          </a:bodyPr>
+          <a:lstStyle/>
+          <a:p>
+            <a:pPr algn="ctr"/>
+            <a:r>
+              <a:rPr lang="en-KR" sz="800">
+                <a:solidFill>
+                  <a:schemeClr val="tx2"/>
+                </a:solidFill>
+              </a:rPr>
+              <a:t>Create</a:t>
+            </a:r>
+          </a:p>
+          <a:p>
+            <a:pPr algn="ctr"/>
+            <a:r>
+              <a:rPr lang="en-KR" sz="800">
+                <a:solidFill>
+                  <a:schemeClr val="tx2"/>
+                </a:solidFill>
+              </a:rPr>
+              <a:t>driver pod </a:t>
+            </a:r>
+          </a:p>
+        </p:txBody>
+      </p:sp>
+      <p:cxnSp>
+        <p:nvCxnSpPr>
+          <p:cNvPr id="1278" name="Elbow Connector 1277">
+            <a:extLst>
+              <a:ext uri="{FF2B5EF4-FFF2-40B4-BE49-F238E27FC236}">
+                <a16:creationId xmlns:a16="http://schemas.microsoft.com/office/drawing/2014/main" id="{21155C01-4452-0281-5BF7-C2D09036F7A5}"/>
+              </a:ext>
+            </a:extLst>
+          </p:cNvPr>
+          <p:cNvCxnSpPr>
+            <a:cxnSpLocks/>
+            <a:stCxn id="1239" idx="6"/>
+            <a:endCxn id="112" idx="1"/>
+          </p:cNvCxnSpPr>
+          <p:nvPr/>
+        </p:nvCxnSpPr>
+        <p:spPr>
+          <a:xfrm flipV="1">
+            <a:off x="1746877" y="4148456"/>
+            <a:ext cx="429844" cy="267848"/>
+          </a:xfrm>
+          <a:prstGeom prst="bentConnector3">
+            <a:avLst>
+              <a:gd name="adj1" fmla="val 40569"/>
+            </a:avLst>
+          </a:prstGeom>
+          <a:ln>
+            <a:solidFill>
+              <a:schemeClr val="tx2"/>
+            </a:solidFill>
+            <a:tailEnd type="triangle"/>
+          </a:ln>
+        </p:spPr>
+        <p:style>
+          <a:lnRef idx="1">
+            <a:schemeClr val="dk1"/>
+          </a:lnRef>
+          <a:fillRef idx="0">
+            <a:schemeClr val="dk1"/>
+          </a:fillRef>
+          <a:effectRef idx="0">
+            <a:schemeClr val="dk1"/>
+          </a:effectRef>
+          <a:fontRef idx="minor">
+            <a:schemeClr val="tx1"/>
+          </a:fontRef>
+        </p:style>
+      </p:cxnSp>
+      <p:cxnSp>
+        <p:nvCxnSpPr>
+          <p:cNvPr id="1282" name="Straight Arrow Connector 1281">
+            <a:extLst>
+              <a:ext uri="{FF2B5EF4-FFF2-40B4-BE49-F238E27FC236}">
+                <a16:creationId xmlns:a16="http://schemas.microsoft.com/office/drawing/2014/main" id="{F1C23D1F-B209-DA4B-189A-D0EDFD553FE6}"/>
+              </a:ext>
+            </a:extLst>
+          </p:cNvPr>
+          <p:cNvCxnSpPr>
+            <a:cxnSpLocks/>
+            <a:stCxn id="1513" idx="0"/>
+          </p:cNvCxnSpPr>
+          <p:nvPr/>
+        </p:nvCxnSpPr>
+        <p:spPr>
+          <a:xfrm flipV="1">
+            <a:off x="2328803" y="2966599"/>
+            <a:ext cx="0" cy="122733"/>
+          </a:xfrm>
+          <a:prstGeom prst="straightConnector1">
+            <a:avLst/>
+          </a:prstGeom>
+          <a:ln>
+            <a:solidFill>
+              <a:srgbClr val="00B050"/>
+            </a:solidFill>
+            <a:tailEnd type="triangle"/>
+          </a:ln>
+        </p:spPr>
+        <p:style>
+          <a:lnRef idx="1">
+            <a:schemeClr val="accent1"/>
+          </a:lnRef>
+          <a:fillRef idx="0">
+            <a:schemeClr val="accent1"/>
+          </a:fillRef>
+          <a:effectRef idx="0">
+            <a:schemeClr val="accent1"/>
+          </a:effectRef>
+          <a:fontRef idx="minor">
+            <a:schemeClr val="tx1"/>
+          </a:fontRef>
+        </p:style>
+      </p:cxnSp>
+      <p:sp>
+        <p:nvSpPr>
+          <p:cNvPr id="1285" name="Oval 1284">
+            <a:extLst>
+              <a:ext uri="{FF2B5EF4-FFF2-40B4-BE49-F238E27FC236}">
+                <a16:creationId xmlns:a16="http://schemas.microsoft.com/office/drawing/2014/main" id="{10CCB01A-7EA8-0C83-F064-F3BFEC55E93F}"/>
+              </a:ext>
+            </a:extLst>
+          </p:cNvPr>
+          <p:cNvSpPr/>
+          <p:nvPr/>
+        </p:nvSpPr>
+        <p:spPr>
+          <a:xfrm>
+            <a:off x="2481826" y="3095200"/>
+            <a:ext cx="216024" cy="216024"/>
+          </a:xfrm>
+          <a:prstGeom prst="ellipse">
+            <a:avLst/>
+          </a:prstGeom>
+          <a:solidFill>
+            <a:schemeClr val="bg1"/>
+          </a:solidFill>
+          <a:ln w="19050">
+            <a:solidFill>
+              <a:schemeClr val="tx2"/>
+            </a:solidFill>
+          </a:ln>
+        </p:spPr>
+        <p:style>
+          <a:lnRef idx="2">
+            <a:schemeClr val="accent1">
+              <a:shade val="15000"/>
+            </a:schemeClr>
+          </a:lnRef>
+          <a:fillRef idx="1">
+            <a:schemeClr val="accent1"/>
+          </a:fillRef>
+          <a:effectRef idx="0">
+            <a:schemeClr val="accent1"/>
+          </a:effectRef>
+          <a:fontRef idx="minor">
+            <a:schemeClr val="lt1"/>
+          </a:fontRef>
+        </p:style>
+        <p:txBody>
+          <a:bodyPr rtlCol="0" anchor="ctr"/>
+          <a:lstStyle/>
+          <a:p>
+            <a:pPr algn="ctr"/>
+            <a:r>
+              <a:rPr lang="en-KR" sz="1000">
+                <a:solidFill>
+                  <a:schemeClr val="tx2"/>
+                </a:solidFill>
+              </a:rPr>
+              <a:t>6</a:t>
+            </a:r>
+          </a:p>
+        </p:txBody>
+      </p:sp>
+      <p:sp>
+        <p:nvSpPr>
+          <p:cNvPr id="1287" name="TextBox 1286">
+            <a:extLst>
+              <a:ext uri="{FF2B5EF4-FFF2-40B4-BE49-F238E27FC236}">
+                <a16:creationId xmlns:a16="http://schemas.microsoft.com/office/drawing/2014/main" id="{5A5087BD-6D8F-230D-C5C0-305A97072E83}"/>
+              </a:ext>
+            </a:extLst>
+          </p:cNvPr>
+          <p:cNvSpPr txBox="1"/>
+          <p:nvPr/>
+        </p:nvSpPr>
+        <p:spPr>
+          <a:xfrm>
+            <a:off x="3820544" y="2852268"/>
+            <a:ext cx="1060373" cy="215444"/>
+          </a:xfrm>
+          <a:prstGeom prst="rect">
+            <a:avLst/>
+          </a:prstGeom>
+          <a:noFill/>
+        </p:spPr>
+        <p:txBody>
+          <a:bodyPr wrap="square" rtlCol="0">
+            <a:spAutoFit/>
+          </a:bodyPr>
+          <a:lstStyle/>
+          <a:p>
+            <a:pPr algn="ctr"/>
+            <a:r>
+              <a:rPr lang="en-KR" sz="800">
+                <a:solidFill>
+                  <a:schemeClr val="tx2"/>
+                </a:solidFill>
+              </a:rPr>
+              <a:t>Create executors</a:t>
+            </a:r>
+          </a:p>
+        </p:txBody>
+      </p:sp>
+      <p:sp>
+        <p:nvSpPr>
+          <p:cNvPr id="1288" name="TextBox 1287">
+            <a:extLst>
+              <a:ext uri="{FF2B5EF4-FFF2-40B4-BE49-F238E27FC236}">
+                <a16:creationId xmlns:a16="http://schemas.microsoft.com/office/drawing/2014/main" id="{6CE6A20B-C01C-9544-C570-A849414FC3FB}"/>
+              </a:ext>
+            </a:extLst>
+          </p:cNvPr>
+          <p:cNvSpPr txBox="1"/>
+          <p:nvPr/>
+        </p:nvSpPr>
+        <p:spPr>
+          <a:xfrm>
+            <a:off x="3820544" y="3525289"/>
+            <a:ext cx="1060373" cy="215444"/>
+          </a:xfrm>
+          <a:prstGeom prst="rect">
+            <a:avLst/>
+          </a:prstGeom>
+          <a:noFill/>
+        </p:spPr>
+        <p:txBody>
+          <a:bodyPr wrap="square" rtlCol="0">
+            <a:spAutoFit/>
+          </a:bodyPr>
+          <a:lstStyle/>
+          <a:p>
+            <a:pPr algn="ctr"/>
+            <a:r>
+              <a:rPr lang="en-KR" sz="800">
+                <a:solidFill>
+                  <a:schemeClr val="tx2"/>
+                </a:solidFill>
+              </a:rPr>
+              <a:t>Connect to driver</a:t>
+            </a:r>
+          </a:p>
+        </p:txBody>
+      </p:sp>
+      <p:sp>
+        <p:nvSpPr>
+          <p:cNvPr id="1289" name="Oval 1288">
+            <a:extLst>
+              <a:ext uri="{FF2B5EF4-FFF2-40B4-BE49-F238E27FC236}">
+                <a16:creationId xmlns:a16="http://schemas.microsoft.com/office/drawing/2014/main" id="{B40A2550-7DB3-FECB-3761-25460FF1545A}"/>
+              </a:ext>
+            </a:extLst>
+          </p:cNvPr>
+          <p:cNvSpPr/>
+          <p:nvPr/>
+        </p:nvSpPr>
+        <p:spPr>
+          <a:xfrm>
+            <a:off x="5017798" y="3618159"/>
+            <a:ext cx="216024" cy="216024"/>
+          </a:xfrm>
+          <a:prstGeom prst="ellipse">
+            <a:avLst/>
+          </a:prstGeom>
+          <a:solidFill>
+            <a:schemeClr val="bg1"/>
+          </a:solidFill>
+          <a:ln w="19050">
+            <a:solidFill>
+              <a:schemeClr val="tx2"/>
+            </a:solidFill>
+          </a:ln>
+        </p:spPr>
+        <p:style>
+          <a:lnRef idx="2">
+            <a:schemeClr val="accent1">
+              <a:shade val="15000"/>
+            </a:schemeClr>
+          </a:lnRef>
+          <a:fillRef idx="1">
+            <a:schemeClr val="accent1"/>
+          </a:fillRef>
+          <a:effectRef idx="0">
+            <a:schemeClr val="accent1"/>
+          </a:effectRef>
+          <a:fontRef idx="minor">
+            <a:schemeClr val="lt1"/>
+          </a:fontRef>
+        </p:style>
+        <p:txBody>
+          <a:bodyPr rtlCol="0" anchor="ctr"/>
+          <a:lstStyle/>
+          <a:p>
+            <a:pPr algn="ctr"/>
+            <a:r>
+              <a:rPr lang="en-KR" sz="1000">
+                <a:solidFill>
+                  <a:schemeClr val="tx2"/>
+                </a:solidFill>
+              </a:rPr>
+              <a:t>7</a:t>
+            </a:r>
+          </a:p>
+        </p:txBody>
+      </p:sp>
+      <p:sp>
+        <p:nvSpPr>
+          <p:cNvPr id="1314" name="TextBox 1313">
+            <a:extLst>
+              <a:ext uri="{FF2B5EF4-FFF2-40B4-BE49-F238E27FC236}">
+                <a16:creationId xmlns:a16="http://schemas.microsoft.com/office/drawing/2014/main" id="{B9BFF1F3-A516-B102-A2A7-B5ACEEADE988}"/>
+              </a:ext>
+            </a:extLst>
+          </p:cNvPr>
+          <p:cNvSpPr txBox="1"/>
+          <p:nvPr/>
+        </p:nvSpPr>
+        <p:spPr>
+          <a:xfrm>
+            <a:off x="4922693" y="674812"/>
+            <a:ext cx="854292" cy="338554"/>
+          </a:xfrm>
+          <a:prstGeom prst="rect">
+            <a:avLst/>
+          </a:prstGeom>
+          <a:noFill/>
+        </p:spPr>
+        <p:txBody>
+          <a:bodyPr wrap="square" rtlCol="0">
+            <a:spAutoFit/>
+          </a:bodyPr>
+          <a:lstStyle/>
+          <a:p>
+            <a:pPr algn="ctr"/>
+            <a:r>
+              <a:rPr lang="en-KR" sz="800"/>
+              <a:t>From fluentd </a:t>
+            </a:r>
+          </a:p>
+          <a:p>
+            <a:pPr algn="ctr"/>
+            <a:r>
+              <a:rPr lang="en-KR" sz="800"/>
+              <a:t>Loggers</a:t>
+            </a:r>
+          </a:p>
+        </p:txBody>
+      </p:sp>
+      <p:cxnSp>
+        <p:nvCxnSpPr>
+          <p:cNvPr id="1382" name="Elbow Connector 1381">
+            <a:extLst>
+              <a:ext uri="{FF2B5EF4-FFF2-40B4-BE49-F238E27FC236}">
+                <a16:creationId xmlns:a16="http://schemas.microsoft.com/office/drawing/2014/main" id="{13F3AAE5-1542-400F-A278-3DD3385B3D22}"/>
+              </a:ext>
+            </a:extLst>
+          </p:cNvPr>
+          <p:cNvCxnSpPr>
+            <a:cxnSpLocks/>
+            <a:stCxn id="1314" idx="0"/>
+            <a:endCxn id="62" idx="1"/>
+          </p:cNvCxnSpPr>
+          <p:nvPr/>
+        </p:nvCxnSpPr>
+        <p:spPr>
+          <a:xfrm rot="5400000" flipH="1" flipV="1">
+            <a:off x="5518594" y="428923"/>
+            <a:ext cx="77135" cy="414644"/>
+          </a:xfrm>
+          <a:prstGeom prst="bentConnector2">
+            <a:avLst/>
+          </a:prstGeom>
+          <a:ln>
+            <a:solidFill>
+              <a:schemeClr val="tx1"/>
+            </a:solidFill>
+            <a:tailEnd type="triangle"/>
+          </a:ln>
+        </p:spPr>
+        <p:style>
+          <a:lnRef idx="1">
+            <a:schemeClr val="accent1"/>
+          </a:lnRef>
+          <a:fillRef idx="0">
+            <a:schemeClr val="accent1"/>
+          </a:fillRef>
+          <a:effectRef idx="0">
+            <a:schemeClr val="accent1"/>
+          </a:effectRef>
+          <a:fontRef idx="minor">
+            <a:schemeClr val="tx1"/>
+          </a:fontRef>
+        </p:style>
+      </p:cxnSp>
+      <p:cxnSp>
+        <p:nvCxnSpPr>
+          <p:cNvPr id="1386" name="Elbow Connector 1385">
+            <a:extLst>
+              <a:ext uri="{FF2B5EF4-FFF2-40B4-BE49-F238E27FC236}">
+                <a16:creationId xmlns:a16="http://schemas.microsoft.com/office/drawing/2014/main" id="{C4E930B1-90F4-EA83-365A-A9E1EFB5BBEE}"/>
+              </a:ext>
+            </a:extLst>
+          </p:cNvPr>
+          <p:cNvCxnSpPr>
+            <a:cxnSpLocks/>
+            <a:stCxn id="1395" idx="0"/>
+            <a:endCxn id="23" idx="0"/>
+          </p:cNvCxnSpPr>
+          <p:nvPr/>
+        </p:nvCxnSpPr>
+        <p:spPr>
+          <a:xfrm rot="5400000" flipH="1" flipV="1">
+            <a:off x="2408614" y="79140"/>
+            <a:ext cx="2779501" cy="5201283"/>
+          </a:xfrm>
+          <a:prstGeom prst="bentConnector3">
+            <a:avLst>
+              <a:gd name="adj1" fmla="val 108224"/>
+            </a:avLst>
+          </a:prstGeom>
+          <a:ln>
+            <a:solidFill>
+              <a:schemeClr val="tx2"/>
+            </a:solidFill>
+            <a:tailEnd type="triangle"/>
+          </a:ln>
+        </p:spPr>
+        <p:style>
+          <a:lnRef idx="1">
+            <a:schemeClr val="dk1"/>
+          </a:lnRef>
+          <a:fillRef idx="0">
+            <a:schemeClr val="dk1"/>
+          </a:fillRef>
+          <a:effectRef idx="0">
+            <a:schemeClr val="dk1"/>
+          </a:effectRef>
+          <a:fontRef idx="minor">
+            <a:schemeClr val="tx1"/>
+          </a:fontRef>
+        </p:style>
+      </p:cxnSp>
+      <p:cxnSp>
+        <p:nvCxnSpPr>
+          <p:cNvPr id="1390" name="Elbow Connector 1389">
+            <a:extLst>
+              <a:ext uri="{FF2B5EF4-FFF2-40B4-BE49-F238E27FC236}">
+                <a16:creationId xmlns:a16="http://schemas.microsoft.com/office/drawing/2014/main" id="{E7371D27-877A-EC5D-706B-BBE954236BF6}"/>
+              </a:ext>
+            </a:extLst>
+          </p:cNvPr>
+          <p:cNvCxnSpPr>
+            <a:cxnSpLocks/>
+            <a:stCxn id="1395" idx="0"/>
+            <a:endCxn id="127" idx="0"/>
+          </p:cNvCxnSpPr>
+          <p:nvPr/>
+        </p:nvCxnSpPr>
+        <p:spPr>
+          <a:xfrm rot="5400000" flipH="1" flipV="1">
+            <a:off x="3107113" y="-619361"/>
+            <a:ext cx="2779502" cy="6598282"/>
+          </a:xfrm>
+          <a:prstGeom prst="bentConnector3">
+            <a:avLst>
+              <a:gd name="adj1" fmla="val 108224"/>
+            </a:avLst>
+          </a:prstGeom>
+          <a:ln>
+            <a:solidFill>
+              <a:schemeClr val="tx2"/>
+            </a:solidFill>
+            <a:tailEnd type="triangle"/>
+          </a:ln>
+        </p:spPr>
+        <p:style>
+          <a:lnRef idx="1">
+            <a:schemeClr val="dk1"/>
+          </a:lnRef>
+          <a:fillRef idx="0">
+            <a:schemeClr val="dk1"/>
+          </a:fillRef>
+          <a:effectRef idx="0">
+            <a:schemeClr val="dk1"/>
+          </a:effectRef>
+          <a:fontRef idx="minor">
+            <a:schemeClr val="tx1"/>
+          </a:fontRef>
+        </p:style>
+      </p:cxnSp>
+      <p:sp>
+        <p:nvSpPr>
+          <p:cNvPr id="1395" name="Oval 1394">
+            <a:extLst>
+              <a:ext uri="{FF2B5EF4-FFF2-40B4-BE49-F238E27FC236}">
+                <a16:creationId xmlns:a16="http://schemas.microsoft.com/office/drawing/2014/main" id="{E9E80CB9-8391-03CD-C0A2-0CCAEEFA59A3}"/>
+              </a:ext>
+            </a:extLst>
+          </p:cNvPr>
+          <p:cNvSpPr/>
+          <p:nvPr/>
+        </p:nvSpPr>
+        <p:spPr>
+          <a:xfrm>
+            <a:off x="1089711" y="4069531"/>
+            <a:ext cx="216024" cy="216024"/>
+          </a:xfrm>
+          <a:prstGeom prst="ellipse">
+            <a:avLst/>
+          </a:prstGeom>
+          <a:solidFill>
+            <a:schemeClr val="bg1"/>
+          </a:solidFill>
+          <a:ln w="19050">
+            <a:solidFill>
+              <a:schemeClr val="tx2"/>
+            </a:solidFill>
+          </a:ln>
+        </p:spPr>
+        <p:style>
+          <a:lnRef idx="2">
+            <a:schemeClr val="accent1">
+              <a:shade val="15000"/>
+            </a:schemeClr>
+          </a:lnRef>
+          <a:fillRef idx="1">
+            <a:schemeClr val="accent1"/>
+          </a:fillRef>
+          <a:effectRef idx="0">
+            <a:schemeClr val="accent1"/>
+          </a:effectRef>
+          <a:fontRef idx="minor">
+            <a:schemeClr val="lt1"/>
+          </a:fontRef>
+        </p:style>
+        <p:txBody>
+          <a:bodyPr rtlCol="0" anchor="ctr"/>
+          <a:lstStyle/>
+          <a:p>
+            <a:pPr algn="ctr"/>
+            <a:r>
+              <a:rPr lang="en-KR" sz="1000">
+                <a:solidFill>
+                  <a:schemeClr val="tx2"/>
+                </a:solidFill>
+              </a:rPr>
+              <a:t>2</a:t>
+            </a:r>
+          </a:p>
+        </p:txBody>
+      </p:sp>
+      <p:cxnSp>
+        <p:nvCxnSpPr>
+          <p:cNvPr id="1398" name="Elbow Connector 1397">
+            <a:extLst>
+              <a:ext uri="{FF2B5EF4-FFF2-40B4-BE49-F238E27FC236}">
+                <a16:creationId xmlns:a16="http://schemas.microsoft.com/office/drawing/2014/main" id="{8561BE5D-A1BA-8C39-9586-4F21FFD332E3}"/>
+              </a:ext>
+            </a:extLst>
+          </p:cNvPr>
+          <p:cNvCxnSpPr>
+            <a:cxnSpLocks/>
+            <a:stCxn id="1395" idx="0"/>
+            <a:endCxn id="1028" idx="1"/>
+          </p:cNvCxnSpPr>
+          <p:nvPr/>
+        </p:nvCxnSpPr>
+        <p:spPr>
+          <a:xfrm rot="5400000" flipH="1" flipV="1">
+            <a:off x="520286" y="2413096"/>
+            <a:ext cx="2333873" cy="978999"/>
+          </a:xfrm>
+          <a:prstGeom prst="bentConnector2">
+            <a:avLst/>
+          </a:prstGeom>
+          <a:ln>
+            <a:solidFill>
+              <a:schemeClr val="tx2"/>
+            </a:solidFill>
+            <a:tailEnd type="triangle"/>
+          </a:ln>
+        </p:spPr>
+        <p:style>
+          <a:lnRef idx="1">
+            <a:schemeClr val="dk1"/>
+          </a:lnRef>
+          <a:fillRef idx="0">
+            <a:schemeClr val="dk1"/>
+          </a:fillRef>
+          <a:effectRef idx="0">
+            <a:schemeClr val="dk1"/>
+          </a:effectRef>
+          <a:fontRef idx="minor">
+            <a:schemeClr val="tx1"/>
+          </a:fontRef>
+        </p:style>
+      </p:cxnSp>
+      <p:sp>
+        <p:nvSpPr>
+          <p:cNvPr id="1401" name="TextBox 1400">
+            <a:extLst>
+              <a:ext uri="{FF2B5EF4-FFF2-40B4-BE49-F238E27FC236}">
+                <a16:creationId xmlns:a16="http://schemas.microsoft.com/office/drawing/2014/main" id="{E9DFE471-2B7D-967E-2DAA-FF3616B12519}"/>
+              </a:ext>
+            </a:extLst>
+          </p:cNvPr>
+          <p:cNvSpPr txBox="1"/>
+          <p:nvPr/>
+        </p:nvSpPr>
+        <p:spPr>
+          <a:xfrm>
+            <a:off x="1158801" y="1154930"/>
+            <a:ext cx="780984" cy="461665"/>
+          </a:xfrm>
+          <a:prstGeom prst="rect">
+            <a:avLst/>
+          </a:prstGeom>
+          <a:noFill/>
+        </p:spPr>
+        <p:txBody>
+          <a:bodyPr wrap="none" rtlCol="0">
+            <a:spAutoFit/>
+          </a:bodyPr>
+          <a:lstStyle/>
+          <a:p>
+            <a:pPr algn="ctr"/>
+            <a:r>
+              <a:rPr lang="en-KR" sz="800">
+                <a:solidFill>
+                  <a:schemeClr val="tx2"/>
+                </a:solidFill>
+              </a:rPr>
+              <a:t>Create </a:t>
+            </a:r>
+          </a:p>
+          <a:p>
+            <a:pPr algn="ctr"/>
+            <a:r>
+              <a:rPr lang="en-KR" sz="800">
+                <a:solidFill>
+                  <a:schemeClr val="tx2"/>
+                </a:solidFill>
+              </a:rPr>
+              <a:t>ConfigMaps </a:t>
+            </a:r>
+          </a:p>
+          <a:p>
+            <a:pPr algn="ctr"/>
+            <a:r>
+              <a:rPr lang="en-KR" sz="800">
+                <a:solidFill>
+                  <a:schemeClr val="tx2"/>
+                </a:solidFill>
+              </a:rPr>
+              <a:t>&amp; Secret</a:t>
+            </a:r>
+          </a:p>
+        </p:txBody>
+      </p:sp>
+      <p:sp>
+        <p:nvSpPr>
+          <p:cNvPr id="1418" name="Rounded Rectangle 1417">
+            <a:extLst>
+              <a:ext uri="{FF2B5EF4-FFF2-40B4-BE49-F238E27FC236}">
+                <a16:creationId xmlns:a16="http://schemas.microsoft.com/office/drawing/2014/main" id="{89449F97-19E6-346D-DEC1-B1B1F09847F4}"/>
+              </a:ext>
+            </a:extLst>
+          </p:cNvPr>
+          <p:cNvSpPr/>
+          <p:nvPr/>
+        </p:nvSpPr>
+        <p:spPr>
+          <a:xfrm>
+            <a:off x="3239812" y="1720870"/>
+            <a:ext cx="2463451" cy="985255"/>
+          </a:xfrm>
+          <a:prstGeom prst="roundRect">
+            <a:avLst>
+              <a:gd name="adj" fmla="val 3462"/>
+            </a:avLst>
+          </a:prstGeom>
+          <a:noFill/>
+          <a:ln w="12700">
+            <a:solidFill>
+              <a:schemeClr val="tx1"/>
+            </a:solidFill>
+            <a:prstDash val="dash"/>
+          </a:ln>
+        </p:spPr>
+        <p:style>
+          <a:lnRef idx="2">
+            <a:schemeClr val="accent1">
+              <a:shade val="50000"/>
+            </a:schemeClr>
+          </a:lnRef>
+          <a:fillRef idx="1">
+            <a:schemeClr val="accent1"/>
+          </a:fillRef>
+          <a:effectRef idx="0">
+            <a:schemeClr val="accent1"/>
+          </a:effectRef>
+          <a:fontRef idx="minor">
+            <a:schemeClr val="lt1"/>
+          </a:fontRef>
+        </p:style>
+        <p:txBody>
+          <a:bodyPr rtlCol="0" anchor="b"/>
+          <a:lstStyle/>
+          <a:p>
+            <a:pPr algn="r"/>
+            <a:r>
+              <a:rPr lang="en-KR" sz="1000">
+                <a:solidFill>
+                  <a:sysClr val="windowText" lastClr="000000"/>
+                </a:solidFill>
+              </a:rPr>
+              <a:t>Driver </a:t>
+            </a:r>
+          </a:p>
+          <a:p>
+            <a:pPr algn="r"/>
+            <a:r>
+              <a:rPr lang="en-KR" sz="1000">
+                <a:solidFill>
+                  <a:sysClr val="windowText" lastClr="000000"/>
+                </a:solidFill>
+              </a:rPr>
+              <a:t>ConfigMaps</a:t>
+            </a:r>
+          </a:p>
+        </p:txBody>
+      </p:sp>
+      <p:cxnSp>
+        <p:nvCxnSpPr>
+          <p:cNvPr id="1420" name="Elbow Connector 1419">
+            <a:extLst>
+              <a:ext uri="{FF2B5EF4-FFF2-40B4-BE49-F238E27FC236}">
+                <a16:creationId xmlns:a16="http://schemas.microsoft.com/office/drawing/2014/main" id="{937F3AE4-FF45-7DAD-31FD-EB30D08E5958}"/>
+              </a:ext>
+            </a:extLst>
+          </p:cNvPr>
+          <p:cNvCxnSpPr>
+            <a:cxnSpLocks/>
+            <a:stCxn id="1395" idx="0"/>
+            <a:endCxn id="1216" idx="0"/>
+          </p:cNvCxnSpPr>
+          <p:nvPr/>
+        </p:nvCxnSpPr>
+        <p:spPr>
+          <a:xfrm rot="5400000" flipH="1" flipV="1">
+            <a:off x="1803007" y="689259"/>
+            <a:ext cx="2774989" cy="3985557"/>
+          </a:xfrm>
+          <a:prstGeom prst="bentConnector3">
+            <a:avLst>
+              <a:gd name="adj1" fmla="val 108238"/>
+            </a:avLst>
+          </a:prstGeom>
+          <a:ln>
+            <a:solidFill>
+              <a:schemeClr val="tx2"/>
+            </a:solidFill>
+            <a:tailEnd type="triangle"/>
+          </a:ln>
+        </p:spPr>
+        <p:style>
+          <a:lnRef idx="1">
+            <a:schemeClr val="dk1"/>
+          </a:lnRef>
+          <a:fillRef idx="0">
+            <a:schemeClr val="dk1"/>
+          </a:fillRef>
+          <a:effectRef idx="0">
+            <a:schemeClr val="dk1"/>
+          </a:effectRef>
+          <a:fontRef idx="minor">
+            <a:schemeClr val="tx1"/>
+          </a:fontRef>
+        </p:style>
+      </p:cxnSp>
+      <p:cxnSp>
+        <p:nvCxnSpPr>
+          <p:cNvPr id="1452" name="Elbow Connector 1451">
+            <a:extLst>
+              <a:ext uri="{FF2B5EF4-FFF2-40B4-BE49-F238E27FC236}">
+                <a16:creationId xmlns:a16="http://schemas.microsoft.com/office/drawing/2014/main" id="{E8AD5438-7555-F4E0-CB03-DAE190D7C6EE}"/>
+              </a:ext>
+            </a:extLst>
+          </p:cNvPr>
+          <p:cNvCxnSpPr>
+            <a:cxnSpLocks/>
+            <a:stCxn id="1456" idx="6"/>
+          </p:cNvCxnSpPr>
+          <p:nvPr/>
+        </p:nvCxnSpPr>
+        <p:spPr>
+          <a:xfrm flipV="1">
+            <a:off x="3442676" y="2689201"/>
+            <a:ext cx="175704" cy="1207500"/>
+          </a:xfrm>
+          <a:prstGeom prst="bentConnector2">
+            <a:avLst/>
+          </a:prstGeom>
+          <a:ln>
+            <a:solidFill>
+              <a:schemeClr val="tx2"/>
+            </a:solidFill>
+            <a:tailEnd type="triangle"/>
+          </a:ln>
+        </p:spPr>
+        <p:style>
+          <a:lnRef idx="1">
+            <a:schemeClr val="dk1"/>
+          </a:lnRef>
+          <a:fillRef idx="0">
+            <a:schemeClr val="dk1"/>
+          </a:fillRef>
+          <a:effectRef idx="0">
+            <a:schemeClr val="dk1"/>
+          </a:effectRef>
+          <a:fontRef idx="minor">
+            <a:schemeClr val="tx1"/>
+          </a:fontRef>
+        </p:style>
+      </p:cxnSp>
+      <p:sp>
+        <p:nvSpPr>
+          <p:cNvPr id="1456" name="Oval 1455">
+            <a:extLst>
+              <a:ext uri="{FF2B5EF4-FFF2-40B4-BE49-F238E27FC236}">
+                <a16:creationId xmlns:a16="http://schemas.microsoft.com/office/drawing/2014/main" id="{0B0F5BFA-CF52-475C-A504-1D9A647D391C}"/>
+              </a:ext>
+            </a:extLst>
+          </p:cNvPr>
+          <p:cNvSpPr/>
+          <p:nvPr/>
+        </p:nvSpPr>
+        <p:spPr>
+          <a:xfrm>
+            <a:off x="3226652" y="3788689"/>
+            <a:ext cx="216024" cy="216024"/>
+          </a:xfrm>
+          <a:prstGeom prst="ellipse">
+            <a:avLst/>
+          </a:prstGeom>
+          <a:solidFill>
+            <a:schemeClr val="bg1"/>
+          </a:solidFill>
+          <a:ln w="19050">
+            <a:solidFill>
+              <a:schemeClr val="tx2"/>
+            </a:solidFill>
+          </a:ln>
+        </p:spPr>
+        <p:style>
+          <a:lnRef idx="2">
+            <a:schemeClr val="accent1">
+              <a:shade val="15000"/>
+            </a:schemeClr>
+          </a:lnRef>
+          <a:fillRef idx="1">
+            <a:schemeClr val="accent1"/>
+          </a:fillRef>
+          <a:effectRef idx="0">
+            <a:schemeClr val="accent1"/>
+          </a:effectRef>
+          <a:fontRef idx="minor">
+            <a:schemeClr val="lt1"/>
+          </a:fontRef>
+        </p:style>
+        <p:txBody>
+          <a:bodyPr rtlCol="0" anchor="ctr"/>
+          <a:lstStyle/>
+          <a:p>
+            <a:pPr algn="ctr"/>
+            <a:r>
+              <a:rPr lang="en-KR" sz="1000">
+                <a:solidFill>
+                  <a:schemeClr val="tx2"/>
+                </a:solidFill>
+              </a:rPr>
+              <a:t>4</a:t>
+            </a:r>
+          </a:p>
+        </p:txBody>
+      </p:sp>
+      <p:sp>
+        <p:nvSpPr>
+          <p:cNvPr id="1458" name="TextBox 1457">
+            <a:extLst>
+              <a:ext uri="{FF2B5EF4-FFF2-40B4-BE49-F238E27FC236}">
+                <a16:creationId xmlns:a16="http://schemas.microsoft.com/office/drawing/2014/main" id="{435D83A4-E9A6-8F86-BEFF-5A130BE92C4F}"/>
+              </a:ext>
+            </a:extLst>
+          </p:cNvPr>
+          <p:cNvSpPr txBox="1"/>
+          <p:nvPr/>
+        </p:nvSpPr>
+        <p:spPr>
+          <a:xfrm>
+            <a:off x="3479047" y="3153375"/>
+            <a:ext cx="1003750" cy="338554"/>
+          </a:xfrm>
+          <a:prstGeom prst="rect">
+            <a:avLst/>
+          </a:prstGeom>
+          <a:noFill/>
+        </p:spPr>
+        <p:txBody>
+          <a:bodyPr wrap="square" rtlCol="0">
+            <a:spAutoFit/>
+          </a:bodyPr>
+          <a:lstStyle/>
+          <a:p>
+            <a:pPr algn="ctr"/>
+            <a:r>
+              <a:rPr lang="en-KR" sz="800">
+                <a:solidFill>
+                  <a:schemeClr val="tx2"/>
+                </a:solidFill>
+              </a:rPr>
+              <a:t>Create driver</a:t>
+            </a:r>
+          </a:p>
+          <a:p>
+            <a:pPr algn="ctr"/>
+            <a:r>
+              <a:rPr lang="en-KR" sz="800">
+                <a:solidFill>
+                  <a:schemeClr val="tx2"/>
+                </a:solidFill>
+              </a:rPr>
+              <a:t>ConfigMaps</a:t>
+            </a:r>
+          </a:p>
+        </p:txBody>
+      </p:sp>
+      <p:cxnSp>
+        <p:nvCxnSpPr>
+          <p:cNvPr id="1463" name="Straight Arrow Connector 1462">
+            <a:extLst>
+              <a:ext uri="{FF2B5EF4-FFF2-40B4-BE49-F238E27FC236}">
+                <a16:creationId xmlns:a16="http://schemas.microsoft.com/office/drawing/2014/main" id="{1ABC7C67-C0FF-BCDF-CB41-3E3BF2A1F520}"/>
+              </a:ext>
+            </a:extLst>
+          </p:cNvPr>
+          <p:cNvCxnSpPr>
+            <a:cxnSpLocks/>
+          </p:cNvCxnSpPr>
+          <p:nvPr/>
+        </p:nvCxnSpPr>
+        <p:spPr>
+          <a:xfrm>
+            <a:off x="3334664" y="2703637"/>
+            <a:ext cx="0" cy="459499"/>
+          </a:xfrm>
+          <a:prstGeom prst="straightConnector1">
+            <a:avLst/>
+          </a:prstGeom>
+          <a:ln>
+            <a:solidFill>
+              <a:schemeClr val="tx1"/>
+            </a:solidFill>
+            <a:tailEnd type="triangle"/>
+          </a:ln>
+        </p:spPr>
+        <p:style>
+          <a:lnRef idx="1">
+            <a:schemeClr val="accent1"/>
+          </a:lnRef>
+          <a:fillRef idx="0">
+            <a:schemeClr val="accent1"/>
+          </a:fillRef>
+          <a:effectRef idx="0">
+            <a:schemeClr val="accent1"/>
+          </a:effectRef>
+          <a:fontRef idx="minor">
+            <a:schemeClr val="tx1"/>
+          </a:fontRef>
+        </p:style>
+      </p:cxnSp>
+      <p:pic>
+        <p:nvPicPr>
+          <p:cNvPr id="1470" name="Picture 2" descr="사람 - 무료 사회적인개 아이콘">
+            <a:extLst>
+              <a:ext uri="{FF2B5EF4-FFF2-40B4-BE49-F238E27FC236}">
+                <a16:creationId xmlns:a16="http://schemas.microsoft.com/office/drawing/2014/main" id="{3AAC8214-C797-16AE-4DDD-28DD4F6CEDC6}"/>
+              </a:ext>
+            </a:extLst>
+          </p:cNvPr>
+          <p:cNvPicPr>
+            <a:picLocks noChangeAspect="1" noChangeArrowheads="1"/>
+          </p:cNvPicPr>
+          <p:nvPr/>
+        </p:nvPicPr>
+        <p:blipFill>
+          <a:blip r:embed="rId3">
+            <a:extLst>
+              <a:ext uri="{28A0092B-C50C-407E-A947-70E740481C1C}">
+                <a14:useLocalDpi xmlns:a14="http://schemas.microsoft.com/office/drawing/2010/main" val="0"/>
+              </a:ext>
+            </a:extLst>
+          </a:blip>
+          <a:srcRect/>
+          <a:stretch>
+            <a:fillRect/>
+          </a:stretch>
+        </p:blipFill>
+        <p:spPr bwMode="auto">
+          <a:xfrm>
+            <a:off x="198353" y="2843722"/>
+            <a:ext cx="558919" cy="558919"/>
+          </a:xfrm>
+          <a:prstGeom prst="rect">
+            <a:avLst/>
+          </a:prstGeom>
+          <a:noFill/>
+          <a:extLst>
+            <a:ext uri="{909E8E84-426E-40DD-AFC4-6F175D3DCCD1}">
+              <a14:hiddenFill xmlns:a14="http://schemas.microsoft.com/office/drawing/2010/main">
+                <a:solidFill>
+                  <a:srgbClr val="FFFFFF"/>
+                </a:solidFill>
+              </a14:hiddenFill>
+            </a:ext>
+          </a:extLst>
+        </p:spPr>
+      </p:pic>
+      <p:sp>
+        <p:nvSpPr>
+          <p:cNvPr id="1471" name="TextBox 1470">
+            <a:extLst>
+              <a:ext uri="{FF2B5EF4-FFF2-40B4-BE49-F238E27FC236}">
+                <a16:creationId xmlns:a16="http://schemas.microsoft.com/office/drawing/2014/main" id="{CA61A1E1-70B3-5711-8C4E-B807212CF280}"/>
+              </a:ext>
+            </a:extLst>
+          </p:cNvPr>
+          <p:cNvSpPr txBox="1"/>
+          <p:nvPr/>
+        </p:nvSpPr>
+        <p:spPr>
+          <a:xfrm>
+            <a:off x="286231" y="3303751"/>
+            <a:ext cx="393056" cy="215444"/>
+          </a:xfrm>
+          <a:prstGeom prst="rect">
+            <a:avLst/>
+          </a:prstGeom>
+          <a:noFill/>
+        </p:spPr>
+        <p:txBody>
+          <a:bodyPr wrap="none" rtlCol="0">
+            <a:spAutoFit/>
+          </a:bodyPr>
+          <a:lstStyle/>
+          <a:p>
+            <a:r>
+              <a:rPr lang="en-US" sz="800"/>
+              <a:t>User</a:t>
+            </a:r>
+            <a:endParaRPr lang="en-KR" sz="800"/>
+          </a:p>
+        </p:txBody>
+      </p:sp>
+      <p:cxnSp>
+        <p:nvCxnSpPr>
+          <p:cNvPr id="1473" name="Straight Arrow Connector 1472">
+            <a:extLst>
+              <a:ext uri="{FF2B5EF4-FFF2-40B4-BE49-F238E27FC236}">
+                <a16:creationId xmlns:a16="http://schemas.microsoft.com/office/drawing/2014/main" id="{759A17BF-53C0-3683-785E-1C624A1BF4AD}"/>
+              </a:ext>
+            </a:extLst>
+          </p:cNvPr>
+          <p:cNvCxnSpPr>
+            <a:cxnSpLocks/>
+            <a:stCxn id="1482" idx="4"/>
+          </p:cNvCxnSpPr>
+          <p:nvPr/>
+        </p:nvCxnSpPr>
+        <p:spPr>
+          <a:xfrm>
+            <a:off x="478042" y="3711362"/>
+            <a:ext cx="0" cy="509382"/>
+          </a:xfrm>
+          <a:prstGeom prst="straightConnector1">
+            <a:avLst/>
+          </a:prstGeom>
+          <a:ln>
+            <a:solidFill>
+              <a:schemeClr val="tx2"/>
+            </a:solidFill>
+            <a:tailEnd type="triangle"/>
+          </a:ln>
+        </p:spPr>
+        <p:style>
+          <a:lnRef idx="1">
+            <a:schemeClr val="accent1"/>
+          </a:lnRef>
+          <a:fillRef idx="0">
+            <a:schemeClr val="accent1"/>
+          </a:fillRef>
+          <a:effectRef idx="0">
+            <a:schemeClr val="accent1"/>
+          </a:effectRef>
+          <a:fontRef idx="minor">
+            <a:schemeClr val="tx1"/>
+          </a:fontRef>
+        </p:style>
+      </p:cxnSp>
+      <p:sp>
+        <p:nvSpPr>
+          <p:cNvPr id="1482" name="Oval 1481">
+            <a:extLst>
+              <a:ext uri="{FF2B5EF4-FFF2-40B4-BE49-F238E27FC236}">
+                <a16:creationId xmlns:a16="http://schemas.microsoft.com/office/drawing/2014/main" id="{7D12FE3B-172C-27B8-5EC7-3C6CFB6B7F2D}"/>
+              </a:ext>
+            </a:extLst>
+          </p:cNvPr>
+          <p:cNvSpPr/>
+          <p:nvPr/>
+        </p:nvSpPr>
+        <p:spPr>
+          <a:xfrm>
+            <a:off x="370030" y="3495338"/>
+            <a:ext cx="216024" cy="216024"/>
+          </a:xfrm>
+          <a:prstGeom prst="ellipse">
+            <a:avLst/>
+          </a:prstGeom>
+          <a:solidFill>
+            <a:schemeClr val="bg1"/>
+          </a:solidFill>
+          <a:ln w="19050">
+            <a:solidFill>
+              <a:schemeClr val="tx2"/>
+            </a:solidFill>
+          </a:ln>
+        </p:spPr>
+        <p:style>
+          <a:lnRef idx="2">
+            <a:schemeClr val="accent1">
+              <a:shade val="15000"/>
+            </a:schemeClr>
+          </a:lnRef>
+          <a:fillRef idx="1">
+            <a:schemeClr val="accent1"/>
+          </a:fillRef>
+          <a:effectRef idx="0">
+            <a:schemeClr val="accent1"/>
+          </a:effectRef>
+          <a:fontRef idx="minor">
+            <a:schemeClr val="lt1"/>
+          </a:fontRef>
+        </p:style>
+        <p:txBody>
+          <a:bodyPr rtlCol="0" anchor="ctr"/>
+          <a:lstStyle/>
+          <a:p>
+            <a:pPr algn="ctr"/>
+            <a:r>
+              <a:rPr lang="en-KR" sz="1000">
+                <a:solidFill>
+                  <a:schemeClr val="tx2"/>
+                </a:solidFill>
+              </a:rPr>
+              <a:t>1</a:t>
+            </a:r>
+          </a:p>
+        </p:txBody>
+      </p:sp>
+      <p:sp>
+        <p:nvSpPr>
+          <p:cNvPr id="1486" name="TextBox 1485">
+            <a:extLst>
+              <a:ext uri="{FF2B5EF4-FFF2-40B4-BE49-F238E27FC236}">
+                <a16:creationId xmlns:a16="http://schemas.microsoft.com/office/drawing/2014/main" id="{1C78337D-1918-7456-0948-6DF283EAE35C}"/>
+              </a:ext>
+            </a:extLst>
+          </p:cNvPr>
+          <p:cNvSpPr txBox="1"/>
+          <p:nvPr/>
+        </p:nvSpPr>
+        <p:spPr>
+          <a:xfrm>
+            <a:off x="437820" y="3676142"/>
+            <a:ext cx="800220" cy="230832"/>
+          </a:xfrm>
+          <a:prstGeom prst="rect">
+            <a:avLst/>
+          </a:prstGeom>
+          <a:noFill/>
+        </p:spPr>
+        <p:txBody>
+          <a:bodyPr wrap="none" rtlCol="0">
+            <a:spAutoFit/>
+          </a:bodyPr>
+          <a:lstStyle/>
+          <a:p>
+            <a:pPr algn="ctr"/>
+            <a:r>
+              <a:rPr lang="en-KR" sz="900">
+                <a:solidFill>
+                  <a:schemeClr val="tx2"/>
+                </a:solidFill>
+              </a:rPr>
+              <a:t>Submit job </a:t>
+            </a:r>
+          </a:p>
+        </p:txBody>
+      </p:sp>
+      <p:cxnSp>
+        <p:nvCxnSpPr>
+          <p:cNvPr id="1487" name="Straight Arrow Connector 1486">
+            <a:extLst>
+              <a:ext uri="{FF2B5EF4-FFF2-40B4-BE49-F238E27FC236}">
+                <a16:creationId xmlns:a16="http://schemas.microsoft.com/office/drawing/2014/main" id="{63FDD761-36C9-4858-57D3-1BE09E87722E}"/>
+              </a:ext>
+            </a:extLst>
+          </p:cNvPr>
+          <p:cNvCxnSpPr>
+            <a:cxnSpLocks/>
+          </p:cNvCxnSpPr>
+          <p:nvPr/>
+        </p:nvCxnSpPr>
+        <p:spPr>
+          <a:xfrm>
+            <a:off x="179192" y="125849"/>
+            <a:ext cx="344305" cy="0"/>
+          </a:xfrm>
+          <a:prstGeom prst="straightConnector1">
+            <a:avLst/>
+          </a:prstGeom>
+          <a:ln>
+            <a:solidFill>
+              <a:schemeClr val="tx2"/>
+            </a:solidFill>
+            <a:tailEnd type="triangle"/>
+          </a:ln>
+        </p:spPr>
+        <p:style>
+          <a:lnRef idx="1">
+            <a:schemeClr val="dk1"/>
+          </a:lnRef>
+          <a:fillRef idx="0">
+            <a:schemeClr val="dk1"/>
+          </a:fillRef>
+          <a:effectRef idx="0">
+            <a:schemeClr val="dk1"/>
+          </a:effectRef>
+          <a:fontRef idx="minor">
+            <a:schemeClr val="tx1"/>
+          </a:fontRef>
+        </p:style>
+      </p:cxnSp>
+      <p:sp>
+        <p:nvSpPr>
+          <p:cNvPr id="1488" name="TextBox 1487">
+            <a:extLst>
+              <a:ext uri="{FF2B5EF4-FFF2-40B4-BE49-F238E27FC236}">
+                <a16:creationId xmlns:a16="http://schemas.microsoft.com/office/drawing/2014/main" id="{307812F0-6FA0-8A5A-F686-1F40956647BD}"/>
+              </a:ext>
+            </a:extLst>
+          </p:cNvPr>
+          <p:cNvSpPr txBox="1"/>
+          <p:nvPr/>
+        </p:nvSpPr>
+        <p:spPr>
+          <a:xfrm>
+            <a:off x="523497" y="5818"/>
+            <a:ext cx="899605" cy="230832"/>
+          </a:xfrm>
+          <a:prstGeom prst="rect">
+            <a:avLst/>
+          </a:prstGeom>
+          <a:noFill/>
+        </p:spPr>
+        <p:txBody>
+          <a:bodyPr wrap="none" rtlCol="0">
+            <a:spAutoFit/>
+          </a:bodyPr>
+          <a:lstStyle/>
+          <a:p>
+            <a:r>
+              <a:rPr lang="en-KR" sz="900"/>
+              <a:t>Spark Job Init</a:t>
+            </a:r>
+          </a:p>
+        </p:txBody>
+      </p:sp>
+      <p:cxnSp>
+        <p:nvCxnSpPr>
+          <p:cNvPr id="1489" name="Straight Arrow Connector 1488">
+            <a:extLst>
+              <a:ext uri="{FF2B5EF4-FFF2-40B4-BE49-F238E27FC236}">
+                <a16:creationId xmlns:a16="http://schemas.microsoft.com/office/drawing/2014/main" id="{D39FCE38-99E7-A433-DC29-818E2E1A38F1}"/>
+              </a:ext>
+            </a:extLst>
+          </p:cNvPr>
+          <p:cNvCxnSpPr>
+            <a:cxnSpLocks/>
+          </p:cNvCxnSpPr>
+          <p:nvPr/>
+        </p:nvCxnSpPr>
+        <p:spPr>
+          <a:xfrm>
+            <a:off x="173430" y="339037"/>
+            <a:ext cx="344305" cy="0"/>
+          </a:xfrm>
+          <a:prstGeom prst="straightConnector1">
+            <a:avLst/>
+          </a:prstGeom>
+          <a:ln>
+            <a:solidFill>
+              <a:srgbClr val="C00000"/>
+            </a:solidFill>
+            <a:tailEnd type="triangle"/>
+          </a:ln>
+        </p:spPr>
+        <p:style>
+          <a:lnRef idx="1">
+            <a:schemeClr val="dk1"/>
+          </a:lnRef>
+          <a:fillRef idx="0">
+            <a:schemeClr val="dk1"/>
+          </a:fillRef>
+          <a:effectRef idx="0">
+            <a:schemeClr val="dk1"/>
+          </a:effectRef>
+          <a:fontRef idx="minor">
+            <a:schemeClr val="tx1"/>
+          </a:fontRef>
+        </p:style>
+      </p:cxnSp>
+      <p:sp>
+        <p:nvSpPr>
+          <p:cNvPr id="1490" name="TextBox 1489">
+            <a:extLst>
+              <a:ext uri="{FF2B5EF4-FFF2-40B4-BE49-F238E27FC236}">
+                <a16:creationId xmlns:a16="http://schemas.microsoft.com/office/drawing/2014/main" id="{C64BEFD3-9AC7-BBF5-84C2-2E41C27209E0}"/>
+              </a:ext>
+            </a:extLst>
+          </p:cNvPr>
+          <p:cNvSpPr txBox="1"/>
+          <p:nvPr/>
+        </p:nvSpPr>
+        <p:spPr>
+          <a:xfrm>
+            <a:off x="523497" y="219006"/>
+            <a:ext cx="1244250" cy="230832"/>
+          </a:xfrm>
+          <a:prstGeom prst="rect">
+            <a:avLst/>
+          </a:prstGeom>
+          <a:noFill/>
+        </p:spPr>
+        <p:txBody>
+          <a:bodyPr wrap="none" rtlCol="0">
+            <a:spAutoFit/>
+          </a:bodyPr>
+          <a:lstStyle/>
+          <a:p>
+            <a:r>
+              <a:rPr lang="en-KR" sz="900"/>
+              <a:t>Spark History Server</a:t>
+            </a:r>
+          </a:p>
+        </p:txBody>
+      </p:sp>
+      <p:cxnSp>
+        <p:nvCxnSpPr>
+          <p:cNvPr id="1491" name="Straight Arrow Connector 1490">
+            <a:extLst>
+              <a:ext uri="{FF2B5EF4-FFF2-40B4-BE49-F238E27FC236}">
+                <a16:creationId xmlns:a16="http://schemas.microsoft.com/office/drawing/2014/main" id="{DDA65CD1-25F1-F9B5-D711-A78C45EFBE11}"/>
+              </a:ext>
+            </a:extLst>
+          </p:cNvPr>
+          <p:cNvCxnSpPr>
+            <a:cxnSpLocks/>
+            <a:endCxn id="1492" idx="1"/>
+          </p:cNvCxnSpPr>
+          <p:nvPr/>
+        </p:nvCxnSpPr>
+        <p:spPr>
+          <a:xfrm>
+            <a:off x="173430" y="557850"/>
+            <a:ext cx="350067" cy="0"/>
+          </a:xfrm>
+          <a:prstGeom prst="straightConnector1">
+            <a:avLst/>
+          </a:prstGeom>
+          <a:ln>
+            <a:solidFill>
+              <a:srgbClr val="00B050"/>
+            </a:solidFill>
+            <a:tailEnd type="triangle"/>
+          </a:ln>
+        </p:spPr>
+        <p:style>
+          <a:lnRef idx="1">
+            <a:schemeClr val="dk1"/>
+          </a:lnRef>
+          <a:fillRef idx="0">
+            <a:schemeClr val="dk1"/>
+          </a:fillRef>
+          <a:effectRef idx="0">
+            <a:schemeClr val="dk1"/>
+          </a:effectRef>
+          <a:fontRef idx="minor">
+            <a:schemeClr val="tx1"/>
+          </a:fontRef>
+        </p:style>
+      </p:cxnSp>
+      <p:sp>
+        <p:nvSpPr>
+          <p:cNvPr id="1492" name="TextBox 1491">
+            <a:extLst>
+              <a:ext uri="{FF2B5EF4-FFF2-40B4-BE49-F238E27FC236}">
+                <a16:creationId xmlns:a16="http://schemas.microsoft.com/office/drawing/2014/main" id="{88BD5E18-782D-512F-5482-81C2C9DAC1FF}"/>
+              </a:ext>
+            </a:extLst>
+          </p:cNvPr>
+          <p:cNvSpPr txBox="1"/>
+          <p:nvPr/>
+        </p:nvSpPr>
+        <p:spPr>
+          <a:xfrm>
+            <a:off x="523497" y="442434"/>
+            <a:ext cx="907621" cy="230832"/>
+          </a:xfrm>
+          <a:prstGeom prst="rect">
+            <a:avLst/>
+          </a:prstGeom>
+          <a:noFill/>
+        </p:spPr>
+        <p:txBody>
+          <a:bodyPr wrap="none" rtlCol="0">
+            <a:spAutoFit/>
+          </a:bodyPr>
+          <a:lstStyle/>
+          <a:p>
+            <a:r>
+              <a:rPr lang="en-US" sz="900"/>
+              <a:t>Spark Web UI</a:t>
+            </a:r>
+          </a:p>
+        </p:txBody>
+      </p:sp>
+      <p:cxnSp>
+        <p:nvCxnSpPr>
+          <p:cNvPr id="1495" name="Elbow Connector 1494">
+            <a:extLst>
+              <a:ext uri="{FF2B5EF4-FFF2-40B4-BE49-F238E27FC236}">
+                <a16:creationId xmlns:a16="http://schemas.microsoft.com/office/drawing/2014/main" id="{07EE4925-D3FC-5AAA-2F2B-861629A70870}"/>
+              </a:ext>
+            </a:extLst>
+          </p:cNvPr>
+          <p:cNvCxnSpPr>
+            <a:cxnSpLocks/>
+            <a:stCxn id="126" idx="2"/>
+          </p:cNvCxnSpPr>
+          <p:nvPr/>
+        </p:nvCxnSpPr>
+        <p:spPr>
+          <a:xfrm rot="5400000" flipH="1" flipV="1">
+            <a:off x="2534301" y="1526838"/>
+            <a:ext cx="2586808" cy="1310184"/>
+          </a:xfrm>
+          <a:prstGeom prst="bentConnector3">
+            <a:avLst>
+              <a:gd name="adj1" fmla="val -2503"/>
+            </a:avLst>
+          </a:prstGeom>
+          <a:ln>
+            <a:solidFill>
+              <a:srgbClr val="C00000"/>
+            </a:solidFill>
+            <a:tailEnd type="triangle"/>
+          </a:ln>
+        </p:spPr>
+        <p:style>
+          <a:lnRef idx="1">
+            <a:schemeClr val="dk1"/>
+          </a:lnRef>
+          <a:fillRef idx="0">
+            <a:schemeClr val="dk1"/>
+          </a:fillRef>
+          <a:effectRef idx="0">
+            <a:schemeClr val="dk1"/>
+          </a:effectRef>
+          <a:fontRef idx="minor">
+            <a:schemeClr val="tx1"/>
+          </a:fontRef>
+        </p:style>
+      </p:cxnSp>
+      <p:cxnSp>
+        <p:nvCxnSpPr>
+          <p:cNvPr id="1504" name="Elbow Connector 1503">
+            <a:extLst>
+              <a:ext uri="{FF2B5EF4-FFF2-40B4-BE49-F238E27FC236}">
+                <a16:creationId xmlns:a16="http://schemas.microsoft.com/office/drawing/2014/main" id="{78D855C9-935E-FC99-2063-31EB548483D7}"/>
+              </a:ext>
+            </a:extLst>
+          </p:cNvPr>
+          <p:cNvCxnSpPr>
+            <a:cxnSpLocks/>
+            <a:stCxn id="60" idx="1"/>
+            <a:endCxn id="1470" idx="0"/>
+          </p:cNvCxnSpPr>
+          <p:nvPr/>
+        </p:nvCxnSpPr>
+        <p:spPr>
+          <a:xfrm rot="10800000" flipV="1">
+            <a:off x="477814" y="696718"/>
+            <a:ext cx="1551157" cy="2147004"/>
+          </a:xfrm>
+          <a:prstGeom prst="bentConnector2">
+            <a:avLst/>
+          </a:prstGeom>
+          <a:ln>
+            <a:solidFill>
+              <a:srgbClr val="C00000"/>
+            </a:solidFill>
+            <a:tailEnd type="triangle"/>
+          </a:ln>
+        </p:spPr>
+        <p:style>
+          <a:lnRef idx="1">
+            <a:schemeClr val="dk1"/>
+          </a:lnRef>
+          <a:fillRef idx="0">
+            <a:schemeClr val="dk1"/>
+          </a:fillRef>
+          <a:effectRef idx="0">
+            <a:schemeClr val="dk1"/>
+          </a:effectRef>
+          <a:fontRef idx="minor">
+            <a:schemeClr val="tx1"/>
+          </a:fontRef>
+        </p:style>
+      </p:cxnSp>
+      <p:cxnSp>
+        <p:nvCxnSpPr>
+          <p:cNvPr id="1508" name="Elbow Connector 1507">
+            <a:extLst>
+              <a:ext uri="{FF2B5EF4-FFF2-40B4-BE49-F238E27FC236}">
+                <a16:creationId xmlns:a16="http://schemas.microsoft.com/office/drawing/2014/main" id="{8FAC0D80-5966-191C-1A2D-9BA43C8EAF1C}"/>
+              </a:ext>
+            </a:extLst>
+          </p:cNvPr>
+          <p:cNvCxnSpPr>
+            <a:cxnSpLocks/>
+            <a:stCxn id="1213" idx="0"/>
+            <a:endCxn id="1470" idx="3"/>
+          </p:cNvCxnSpPr>
+          <p:nvPr/>
+        </p:nvCxnSpPr>
+        <p:spPr>
+          <a:xfrm rot="16200000" flipH="1" flipV="1">
+            <a:off x="1462162" y="1930022"/>
+            <a:ext cx="488269" cy="1898049"/>
+          </a:xfrm>
+          <a:prstGeom prst="bentConnector4">
+            <a:avLst>
+              <a:gd name="adj1" fmla="val -10481"/>
+              <a:gd name="adj2" fmla="val 90509"/>
+            </a:avLst>
+          </a:prstGeom>
+          <a:ln>
+            <a:solidFill>
+              <a:srgbClr val="00B050"/>
+            </a:solidFill>
+            <a:tailEnd type="triangle"/>
+          </a:ln>
+        </p:spPr>
+        <p:style>
+          <a:lnRef idx="1">
+            <a:schemeClr val="dk1"/>
+          </a:lnRef>
+          <a:fillRef idx="0">
+            <a:schemeClr val="dk1"/>
+          </a:fillRef>
+          <a:effectRef idx="0">
+            <a:schemeClr val="dk1"/>
+          </a:effectRef>
+          <a:fontRef idx="minor">
+            <a:schemeClr val="tx1"/>
+          </a:fontRef>
+        </p:style>
+      </p:cxnSp>
+      <p:sp>
+        <p:nvSpPr>
+          <p:cNvPr id="1513" name="Oval 1512">
+            <a:extLst>
+              <a:ext uri="{FF2B5EF4-FFF2-40B4-BE49-F238E27FC236}">
+                <a16:creationId xmlns:a16="http://schemas.microsoft.com/office/drawing/2014/main" id="{1A6A68C8-540C-E9E6-D9D7-303B42D2BF37}"/>
+              </a:ext>
+            </a:extLst>
+          </p:cNvPr>
+          <p:cNvSpPr/>
+          <p:nvPr/>
+        </p:nvSpPr>
+        <p:spPr>
+          <a:xfrm>
+            <a:off x="2220791" y="3089332"/>
+            <a:ext cx="216024" cy="216024"/>
+          </a:xfrm>
+          <a:prstGeom prst="ellipse">
+            <a:avLst/>
+          </a:prstGeom>
+          <a:solidFill>
+            <a:schemeClr val="bg1"/>
+          </a:solidFill>
+          <a:ln w="19050">
+            <a:solidFill>
+              <a:srgbClr val="00B050"/>
+            </a:solidFill>
+          </a:ln>
+        </p:spPr>
+        <p:style>
+          <a:lnRef idx="2">
+            <a:schemeClr val="accent1">
+              <a:shade val="15000"/>
+            </a:schemeClr>
+          </a:lnRef>
+          <a:fillRef idx="1">
+            <a:schemeClr val="accent1"/>
+          </a:fillRef>
+          <a:effectRef idx="0">
+            <a:schemeClr val="accent1"/>
+          </a:effectRef>
+          <a:fontRef idx="minor">
+            <a:schemeClr val="lt1"/>
+          </a:fontRef>
+        </p:style>
+        <p:txBody>
+          <a:bodyPr rtlCol="0" anchor="ctr"/>
+          <a:lstStyle/>
+          <a:p>
+            <a:pPr algn="ctr"/>
+            <a:r>
+              <a:rPr lang="en-KR" sz="1000">
+                <a:solidFill>
+                  <a:srgbClr val="00B050"/>
+                </a:solidFill>
+              </a:rPr>
+              <a:t>1</a:t>
+            </a:r>
+          </a:p>
+        </p:txBody>
+      </p:sp>
+      <p:cxnSp>
+        <p:nvCxnSpPr>
+          <p:cNvPr id="1523" name="Elbow Connector 1522">
+            <a:extLst>
+              <a:ext uri="{FF2B5EF4-FFF2-40B4-BE49-F238E27FC236}">
+                <a16:creationId xmlns:a16="http://schemas.microsoft.com/office/drawing/2014/main" id="{B17D0589-B401-7F80-0236-B70B014C1A8E}"/>
+              </a:ext>
+            </a:extLst>
+          </p:cNvPr>
+          <p:cNvCxnSpPr>
+            <a:cxnSpLocks/>
+            <a:stCxn id="1173" idx="2"/>
+            <a:endCxn id="125" idx="1"/>
+          </p:cNvCxnSpPr>
+          <p:nvPr/>
+        </p:nvCxnSpPr>
+        <p:spPr>
+          <a:xfrm rot="16200000" flipH="1">
+            <a:off x="1095296" y="2222237"/>
+            <a:ext cx="1087101" cy="1163892"/>
+          </a:xfrm>
+          <a:prstGeom prst="bentConnector2">
+            <a:avLst/>
+          </a:prstGeom>
+          <a:ln>
+            <a:solidFill>
+              <a:schemeClr val="tx1"/>
+            </a:solidFill>
+            <a:tailEnd type="triangle"/>
+          </a:ln>
+        </p:spPr>
+        <p:style>
+          <a:lnRef idx="1">
+            <a:schemeClr val="accent1"/>
+          </a:lnRef>
+          <a:fillRef idx="0">
+            <a:schemeClr val="accent1"/>
+          </a:fillRef>
+          <a:effectRef idx="0">
+            <a:schemeClr val="accent1"/>
+          </a:effectRef>
+          <a:fontRef idx="minor">
+            <a:schemeClr val="tx1"/>
+          </a:fontRef>
+        </p:style>
+      </p:cxnSp>
+    </p:spTree>
+    <p:extLst>
+      <p:ext uri="{BB962C8B-B14F-4D97-AF65-F5344CB8AC3E}">
+        <p14:creationId xmlns:p14="http://schemas.microsoft.com/office/powerpoint/2010/main" val="672385768"/>
+      </p:ext>
+    </p:extLst>
+  </p:cSld>
+  <p:clrMapOvr>
+    <a:masterClrMapping/>
+  </p:clrMapOvr>
+</p:sld>
+</file>
+
+<file path=ppt/slides/slide2.xml><?xml version="1.0" encoding="utf-8"?>
+<p:sld xmlns:a="http://schemas.openxmlformats.org/drawingml/2006/main" xmlns:r="http://schemas.openxmlformats.org/officeDocument/2006/relationships" xmlns:p="http://schemas.openxmlformats.org/presentationml/2006/main">
+  <p:cSld>
+    <p:spTree>
+      <p:nvGrpSpPr>
+        <p:cNvPr id="1" name=""/>
+        <p:cNvGrpSpPr/>
+        <p:nvPr/>
+      </p:nvGrpSpPr>
+      <p:grpSpPr>
+        <a:xfrm>
+          <a:off x="0" y="0"/>
+          <a:ext cx="0" cy="0"/>
+          <a:chOff x="0" y="0"/>
+          <a:chExt cx="0" cy="0"/>
+        </a:xfrm>
+      </p:grpSpPr>
     </p:spTree>
     <p:extLst>
       <p:ext uri="{BB962C8B-B14F-4D97-AF65-F5344CB8AC3E}">
@@ -3570,7 +9169,7 @@
 </p:sld>
 </file>
 
-<file path=ppt/slides/slide2.xml><?xml version="1.0" encoding="utf-8"?>
+<file path=ppt/slides/slide3.xml><?xml version="1.0" encoding="utf-8"?>
 <p:sld xmlns:a="http://schemas.openxmlformats.org/drawingml/2006/main" xmlns:r="http://schemas.openxmlformats.org/officeDocument/2006/relationships" xmlns:p="http://schemas.openxmlformats.org/presentationml/2006/main">
   <p:cSld>
     <p:spTree>
@@ -6825,7 +12424,7 @@
 </p:sld>
 </file>
 
-<file path=ppt/slides/slide3.xml><?xml version="1.0" encoding="utf-8"?>
+<file path=ppt/slides/slide4.xml><?xml version="1.0" encoding="utf-8"?>
 <p:sld xmlns:a="http://schemas.openxmlformats.org/drawingml/2006/main" xmlns:r="http://schemas.openxmlformats.org/officeDocument/2006/relationships" xmlns:p="http://schemas.openxmlformats.org/presentationml/2006/main">
   <p:cSld>
     <p:spTree>
